--- a/Microservice02.pptx
+++ b/Microservice02.pptx
@@ -13,15 +13,15 @@
     <p:sldId id="276" r:id="rId4"/>
     <p:sldId id="266" r:id="rId5"/>
     <p:sldId id="278" r:id="rId6"/>
-    <p:sldId id="277" r:id="rId7"/>
-    <p:sldId id="274" r:id="rId8"/>
-    <p:sldId id="279" r:id="rId9"/>
-    <p:sldId id="268" r:id="rId10"/>
-    <p:sldId id="270" r:id="rId11"/>
-    <p:sldId id="273" r:id="rId12"/>
-    <p:sldId id="271" r:id="rId13"/>
-    <p:sldId id="275" r:id="rId14"/>
-    <p:sldId id="272" r:id="rId15"/>
+    <p:sldId id="280" r:id="rId7"/>
+    <p:sldId id="277" r:id="rId8"/>
+    <p:sldId id="274" r:id="rId9"/>
+    <p:sldId id="279" r:id="rId10"/>
+    <p:sldId id="268" r:id="rId11"/>
+    <p:sldId id="270" r:id="rId12"/>
+    <p:sldId id="273" r:id="rId13"/>
+    <p:sldId id="271" r:id="rId14"/>
+    <p:sldId id="275" r:id="rId15"/>
     <p:sldId id="258" r:id="rId16"/>
   </p:sldIdLst>
   <p:sldSz cx="9144000" cy="6858000" type="screen4x3"/>
@@ -207,7 +207,7 @@
             <a:fld id="{1AA0A25A-0933-4BB6-AB00-1CCD3F98FE01}" type="datetimeFigureOut">
               <a:rPr lang="zh-TW" altLang="en-US" smtClean="0"/>
               <a:pPr/>
-              <a:t>2019/8/13</a:t>
+              <a:t>2019/8/20</a:t>
             </a:fld>
             <a:endParaRPr lang="zh-TW" altLang="en-US"/>
           </a:p>
@@ -655,7 +655,7 @@
             <a:fld id="{FD877D34-32F8-4B33-9092-4B8820F5807F}" type="datetimeFigureOut">
               <a:rPr lang="zh-TW" altLang="en-US" smtClean="0"/>
               <a:pPr/>
-              <a:t>2019/8/13</a:t>
+              <a:t>2019/8/20</a:t>
             </a:fld>
             <a:endParaRPr lang="zh-TW" altLang="en-US"/>
           </a:p>
@@ -822,7 +822,7 @@
             <a:fld id="{FD877D34-32F8-4B33-9092-4B8820F5807F}" type="datetimeFigureOut">
               <a:rPr lang="zh-TW" altLang="en-US" smtClean="0"/>
               <a:pPr/>
-              <a:t>2019/8/13</a:t>
+              <a:t>2019/8/20</a:t>
             </a:fld>
             <a:endParaRPr lang="zh-TW" altLang="en-US"/>
           </a:p>
@@ -999,7 +999,7 @@
             <a:fld id="{FD877D34-32F8-4B33-9092-4B8820F5807F}" type="datetimeFigureOut">
               <a:rPr lang="zh-TW" altLang="en-US" smtClean="0"/>
               <a:pPr/>
-              <a:t>2019/8/13</a:t>
+              <a:t>2019/8/20</a:t>
             </a:fld>
             <a:endParaRPr lang="zh-TW" altLang="en-US"/>
           </a:p>
@@ -1166,7 +1166,7 @@
             <a:fld id="{FD877D34-32F8-4B33-9092-4B8820F5807F}" type="datetimeFigureOut">
               <a:rPr lang="zh-TW" altLang="en-US" smtClean="0"/>
               <a:pPr/>
-              <a:t>2019/8/13</a:t>
+              <a:t>2019/8/20</a:t>
             </a:fld>
             <a:endParaRPr lang="zh-TW" altLang="en-US"/>
           </a:p>
@@ -1409,7 +1409,7 @@
             <a:fld id="{FD877D34-32F8-4B33-9092-4B8820F5807F}" type="datetimeFigureOut">
               <a:rPr lang="zh-TW" altLang="en-US" smtClean="0"/>
               <a:pPr/>
-              <a:t>2019/8/13</a:t>
+              <a:t>2019/8/20</a:t>
             </a:fld>
             <a:endParaRPr lang="zh-TW" altLang="en-US"/>
           </a:p>
@@ -1694,7 +1694,7 @@
             <a:fld id="{FD877D34-32F8-4B33-9092-4B8820F5807F}" type="datetimeFigureOut">
               <a:rPr lang="zh-TW" altLang="en-US" smtClean="0"/>
               <a:pPr/>
-              <a:t>2019/8/13</a:t>
+              <a:t>2019/8/20</a:t>
             </a:fld>
             <a:endParaRPr lang="zh-TW" altLang="en-US"/>
           </a:p>
@@ -2113,7 +2113,7 @@
             <a:fld id="{FD877D34-32F8-4B33-9092-4B8820F5807F}" type="datetimeFigureOut">
               <a:rPr lang="zh-TW" altLang="en-US" smtClean="0"/>
               <a:pPr/>
-              <a:t>2019/8/13</a:t>
+              <a:t>2019/8/20</a:t>
             </a:fld>
             <a:endParaRPr lang="zh-TW" altLang="en-US"/>
           </a:p>
@@ -2228,7 +2228,7 @@
             <a:fld id="{FD877D34-32F8-4B33-9092-4B8820F5807F}" type="datetimeFigureOut">
               <a:rPr lang="zh-TW" altLang="en-US" smtClean="0"/>
               <a:pPr/>
-              <a:t>2019/8/13</a:t>
+              <a:t>2019/8/20</a:t>
             </a:fld>
             <a:endParaRPr lang="zh-TW" altLang="en-US"/>
           </a:p>
@@ -2320,7 +2320,7 @@
             <a:fld id="{FD877D34-32F8-4B33-9092-4B8820F5807F}" type="datetimeFigureOut">
               <a:rPr lang="zh-TW" altLang="en-US" smtClean="0"/>
               <a:pPr/>
-              <a:t>2019/8/13</a:t>
+              <a:t>2019/8/20</a:t>
             </a:fld>
             <a:endParaRPr lang="zh-TW" altLang="en-US"/>
           </a:p>
@@ -2594,7 +2594,7 @@
             <a:fld id="{FD877D34-32F8-4B33-9092-4B8820F5807F}" type="datetimeFigureOut">
               <a:rPr lang="zh-TW" altLang="en-US" smtClean="0"/>
               <a:pPr/>
-              <a:t>2019/8/13</a:t>
+              <a:t>2019/8/20</a:t>
             </a:fld>
             <a:endParaRPr lang="zh-TW" altLang="en-US"/>
           </a:p>
@@ -2844,7 +2844,7 @@
             <a:fld id="{FD877D34-32F8-4B33-9092-4B8820F5807F}" type="datetimeFigureOut">
               <a:rPr lang="zh-TW" altLang="en-US" smtClean="0"/>
               <a:pPr/>
-              <a:t>2019/8/13</a:t>
+              <a:t>2019/8/20</a:t>
             </a:fld>
             <a:endParaRPr lang="zh-TW" altLang="en-US"/>
           </a:p>
@@ -3054,7 +3054,7 @@
             <a:fld id="{FD877D34-32F8-4B33-9092-4B8820F5807F}" type="datetimeFigureOut">
               <a:rPr lang="zh-TW" altLang="en-US" smtClean="0"/>
               <a:pPr/>
-              <a:t>2019/8/13</a:t>
+              <a:t>2019/8/20</a:t>
             </a:fld>
             <a:endParaRPr lang="zh-TW" altLang="en-US"/>
           </a:p>
@@ -3493,13 +3493,7 @@
               <a:rPr lang="en-US" altLang="zh-TW" dirty="0" smtClean="0">
                 <a:hlinkClick r:id="rId2"/>
               </a:rPr>
-              <a:t>https://</a:t>
-            </a:r>
-            <a:r>
-              <a:rPr lang="en-US" altLang="zh-TW" dirty="0" smtClean="0">
-                <a:hlinkClick r:id="rId2"/>
-              </a:rPr>
-              <a:t>github.com/jimliu7434/microservice-sample</a:t>
+              <a:t>https://github.com/jimliu7434/microservice-sample</a:t>
             </a:r>
             <a:endParaRPr lang="en-US" altLang="zh-TW" dirty="0" smtClean="0"/>
           </a:p>
@@ -3521,6 +3515,122 @@
 </file>
 
 <file path=ppt/slides/slide10.xml><?xml version="1.0" encoding="utf-8"?>
+<p:sld xmlns:a="http://schemas.openxmlformats.org/drawingml/2006/main" xmlns:r="http://schemas.openxmlformats.org/officeDocument/2006/relationships" xmlns:p="http://schemas.openxmlformats.org/presentationml/2006/main">
+  <p:cSld>
+    <p:spTree>
+      <p:nvGrpSpPr>
+        <p:cNvPr id="1" name=""/>
+        <p:cNvGrpSpPr/>
+        <p:nvPr/>
+      </p:nvGrpSpPr>
+      <p:grpSpPr>
+        <a:xfrm>
+          <a:off x="0" y="0"/>
+          <a:ext cx="0" cy="0"/>
+          <a:chOff x="0" y="0"/>
+          <a:chExt cx="0" cy="0"/>
+        </a:xfrm>
+      </p:grpSpPr>
+      <p:sp>
+        <p:nvSpPr>
+          <p:cNvPr id="2" name="標題 1"/>
+          <p:cNvSpPr>
+            <a:spLocks noGrp="1"/>
+          </p:cNvSpPr>
+          <p:nvPr>
+            <p:ph type="title"/>
+          </p:nvPr>
+        </p:nvSpPr>
+        <p:spPr/>
+        <p:txBody>
+          <a:bodyPr/>
+          <a:lstStyle/>
+          <a:p>
+            <a:r>
+              <a:rPr lang="en-US" altLang="zh-TW" dirty="0" smtClean="0"/>
+              <a:t>DIY 1 – Sharing Session Data</a:t>
+            </a:r>
+            <a:endParaRPr lang="zh-TW" altLang="en-US" dirty="0"/>
+          </a:p>
+        </p:txBody>
+      </p:sp>
+      <p:sp>
+        <p:nvSpPr>
+          <p:cNvPr id="3" name="內容版面配置區 2"/>
+          <p:cNvSpPr>
+            <a:spLocks noGrp="1"/>
+          </p:cNvSpPr>
+          <p:nvPr>
+            <p:ph idx="1"/>
+          </p:nvPr>
+        </p:nvSpPr>
+        <p:spPr>
+          <a:xfrm>
+            <a:off x="457200" y="1412777"/>
+            <a:ext cx="8435280" cy="3672407"/>
+          </a:xfrm>
+        </p:spPr>
+        <p:txBody>
+          <a:bodyPr>
+            <a:normAutofit/>
+          </a:bodyPr>
+          <a:lstStyle/>
+          <a:p>
+            <a:endParaRPr lang="en-US" altLang="zh-TW" dirty="0" smtClean="0">
+              <a:hlinkClick r:id="rId2"/>
+            </a:endParaRPr>
+          </a:p>
+          <a:p>
+            <a:r>
+              <a:rPr lang="en-US" altLang="zh-TW" dirty="0" smtClean="0"/>
+              <a:t>Using </a:t>
+            </a:r>
+            <a:r>
+              <a:rPr lang="en-US" altLang="zh-TW" b="1" dirty="0" smtClean="0">
+                <a:solidFill>
+                  <a:srgbClr val="FF0000"/>
+                </a:solidFill>
+              </a:rPr>
+              <a:t>Redis</a:t>
+            </a:r>
+            <a:endParaRPr lang="en-US" altLang="zh-TW" b="1" dirty="0" smtClean="0">
+              <a:solidFill>
+                <a:srgbClr val="FF0000"/>
+              </a:solidFill>
+              <a:hlinkClick r:id="rId2"/>
+            </a:endParaRPr>
+          </a:p>
+          <a:p>
+            <a:r>
+              <a:rPr lang="en-US" altLang="zh-TW" dirty="0" smtClean="0">
+                <a:hlinkClick r:id="rId2"/>
+              </a:rPr>
+              <a:t>https://github.com/jimliu7434/microservice-sample/blob/master/model/session_redis.js</a:t>
+            </a:r>
+            <a:endParaRPr lang="en-US" altLang="zh-TW" dirty="0">
+              <a:solidFill>
+                <a:srgbClr val="FF0000"/>
+              </a:solidFill>
+            </a:endParaRPr>
+          </a:p>
+        </p:txBody>
+      </p:sp>
+    </p:spTree>
+  </p:cSld>
+  <p:clrMapOvr>
+    <a:masterClrMapping/>
+  </p:clrMapOvr>
+  <p:timing>
+    <p:tnLst>
+      <p:par>
+        <p:cTn id="1" dur="indefinite" restart="never" nodeType="tmRoot"/>
+      </p:par>
+    </p:tnLst>
+  </p:timing>
+</p:sld>
+</file>
+
+<file path=ppt/slides/slide11.xml><?xml version="1.0" encoding="utf-8"?>
 <p:sld xmlns:a="http://schemas.openxmlformats.org/drawingml/2006/main" xmlns:r="http://schemas.openxmlformats.org/officeDocument/2006/relationships" xmlns:p="http://schemas.openxmlformats.org/presentationml/2006/main">
   <p:cSld>
     <p:spTree>
@@ -3648,7 +3758,7 @@
 </p:sld>
 </file>
 
-<file path=ppt/slides/slide11.xml><?xml version="1.0" encoding="utf-8"?>
+<file path=ppt/slides/slide12.xml><?xml version="1.0" encoding="utf-8"?>
 <p:sld xmlns:a="http://schemas.openxmlformats.org/drawingml/2006/main" xmlns:r="http://schemas.openxmlformats.org/officeDocument/2006/relationships" xmlns:p="http://schemas.openxmlformats.org/presentationml/2006/main">
   <p:cSld>
     <p:spTree>
@@ -3832,7 +3942,7 @@
 </p:sld>
 </file>
 
-<file path=ppt/slides/slide12.xml><?xml version="1.0" encoding="utf-8"?>
+<file path=ppt/slides/slide13.xml><?xml version="1.0" encoding="utf-8"?>
 <p:sld xmlns:a="http://schemas.openxmlformats.org/drawingml/2006/main" xmlns:r="http://schemas.openxmlformats.org/officeDocument/2006/relationships" xmlns:p="http://schemas.openxmlformats.org/presentationml/2006/main">
   <p:cSld>
     <p:spTree>
@@ -4299,140 +4409,6 @@
 </p:sld>
 </file>
 
-<file path=ppt/slides/slide13.xml><?xml version="1.0" encoding="utf-8"?>
-<p:sld xmlns:a="http://schemas.openxmlformats.org/drawingml/2006/main" xmlns:r="http://schemas.openxmlformats.org/officeDocument/2006/relationships" xmlns:p="http://schemas.openxmlformats.org/presentationml/2006/main">
-  <p:cSld>
-    <p:spTree>
-      <p:nvGrpSpPr>
-        <p:cNvPr id="1" name=""/>
-        <p:cNvGrpSpPr/>
-        <p:nvPr/>
-      </p:nvGrpSpPr>
-      <p:grpSpPr>
-        <a:xfrm>
-          <a:off x="0" y="0"/>
-          <a:ext cx="0" cy="0"/>
-          <a:chOff x="0" y="0"/>
-          <a:chExt cx="0" cy="0"/>
-        </a:xfrm>
-      </p:grpSpPr>
-      <p:sp>
-        <p:nvSpPr>
-          <p:cNvPr id="2" name="標題 1"/>
-          <p:cNvSpPr>
-            <a:spLocks noGrp="1"/>
-          </p:cNvSpPr>
-          <p:nvPr>
-            <p:ph type="title"/>
-          </p:nvPr>
-        </p:nvSpPr>
-        <p:spPr>
-          <a:xfrm>
-            <a:off x="251520" y="274638"/>
-            <a:ext cx="8435280" cy="1143000"/>
-          </a:xfrm>
-        </p:spPr>
-        <p:txBody>
-          <a:bodyPr>
-            <a:normAutofit fontScale="90000"/>
-          </a:bodyPr>
-          <a:lstStyle/>
-          <a:p>
-            <a:r>
-              <a:rPr lang="en-US" altLang="zh-TW" dirty="0" smtClean="0"/>
-              <a:t>DIY 2 – Who is online (Service Discovery)</a:t>
-            </a:r>
-            <a:endParaRPr lang="zh-TW" altLang="en-US" dirty="0"/>
-          </a:p>
-        </p:txBody>
-      </p:sp>
-      <p:sp>
-        <p:nvSpPr>
-          <p:cNvPr id="3" name="內容版面配置區 2"/>
-          <p:cNvSpPr>
-            <a:spLocks noGrp="1"/>
-          </p:cNvSpPr>
-          <p:nvPr>
-            <p:ph idx="1"/>
-          </p:nvPr>
-        </p:nvSpPr>
-        <p:spPr>
-          <a:xfrm>
-            <a:off x="323528" y="1412777"/>
-            <a:ext cx="8496944" cy="2376263"/>
-          </a:xfrm>
-        </p:spPr>
-        <p:txBody>
-          <a:bodyPr>
-            <a:normAutofit/>
-          </a:bodyPr>
-          <a:lstStyle/>
-          <a:p>
-            <a:r>
-              <a:rPr lang="en-US" altLang="zh-TW" dirty="0" smtClean="0"/>
-              <a:t>Using </a:t>
-            </a:r>
-            <a:r>
-              <a:rPr lang="en-US" altLang="zh-TW" b="1" dirty="0" smtClean="0">
-                <a:solidFill>
-                  <a:srgbClr val="FF0000"/>
-                </a:solidFill>
-              </a:rPr>
-              <a:t>Redis</a:t>
-            </a:r>
-          </a:p>
-          <a:p>
-            <a:r>
-              <a:rPr lang="en-US" altLang="zh-TW" dirty="0" smtClean="0"/>
-              <a:t>Using</a:t>
-            </a:r>
-            <a:r>
-              <a:rPr lang="en-US" altLang="zh-TW" dirty="0" smtClean="0">
-                <a:solidFill>
-                  <a:srgbClr val="FF0000"/>
-                </a:solidFill>
-              </a:rPr>
-              <a:t> </a:t>
-            </a:r>
-            <a:r>
-              <a:rPr lang="en-US" altLang="zh-TW" dirty="0" err="1" smtClean="0">
-                <a:solidFill>
-                  <a:srgbClr val="FF0000"/>
-                </a:solidFill>
-              </a:rPr>
-              <a:t>setInterval</a:t>
-            </a:r>
-            <a:r>
-              <a:rPr lang="en-US" altLang="zh-TW" dirty="0" smtClean="0"/>
-              <a:t> to get List</a:t>
-            </a:r>
-          </a:p>
-          <a:p>
-            <a:r>
-              <a:rPr lang="en-US" altLang="zh-TW" dirty="0" smtClean="0">
-                <a:hlinkClick r:id="rId2"/>
-              </a:rPr>
-              <a:t>https://github.com/jimliu7434/microservice-sample/blob/master/service/pods1.js</a:t>
-            </a:r>
-            <a:endParaRPr lang="en-US" altLang="zh-TW" dirty="0"/>
-          </a:p>
-        </p:txBody>
-      </p:sp>
-    </p:spTree>
-  </p:cSld>
-  <p:clrMapOvr>
-    <a:masterClrMapping/>
-  </p:clrMapOvr>
-  <p:timing>
-    <p:tnLst>
-      <p:par>
-        <p:cTn id="1" dur="indefinite" restart="never" nodeType="tmRoot"/>
-      </p:par>
-    </p:tnLst>
-  </p:timing>
-</p:sld>
-</file>
-
 <file path=ppt/slides/slide14.xml><?xml version="1.0" encoding="utf-8"?>
 <p:sld xmlns:a="http://schemas.openxmlformats.org/drawingml/2006/main" xmlns:r="http://schemas.openxmlformats.org/officeDocument/2006/relationships" xmlns:p="http://schemas.openxmlformats.org/presentationml/2006/main">
   <p:cSld>
@@ -4460,7 +4436,12 @@
             <p:ph type="title"/>
           </p:nvPr>
         </p:nvSpPr>
-        <p:spPr/>
+        <p:spPr>
+          <a:xfrm>
+            <a:off x="251520" y="274638"/>
+            <a:ext cx="8435280" cy="1143000"/>
+          </a:xfrm>
+        </p:spPr>
         <p:txBody>
           <a:bodyPr>
             <a:normAutofit fontScale="90000"/>
@@ -4469,7 +4450,7 @@
           <a:p>
             <a:r>
               <a:rPr lang="en-US" altLang="zh-TW" dirty="0" smtClean="0"/>
-              <a:t>DIY 3 – Who is online/offline (Service Discovery)</a:t>
+              <a:t>DIY 2 – Who is online (Service Discovery)</a:t>
             </a:r>
             <a:endParaRPr lang="zh-TW" altLang="en-US" dirty="0"/>
           </a:p>
@@ -4487,23 +4468,19 @@
         </p:nvSpPr>
         <p:spPr>
           <a:xfrm>
-            <a:off x="467544" y="1844824"/>
-            <a:ext cx="8363272" cy="3240360"/>
+            <a:off x="323528" y="1412777"/>
+            <a:ext cx="8496944" cy="2376263"/>
           </a:xfrm>
         </p:spPr>
         <p:txBody>
           <a:bodyPr>
-            <a:normAutofit fontScale="92500" lnSpcReduction="20000"/>
+            <a:normAutofit/>
           </a:bodyPr>
           <a:lstStyle/>
           <a:p>
             <a:r>
               <a:rPr lang="en-US" altLang="zh-TW" dirty="0" smtClean="0"/>
               <a:t>Using </a:t>
-            </a:r>
-            <a:r>
-              <a:rPr lang="en-US" altLang="zh-TW" b="1" dirty="0" smtClean="0"/>
-              <a:t>Redis </a:t>
             </a:r>
             <a:r>
               <a:rPr lang="en-US" altLang="zh-TW" b="1" dirty="0" smtClean="0">
@@ -4511,21 +4488,21 @@
                   <a:srgbClr val="FF0000"/>
                 </a:solidFill>
               </a:rPr>
-              <a:t>Pub/Sub</a:t>
-            </a:r>
+              <a:t>Redis</a:t>
+            </a:r>
+          </a:p>
+          <a:p>
             <a:r>
               <a:rPr lang="en-US" altLang="zh-TW" dirty="0" smtClean="0"/>
-              <a:t> </a:t>
-            </a:r>
-          </a:p>
-          <a:p>
+              <a:t>Using</a:t>
+            </a:r>
             <a:r>
               <a:rPr lang="en-US" altLang="zh-TW" dirty="0" smtClean="0">
                 <a:solidFill>
                   <a:srgbClr val="FF0000"/>
                 </a:solidFill>
               </a:rPr>
-              <a:t>Without </a:t>
+              <a:t> </a:t>
             </a:r>
             <a:r>
               <a:rPr lang="en-US" altLang="zh-TW" dirty="0" err="1" smtClean="0">
@@ -4537,33 +4514,27 @@
             </a:r>
             <a:r>
               <a:rPr lang="en-US" altLang="zh-TW" dirty="0" smtClean="0"/>
-              <a:t> in code</a:t>
-            </a:r>
-          </a:p>
-          <a:p>
-            <a:r>
-              <a:rPr lang="en-US" altLang="zh-TW" dirty="0" smtClean="0"/>
-              <a:t>Only be triggered when something HAPPENED </a:t>
-            </a:r>
-          </a:p>
-          <a:p>
-            <a:pPr>
-              <a:buNone/>
-            </a:pPr>
-            <a:r>
-              <a:rPr lang="en-US" altLang="zh-TW" dirty="0" smtClean="0"/>
-              <a:t>    ( ex: service go Up or Down )</a:t>
-            </a:r>
-          </a:p>
-          <a:p>
-            <a:endParaRPr lang="en-US" altLang="zh-TW" dirty="0" smtClean="0"/>
+              <a:t> to get List</a:t>
+            </a:r>
           </a:p>
           <a:p>
             <a:r>
               <a:rPr lang="en-US" altLang="zh-TW" dirty="0" smtClean="0">
                 <a:hlinkClick r:id="rId2"/>
               </a:rPr>
-              <a:t>https://github.com/jimliu7434/microservice-sample/blob/master/service/pods2.js</a:t>
+              <a:t>https</a:t>
+            </a:r>
+            <a:r>
+              <a:rPr lang="en-US" altLang="zh-TW" smtClean="0">
+                <a:hlinkClick r:id="rId2"/>
+              </a:rPr>
+              <a:t>://</a:t>
+            </a:r>
+            <a:r>
+              <a:rPr lang="en-US" altLang="zh-TW" smtClean="0">
+                <a:hlinkClick r:id="rId2"/>
+              </a:rPr>
+              <a:t>github.com/jimliu7434/microservice-sample/blob/master/service/example02.js</a:t>
             </a:r>
             <a:endParaRPr lang="en-US" altLang="zh-TW" dirty="0"/>
           </a:p>
@@ -4574,6 +4545,13 @@
   <p:clrMapOvr>
     <a:masterClrMapping/>
   </p:clrMapOvr>
+  <p:timing>
+    <p:tnLst>
+      <p:par>
+        <p:cTn id="1" dur="indefinite" restart="never" nodeType="tmRoot"/>
+      </p:par>
+    </p:tnLst>
+  </p:timing>
 </p:sld>
 </file>
 
@@ -4647,13 +4625,7 @@
               <a:rPr lang="en-US" altLang="zh-TW" dirty="0" smtClean="0">
                 <a:hlinkClick r:id="rId3"/>
               </a:rPr>
-              <a:t>https</a:t>
-            </a:r>
-            <a:r>
-              <a:rPr lang="en-US" altLang="zh-TW" dirty="0" smtClean="0">
-                <a:hlinkClick r:id="rId3"/>
-              </a:rPr>
-              <a:t>://redis.io/</a:t>
+              <a:t>https://redis.io/</a:t>
             </a:r>
             <a:endParaRPr lang="en-US" altLang="zh-TW" dirty="0" smtClean="0"/>
           </a:p>
@@ -4731,57 +4703,44 @@
               </a:rPr>
               <a:t>Redis</a:t>
             </a:r>
+            <a:endParaRPr lang="en-US" altLang="zh-TW" dirty="0" smtClean="0"/>
+          </a:p>
+          <a:p>
+            <a:r>
+              <a:rPr lang="en-US" altLang="zh-TW" dirty="0" smtClean="0">
+                <a:hlinkClick r:id="rId3" action="ppaction://hlinksldjump"/>
+              </a:rPr>
+              <a:t>BTW - Docker</a:t>
+            </a:r>
             <a:endParaRPr lang="en-US" altLang="zh-TW" dirty="0" smtClean="0">
-              <a:hlinkClick r:id="rId3" action="ppaction://hlinksldjump"/>
+              <a:hlinkClick r:id="rId4" action="ppaction://hlinksldjump"/>
             </a:endParaRPr>
           </a:p>
           <a:p>
-            <a:r>
-              <a:rPr lang="en-US" altLang="zh-TW" dirty="0" smtClean="0">
-                <a:hlinkClick r:id="rId4" action="ppaction://hlinksldjump"/>
-              </a:rPr>
-              <a:t>Session Data</a:t>
-            </a:r>
-            <a:endParaRPr lang="en-US" altLang="zh-TW" dirty="0" smtClean="0"/>
-          </a:p>
-          <a:p>
-            <a:pPr lvl="1"/>
             <a:r>
               <a:rPr lang="en-US" altLang="zh-TW" dirty="0" smtClean="0">
                 <a:hlinkClick r:id="rId5" action="ppaction://hlinksldjump"/>
               </a:rPr>
-              <a:t>DIY </a:t>
-            </a:r>
-            <a:r>
-              <a:rPr lang="en-US" altLang="zh-TW" dirty="0" smtClean="0">
-                <a:hlinkClick r:id="rId5" action="ppaction://hlinksldjump"/>
-              </a:rPr>
-              <a:t>1 - Sharing Session Data</a:t>
+              <a:t>Session Data</a:t>
             </a:r>
             <a:endParaRPr lang="en-US" altLang="zh-TW" dirty="0" smtClean="0"/>
           </a:p>
           <a:p>
+            <a:pPr lvl="1"/>
             <a:r>
               <a:rPr lang="en-US" altLang="zh-TW" dirty="0" smtClean="0">
                 <a:hlinkClick r:id="rId6" action="ppaction://hlinksldjump"/>
               </a:rPr>
-              <a:t>Service Discovery</a:t>
+              <a:t>DIY 1 - Sharing Session Data</a:t>
             </a:r>
             <a:endParaRPr lang="en-US" altLang="zh-TW" dirty="0" smtClean="0"/>
           </a:p>
           <a:p>
-            <a:pPr lvl="1"/>
             <a:r>
               <a:rPr lang="en-US" altLang="zh-TW" dirty="0" smtClean="0">
                 <a:hlinkClick r:id="rId7" action="ppaction://hlinksldjump"/>
               </a:rPr>
-              <a:t>DIY 2 - Who is </a:t>
-            </a:r>
-            <a:r>
-              <a:rPr lang="en-US" altLang="zh-TW" dirty="0" smtClean="0">
-                <a:hlinkClick r:id="rId7" action="ppaction://hlinksldjump"/>
-              </a:rPr>
-              <a:t>online</a:t>
+              <a:t>Service Discovery</a:t>
             </a:r>
             <a:endParaRPr lang="en-US" altLang="zh-TW" dirty="0" smtClean="0"/>
           </a:p>
@@ -4791,13 +4750,7 @@
               <a:rPr lang="en-US" altLang="zh-TW" dirty="0" smtClean="0">
                 <a:hlinkClick r:id="rId8" action="ppaction://hlinksldjump"/>
               </a:rPr>
-              <a:t>DIY 3 - Who is </a:t>
-            </a:r>
-            <a:r>
-              <a:rPr lang="en-US" altLang="zh-TW" dirty="0" smtClean="0">
-                <a:hlinkClick r:id="rId8" action="ppaction://hlinksldjump"/>
-              </a:rPr>
-              <a:t>online/offline</a:t>
+              <a:t>DIY 2 - Who is online</a:t>
             </a:r>
             <a:endParaRPr lang="en-US" altLang="zh-TW" dirty="0" smtClean="0"/>
           </a:p>
@@ -5541,91 +5494,49 @@
         </p:nvSpPr>
         <p:spPr/>
         <p:txBody>
-          <a:bodyPr>
-            <a:normAutofit/>
-          </a:bodyPr>
+          <a:bodyPr/>
           <a:lstStyle/>
           <a:p>
             <a:r>
               <a:rPr lang="en-US" altLang="zh-TW" dirty="0" smtClean="0"/>
-              <a:t>Session </a:t>
-            </a:r>
+              <a:t>BTW - Docker</a:t>
+            </a:r>
+            <a:endParaRPr lang="zh-TW" altLang="en-US" dirty="0"/>
+          </a:p>
+        </p:txBody>
+      </p:sp>
+      <p:sp>
+        <p:nvSpPr>
+          <p:cNvPr id="3" name="內容版面配置區 2"/>
+          <p:cNvSpPr>
+            <a:spLocks noGrp="1"/>
+          </p:cNvSpPr>
+          <p:nvPr>
+            <p:ph idx="1"/>
+          </p:nvPr>
+        </p:nvSpPr>
+        <p:spPr/>
+        <p:txBody>
+          <a:bodyPr/>
+          <a:lstStyle/>
+          <a:p>
             <a:r>
               <a:rPr lang="en-US" altLang="zh-TW" dirty="0" smtClean="0"/>
-              <a:t>Data</a:t>
-            </a:r>
-            <a:endParaRPr lang="zh-TW" altLang="en-US" dirty="0"/>
-          </a:p>
-        </p:txBody>
-      </p:sp>
-      <p:sp>
-        <p:nvSpPr>
-          <p:cNvPr id="3" name="內容版面配置區 2"/>
-          <p:cNvSpPr>
-            <a:spLocks noGrp="1"/>
-          </p:cNvSpPr>
-          <p:nvPr>
-            <p:ph idx="1"/>
-          </p:nvPr>
-        </p:nvSpPr>
-        <p:spPr>
-          <a:xfrm>
-            <a:off x="457200" y="1600200"/>
-            <a:ext cx="8229600" cy="4493095"/>
-          </a:xfrm>
-        </p:spPr>
-        <p:txBody>
-          <a:bodyPr>
-            <a:normAutofit/>
-          </a:bodyPr>
-          <a:lstStyle/>
-          <a:p>
-            <a:r>
-              <a:rPr lang="en-US" altLang="zh-TW" dirty="0" smtClean="0"/>
-              <a:t>Session : User/Connection Server-side Data</a:t>
-            </a:r>
-          </a:p>
-          <a:p>
-            <a:pPr lvl="1"/>
-            <a:r>
-              <a:rPr lang="en-US" altLang="zh-TW" dirty="0" smtClean="0"/>
-              <a:t>Cookie-Based Session</a:t>
-            </a:r>
-          </a:p>
-          <a:p>
-            <a:pPr lvl="1"/>
-            <a:r>
-              <a:rPr lang="en-US" altLang="zh-TW" dirty="0" smtClean="0"/>
-              <a:t>Token-Based Session</a:t>
-            </a:r>
-          </a:p>
-          <a:p>
+              <a:t>CLI</a:t>
+            </a:r>
+          </a:p>
+          <a:p>
+            <a:r>
+              <a:rPr lang="en-US" altLang="zh-TW" dirty="0" err="1" smtClean="0"/>
+              <a:t>Kitematic</a:t>
+            </a:r>
             <a:endParaRPr lang="en-US" altLang="zh-TW" dirty="0" smtClean="0"/>
           </a:p>
           <a:p>
             <a:r>
-              <a:rPr lang="en-US" altLang="zh-TW" dirty="0" smtClean="0"/>
-              <a:t>Using</a:t>
-            </a:r>
-            <a:r>
-              <a:rPr lang="en-US" altLang="zh-TW" dirty="0" smtClean="0">
-                <a:solidFill>
-                  <a:srgbClr val="FF0000"/>
-                </a:solidFill>
-              </a:rPr>
-              <a:t> In-App Memory</a:t>
-            </a:r>
-          </a:p>
-          <a:p>
-            <a:r>
-              <a:rPr lang="en-US" altLang="zh-TW" dirty="0" smtClean="0">
-                <a:hlinkClick r:id="rId2"/>
-              </a:rPr>
-              <a:t>https://github.com/jimliu7434/microservice-sample/blob/master/model/session_local.js</a:t>
-            </a:r>
-            <a:endParaRPr lang="en-US" altLang="zh-TW" dirty="0" smtClean="0"/>
-          </a:p>
-          <a:p>
+              <a:rPr lang="en-US" altLang="zh-TW" dirty="0" err="1" smtClean="0"/>
+              <a:t>Portainer</a:t>
+            </a:r>
             <a:endParaRPr lang="zh-TW" altLang="en-US" dirty="0"/>
           </a:p>
         </p:txBody>
@@ -5635,13 +5546,6 @@
   <p:clrMapOvr>
     <a:masterClrMapping/>
   </p:clrMapOvr>
-  <p:timing>
-    <p:tnLst>
-      <p:par>
-        <p:cTn id="1" dur="indefinite" restart="never" nodeType="tmRoot"/>
-      </p:par>
-    </p:tnLst>
-  </p:timing>
 </p:sld>
 </file>
 
@@ -5674,16 +5578,141 @@
         </p:nvSpPr>
         <p:spPr/>
         <p:txBody>
-          <a:bodyPr/>
-          <a:lstStyle/>
-          <a:p>
-            <a:r>
-              <a:rPr lang="en-US" altLang="zh-TW" dirty="0" smtClean="0"/>
-              <a:t>DIY 1 – Sharing </a:t>
-            </a:r>
+          <a:bodyPr>
+            <a:normAutofit/>
+          </a:bodyPr>
+          <a:lstStyle/>
+          <a:p>
             <a:r>
               <a:rPr lang="en-US" altLang="zh-TW" dirty="0" smtClean="0"/>
               <a:t>Session Data</a:t>
+            </a:r>
+            <a:endParaRPr lang="zh-TW" altLang="en-US" dirty="0"/>
+          </a:p>
+        </p:txBody>
+      </p:sp>
+      <p:sp>
+        <p:nvSpPr>
+          <p:cNvPr id="3" name="內容版面配置區 2"/>
+          <p:cNvSpPr>
+            <a:spLocks noGrp="1"/>
+          </p:cNvSpPr>
+          <p:nvPr>
+            <p:ph idx="1"/>
+          </p:nvPr>
+        </p:nvSpPr>
+        <p:spPr>
+          <a:xfrm>
+            <a:off x="457200" y="1600200"/>
+            <a:ext cx="8229600" cy="4493095"/>
+          </a:xfrm>
+        </p:spPr>
+        <p:txBody>
+          <a:bodyPr>
+            <a:normAutofit/>
+          </a:bodyPr>
+          <a:lstStyle/>
+          <a:p>
+            <a:r>
+              <a:rPr lang="en-US" altLang="zh-TW" dirty="0" smtClean="0"/>
+              <a:t>Session : User/Connection Server-side Data</a:t>
+            </a:r>
+          </a:p>
+          <a:p>
+            <a:pPr lvl="1"/>
+            <a:r>
+              <a:rPr lang="en-US" altLang="zh-TW" dirty="0" smtClean="0"/>
+              <a:t>Cookie-Based Session</a:t>
+            </a:r>
+          </a:p>
+          <a:p>
+            <a:pPr lvl="1"/>
+            <a:r>
+              <a:rPr lang="en-US" altLang="zh-TW" dirty="0" smtClean="0"/>
+              <a:t>Token-Based Session</a:t>
+            </a:r>
+          </a:p>
+          <a:p>
+            <a:endParaRPr lang="en-US" altLang="zh-TW" dirty="0" smtClean="0"/>
+          </a:p>
+          <a:p>
+            <a:r>
+              <a:rPr lang="en-US" altLang="zh-TW" dirty="0" smtClean="0"/>
+              <a:t>Using</a:t>
+            </a:r>
+            <a:r>
+              <a:rPr lang="en-US" altLang="zh-TW" dirty="0" smtClean="0">
+                <a:solidFill>
+                  <a:srgbClr val="FF0000"/>
+                </a:solidFill>
+              </a:rPr>
+              <a:t> In-App Memory</a:t>
+            </a:r>
+          </a:p>
+          <a:p>
+            <a:r>
+              <a:rPr lang="en-US" altLang="zh-TW" dirty="0" smtClean="0">
+                <a:hlinkClick r:id="rId2"/>
+              </a:rPr>
+              <a:t>https://github.com/jimliu7434/microservice-sample/blob/master/model/session_local.js</a:t>
+            </a:r>
+            <a:endParaRPr lang="en-US" altLang="zh-TW" dirty="0" smtClean="0"/>
+          </a:p>
+          <a:p>
+            <a:endParaRPr lang="zh-TW" altLang="en-US" dirty="0"/>
+          </a:p>
+        </p:txBody>
+      </p:sp>
+    </p:spTree>
+  </p:cSld>
+  <p:clrMapOvr>
+    <a:masterClrMapping/>
+  </p:clrMapOvr>
+  <p:timing>
+    <p:tnLst>
+      <p:par>
+        <p:cTn id="1" dur="indefinite" restart="never" nodeType="tmRoot"/>
+      </p:par>
+    </p:tnLst>
+  </p:timing>
+</p:sld>
+</file>
+
+<file path=ppt/slides/slide8.xml><?xml version="1.0" encoding="utf-8"?>
+<p:sld xmlns:a="http://schemas.openxmlformats.org/drawingml/2006/main" xmlns:r="http://schemas.openxmlformats.org/officeDocument/2006/relationships" xmlns:p="http://schemas.openxmlformats.org/presentationml/2006/main">
+  <p:cSld>
+    <p:spTree>
+      <p:nvGrpSpPr>
+        <p:cNvPr id="1" name=""/>
+        <p:cNvGrpSpPr/>
+        <p:nvPr/>
+      </p:nvGrpSpPr>
+      <p:grpSpPr>
+        <a:xfrm>
+          <a:off x="0" y="0"/>
+          <a:ext cx="0" cy="0"/>
+          <a:chOff x="0" y="0"/>
+          <a:chExt cx="0" cy="0"/>
+        </a:xfrm>
+      </p:grpSpPr>
+      <p:sp>
+        <p:nvSpPr>
+          <p:cNvPr id="2" name="標題 1"/>
+          <p:cNvSpPr>
+            <a:spLocks noGrp="1"/>
+          </p:cNvSpPr>
+          <p:nvPr>
+            <p:ph type="title"/>
+          </p:nvPr>
+        </p:nvSpPr>
+        <p:spPr/>
+        <p:txBody>
+          <a:bodyPr/>
+          <a:lstStyle/>
+          <a:p>
+            <a:r>
+              <a:rPr lang="en-US" altLang="zh-TW" dirty="0" smtClean="0"/>
+              <a:t>DIY 1 – Sharing Session Data</a:t>
             </a:r>
             <a:endParaRPr lang="zh-TW" altLang="en-US" dirty="0"/>
           </a:p>
@@ -6073,7 +6102,7 @@
 </p:sld>
 </file>
 
-<file path=ppt/slides/slide8.xml><?xml version="1.0" encoding="utf-8"?>
+<file path=ppt/slides/slide9.xml><?xml version="1.0" encoding="utf-8"?>
 <p:sld xmlns:a="http://schemas.openxmlformats.org/drawingml/2006/main" xmlns:r="http://schemas.openxmlformats.org/officeDocument/2006/relationships" xmlns:p="http://schemas.openxmlformats.org/presentationml/2006/main">
   <p:cSld>
     <p:spTree>
@@ -6254,20 +6283,6 @@
               </a:rPr>
               <a:t> ttlkey1 5 a</a:t>
             </a:r>
-            <a:endParaRPr kumimoji="0" lang="en-US" altLang="zh-TW" sz="3200" b="0" i="0" u="none" strike="noStrike" kern="1200" cap="none" spc="0" normalizeH="0" baseline="0" noProof="0" dirty="0" smtClean="0">
-              <a:ln>
-                <a:noFill/>
-              </a:ln>
-              <a:solidFill>
-                <a:schemeClr val="tx1"/>
-              </a:solidFill>
-              <a:effectLst/>
-              <a:uLnTx/>
-              <a:uFillTx/>
-              <a:latin typeface="+mn-lt"/>
-              <a:ea typeface="+mn-ea"/>
-              <a:cs typeface="+mn-cs"/>
-            </a:endParaRPr>
           </a:p>
           <a:p>
             <a:pPr marL="342900" marR="0" lvl="0" indent="-342900" algn="l" defTabSz="914400" rtl="0" eaLnBrk="1" fontAlgn="auto" latinLnBrk="0" hangingPunct="1">
@@ -6475,20 +6490,6 @@
               </a:rPr>
               <a:t>set nottlkey1 a</a:t>
             </a:r>
-            <a:endParaRPr kumimoji="0" lang="en-US" altLang="zh-TW" sz="3200" b="0" i="0" u="none" strike="noStrike" kern="1200" cap="none" spc="0" normalizeH="0" baseline="0" noProof="0" dirty="0" smtClean="0">
-              <a:ln>
-                <a:noFill/>
-              </a:ln>
-              <a:solidFill>
-                <a:schemeClr val="tx1"/>
-              </a:solidFill>
-              <a:effectLst/>
-              <a:uLnTx/>
-              <a:uFillTx/>
-              <a:latin typeface="+mn-lt"/>
-              <a:ea typeface="+mn-ea"/>
-              <a:cs typeface="+mn-cs"/>
-            </a:endParaRPr>
           </a:p>
           <a:p>
             <a:pPr marL="342900" marR="0" lvl="0" indent="-342900" algn="l" defTabSz="914400" rtl="0" eaLnBrk="1" fontAlgn="auto" latinLnBrk="0" hangingPunct="1">
@@ -6574,11 +6575,7 @@
             </a:r>
             <a:r>
               <a:rPr lang="en-US" altLang="zh-TW" sz="3200" smtClean="0"/>
-              <a:t>5 </a:t>
-            </a:r>
-            <a:r>
-              <a:rPr lang="en-US" altLang="zh-TW" sz="3200" smtClean="0"/>
-              <a:t>sec </a:t>
+              <a:t>5 sec </a:t>
             </a:r>
             <a:r>
               <a:rPr lang="en-US" altLang="zh-TW" sz="3200" dirty="0" smtClean="0"/>
@@ -6640,122 +6637,6 @@
           </a:ln>
         </p:spPr>
       </p:pic>
-    </p:spTree>
-  </p:cSld>
-  <p:clrMapOvr>
-    <a:masterClrMapping/>
-  </p:clrMapOvr>
-  <p:timing>
-    <p:tnLst>
-      <p:par>
-        <p:cTn id="1" dur="indefinite" restart="never" nodeType="tmRoot"/>
-      </p:par>
-    </p:tnLst>
-  </p:timing>
-</p:sld>
-</file>
-
-<file path=ppt/slides/slide9.xml><?xml version="1.0" encoding="utf-8"?>
-<p:sld xmlns:a="http://schemas.openxmlformats.org/drawingml/2006/main" xmlns:r="http://schemas.openxmlformats.org/officeDocument/2006/relationships" xmlns:p="http://schemas.openxmlformats.org/presentationml/2006/main">
-  <p:cSld>
-    <p:spTree>
-      <p:nvGrpSpPr>
-        <p:cNvPr id="1" name=""/>
-        <p:cNvGrpSpPr/>
-        <p:nvPr/>
-      </p:nvGrpSpPr>
-      <p:grpSpPr>
-        <a:xfrm>
-          <a:off x="0" y="0"/>
-          <a:ext cx="0" cy="0"/>
-          <a:chOff x="0" y="0"/>
-          <a:chExt cx="0" cy="0"/>
-        </a:xfrm>
-      </p:grpSpPr>
-      <p:sp>
-        <p:nvSpPr>
-          <p:cNvPr id="2" name="標題 1"/>
-          <p:cNvSpPr>
-            <a:spLocks noGrp="1"/>
-          </p:cNvSpPr>
-          <p:nvPr>
-            <p:ph type="title"/>
-          </p:nvPr>
-        </p:nvSpPr>
-        <p:spPr/>
-        <p:txBody>
-          <a:bodyPr/>
-          <a:lstStyle/>
-          <a:p>
-            <a:r>
-              <a:rPr lang="en-US" altLang="zh-TW" dirty="0" smtClean="0"/>
-              <a:t>DIY 1 – Sharing Session Data</a:t>
-            </a:r>
-            <a:endParaRPr lang="zh-TW" altLang="en-US" dirty="0"/>
-          </a:p>
-        </p:txBody>
-      </p:sp>
-      <p:sp>
-        <p:nvSpPr>
-          <p:cNvPr id="3" name="內容版面配置區 2"/>
-          <p:cNvSpPr>
-            <a:spLocks noGrp="1"/>
-          </p:cNvSpPr>
-          <p:nvPr>
-            <p:ph idx="1"/>
-          </p:nvPr>
-        </p:nvSpPr>
-        <p:spPr>
-          <a:xfrm>
-            <a:off x="457200" y="1412777"/>
-            <a:ext cx="8435280" cy="3672407"/>
-          </a:xfrm>
-        </p:spPr>
-        <p:txBody>
-          <a:bodyPr>
-            <a:normAutofit/>
-          </a:bodyPr>
-          <a:lstStyle/>
-          <a:p>
-            <a:endParaRPr lang="en-US" altLang="zh-TW" dirty="0" smtClean="0">
-              <a:hlinkClick r:id="rId2"/>
-            </a:endParaRPr>
-          </a:p>
-          <a:p>
-            <a:r>
-              <a:rPr lang="en-US" altLang="zh-TW" dirty="0" smtClean="0"/>
-              <a:t>Using </a:t>
-            </a:r>
-            <a:r>
-              <a:rPr lang="en-US" altLang="zh-TW" b="1" dirty="0" smtClean="0">
-                <a:solidFill>
-                  <a:srgbClr val="FF0000"/>
-                </a:solidFill>
-              </a:rPr>
-              <a:t>Redis</a:t>
-            </a:r>
-            <a:endParaRPr lang="en-US" altLang="zh-TW" b="1" dirty="0" smtClean="0">
-              <a:solidFill>
-                <a:srgbClr val="FF0000"/>
-              </a:solidFill>
-              <a:hlinkClick r:id="rId2"/>
-            </a:endParaRPr>
-          </a:p>
-          <a:p>
-            <a:r>
-              <a:rPr lang="en-US" altLang="zh-TW" dirty="0" smtClean="0">
-                <a:hlinkClick r:id="rId2"/>
-              </a:rPr>
-              <a:t>https://github.com/jimliu7434/microservice-sample/blob/master/model/session_redis.js</a:t>
-            </a:r>
-            <a:endParaRPr lang="en-US" altLang="zh-TW" dirty="0">
-              <a:solidFill>
-                <a:srgbClr val="FF0000"/>
-              </a:solidFill>
-            </a:endParaRPr>
-          </a:p>
-        </p:txBody>
-      </p:sp>
     </p:spTree>
   </p:cSld>
   <p:clrMapOvr>

--- a/Microservice02.pptx
+++ b/Microservice02.pptx
@@ -5,7 +5,7 @@
     <p:sldMasterId id="2147483648" r:id="rId1"/>
   </p:sldMasterIdLst>
   <p:notesMasterIdLst>
-    <p:notesMasterId r:id="rId17"/>
+    <p:notesMasterId r:id="rId19"/>
   </p:notesMasterIdLst>
   <p:sldIdLst>
     <p:sldId id="256" r:id="rId2"/>
@@ -14,15 +14,17 @@
     <p:sldId id="266" r:id="rId5"/>
     <p:sldId id="278" r:id="rId6"/>
     <p:sldId id="280" r:id="rId7"/>
-    <p:sldId id="277" r:id="rId8"/>
-    <p:sldId id="274" r:id="rId9"/>
-    <p:sldId id="279" r:id="rId10"/>
-    <p:sldId id="268" r:id="rId11"/>
-    <p:sldId id="270" r:id="rId12"/>
-    <p:sldId id="273" r:id="rId13"/>
-    <p:sldId id="271" r:id="rId14"/>
-    <p:sldId id="275" r:id="rId15"/>
-    <p:sldId id="258" r:id="rId16"/>
+    <p:sldId id="282" r:id="rId8"/>
+    <p:sldId id="281" r:id="rId9"/>
+    <p:sldId id="277" r:id="rId10"/>
+    <p:sldId id="274" r:id="rId11"/>
+    <p:sldId id="279" r:id="rId12"/>
+    <p:sldId id="268" r:id="rId13"/>
+    <p:sldId id="270" r:id="rId14"/>
+    <p:sldId id="273" r:id="rId15"/>
+    <p:sldId id="271" r:id="rId16"/>
+    <p:sldId id="275" r:id="rId17"/>
+    <p:sldId id="258" r:id="rId18"/>
   </p:sldIdLst>
   <p:sldSz cx="9144000" cy="6858000" type="screen4x3"/>
   <p:notesSz cx="6858000" cy="9144000"/>
@@ -207,7 +209,7 @@
             <a:fld id="{1AA0A25A-0933-4BB6-AB00-1CCD3F98FE01}" type="datetimeFigureOut">
               <a:rPr lang="zh-TW" altLang="en-US" smtClean="0"/>
               <a:pPr/>
-              <a:t>2019/8/20</a:t>
+              <a:t>2019/8/22</a:t>
             </a:fld>
             <a:endParaRPr lang="zh-TW" altLang="en-US"/>
           </a:p>
@@ -655,7 +657,7 @@
             <a:fld id="{FD877D34-32F8-4B33-9092-4B8820F5807F}" type="datetimeFigureOut">
               <a:rPr lang="zh-TW" altLang="en-US" smtClean="0"/>
               <a:pPr/>
-              <a:t>2019/8/20</a:t>
+              <a:t>2019/8/22</a:t>
             </a:fld>
             <a:endParaRPr lang="zh-TW" altLang="en-US"/>
           </a:p>
@@ -822,7 +824,7 @@
             <a:fld id="{FD877D34-32F8-4B33-9092-4B8820F5807F}" type="datetimeFigureOut">
               <a:rPr lang="zh-TW" altLang="en-US" smtClean="0"/>
               <a:pPr/>
-              <a:t>2019/8/20</a:t>
+              <a:t>2019/8/22</a:t>
             </a:fld>
             <a:endParaRPr lang="zh-TW" altLang="en-US"/>
           </a:p>
@@ -999,7 +1001,7 @@
             <a:fld id="{FD877D34-32F8-4B33-9092-4B8820F5807F}" type="datetimeFigureOut">
               <a:rPr lang="zh-TW" altLang="en-US" smtClean="0"/>
               <a:pPr/>
-              <a:t>2019/8/20</a:t>
+              <a:t>2019/8/22</a:t>
             </a:fld>
             <a:endParaRPr lang="zh-TW" altLang="en-US"/>
           </a:p>
@@ -1166,7 +1168,7 @@
             <a:fld id="{FD877D34-32F8-4B33-9092-4B8820F5807F}" type="datetimeFigureOut">
               <a:rPr lang="zh-TW" altLang="en-US" smtClean="0"/>
               <a:pPr/>
-              <a:t>2019/8/20</a:t>
+              <a:t>2019/8/22</a:t>
             </a:fld>
             <a:endParaRPr lang="zh-TW" altLang="en-US"/>
           </a:p>
@@ -1409,7 +1411,7 @@
             <a:fld id="{FD877D34-32F8-4B33-9092-4B8820F5807F}" type="datetimeFigureOut">
               <a:rPr lang="zh-TW" altLang="en-US" smtClean="0"/>
               <a:pPr/>
-              <a:t>2019/8/20</a:t>
+              <a:t>2019/8/22</a:t>
             </a:fld>
             <a:endParaRPr lang="zh-TW" altLang="en-US"/>
           </a:p>
@@ -1694,7 +1696,7 @@
             <a:fld id="{FD877D34-32F8-4B33-9092-4B8820F5807F}" type="datetimeFigureOut">
               <a:rPr lang="zh-TW" altLang="en-US" smtClean="0"/>
               <a:pPr/>
-              <a:t>2019/8/20</a:t>
+              <a:t>2019/8/22</a:t>
             </a:fld>
             <a:endParaRPr lang="zh-TW" altLang="en-US"/>
           </a:p>
@@ -2113,7 +2115,7 @@
             <a:fld id="{FD877D34-32F8-4B33-9092-4B8820F5807F}" type="datetimeFigureOut">
               <a:rPr lang="zh-TW" altLang="en-US" smtClean="0"/>
               <a:pPr/>
-              <a:t>2019/8/20</a:t>
+              <a:t>2019/8/22</a:t>
             </a:fld>
             <a:endParaRPr lang="zh-TW" altLang="en-US"/>
           </a:p>
@@ -2228,7 +2230,7 @@
             <a:fld id="{FD877D34-32F8-4B33-9092-4B8820F5807F}" type="datetimeFigureOut">
               <a:rPr lang="zh-TW" altLang="en-US" smtClean="0"/>
               <a:pPr/>
-              <a:t>2019/8/20</a:t>
+              <a:t>2019/8/22</a:t>
             </a:fld>
             <a:endParaRPr lang="zh-TW" altLang="en-US"/>
           </a:p>
@@ -2320,7 +2322,7 @@
             <a:fld id="{FD877D34-32F8-4B33-9092-4B8820F5807F}" type="datetimeFigureOut">
               <a:rPr lang="zh-TW" altLang="en-US" smtClean="0"/>
               <a:pPr/>
-              <a:t>2019/8/20</a:t>
+              <a:t>2019/8/22</a:t>
             </a:fld>
             <a:endParaRPr lang="zh-TW" altLang="en-US"/>
           </a:p>
@@ -2594,7 +2596,7 @@
             <a:fld id="{FD877D34-32F8-4B33-9092-4B8820F5807F}" type="datetimeFigureOut">
               <a:rPr lang="zh-TW" altLang="en-US" smtClean="0"/>
               <a:pPr/>
-              <a:t>2019/8/20</a:t>
+              <a:t>2019/8/22</a:t>
             </a:fld>
             <a:endParaRPr lang="zh-TW" altLang="en-US"/>
           </a:p>
@@ -2844,7 +2846,7 @@
             <a:fld id="{FD877D34-32F8-4B33-9092-4B8820F5807F}" type="datetimeFigureOut">
               <a:rPr lang="zh-TW" altLang="en-US" smtClean="0"/>
               <a:pPr/>
-              <a:t>2019/8/20</a:t>
+              <a:t>2019/8/22</a:t>
             </a:fld>
             <a:endParaRPr lang="zh-TW" altLang="en-US"/>
           </a:p>
@@ -3054,7 +3056,7 @@
             <a:fld id="{FD877D34-32F8-4B33-9092-4B8820F5807F}" type="datetimeFigureOut">
               <a:rPr lang="zh-TW" altLang="en-US" smtClean="0"/>
               <a:pPr/>
-              <a:t>2019/8/20</a:t>
+              <a:t>2019/8/22</a:t>
             </a:fld>
             <a:endParaRPr lang="zh-TW" altLang="en-US"/>
           </a:p>
@@ -3567,50 +3569,358 @@
         <p:spPr>
           <a:xfrm>
             <a:off x="457200" y="1412777"/>
-            <a:ext cx="8435280" cy="3672407"/>
+            <a:ext cx="8435280" cy="864095"/>
           </a:xfrm>
         </p:spPr>
         <p:txBody>
           <a:bodyPr>
-            <a:normAutofit/>
+            <a:normAutofit fontScale="77500" lnSpcReduction="20000"/>
           </a:bodyPr>
           <a:lstStyle/>
           <a:p>
-            <a:endParaRPr lang="en-US" altLang="zh-TW" dirty="0" smtClean="0">
-              <a:hlinkClick r:id="rId2"/>
-            </a:endParaRPr>
+            <a:r>
+              <a:rPr lang="en-US" altLang="zh-TW" dirty="0" smtClean="0">
+                <a:hlinkClick r:id="rId2"/>
+              </a:rPr>
+              <a:t>http://www.tutorialspoint.com/redis_terminal_online.php</a:t>
+            </a:r>
+            <a:endParaRPr lang="en-US" altLang="zh-TW" dirty="0" smtClean="0"/>
           </a:p>
           <a:p>
             <a:r>
               <a:rPr lang="en-US" altLang="zh-TW" dirty="0" smtClean="0"/>
-              <a:t>Using </a:t>
-            </a:r>
-            <a:r>
-              <a:rPr lang="en-US" altLang="zh-TW" b="1" dirty="0" smtClean="0">
+              <a:t>Using Redis Type : </a:t>
+            </a:r>
+            <a:r>
+              <a:rPr lang="en-US" altLang="zh-TW" dirty="0" smtClean="0">
                 <a:solidFill>
                   <a:srgbClr val="FF0000"/>
                 </a:solidFill>
               </a:rPr>
-              <a:t>Redis</a:t>
-            </a:r>
-            <a:endParaRPr lang="en-US" altLang="zh-TW" b="1" dirty="0" smtClean="0">
-              <a:solidFill>
-                <a:srgbClr val="FF0000"/>
-              </a:solidFill>
-              <a:hlinkClick r:id="rId2"/>
-            </a:endParaRPr>
-          </a:p>
-          <a:p>
-            <a:r>
-              <a:rPr lang="en-US" altLang="zh-TW" dirty="0" smtClean="0">
-                <a:hlinkClick r:id="rId2"/>
-              </a:rPr>
-              <a:t>https://github.com/jimliu7434/microservice-sample/blob/master/model/session_redis.js</a:t>
+              <a:t>Strings</a:t>
             </a:r>
             <a:endParaRPr lang="en-US" altLang="zh-TW" dirty="0">
               <a:solidFill>
                 <a:srgbClr val="FF0000"/>
               </a:solidFill>
+            </a:endParaRPr>
+          </a:p>
+        </p:txBody>
+      </p:sp>
+      <p:pic>
+        <p:nvPicPr>
+          <p:cNvPr id="1027" name="Picture 3"/>
+          <p:cNvPicPr>
+            <a:picLocks noChangeAspect="1" noChangeArrowheads="1"/>
+          </p:cNvPicPr>
+          <p:nvPr/>
+        </p:nvPicPr>
+        <p:blipFill>
+          <a:blip r:embed="rId3" cstate="print"/>
+          <a:srcRect/>
+          <a:stretch>
+            <a:fillRect/>
+          </a:stretch>
+        </p:blipFill>
+        <p:spPr bwMode="auto">
+          <a:xfrm>
+            <a:off x="4499992" y="2564904"/>
+            <a:ext cx="4464496" cy="3920452"/>
+          </a:xfrm>
+          <a:prstGeom prst="rect">
+            <a:avLst/>
+          </a:prstGeom>
+          <a:noFill/>
+          <a:ln w="9525">
+            <a:noFill/>
+            <a:miter lim="800000"/>
+            <a:headEnd/>
+            <a:tailEnd/>
+          </a:ln>
+        </p:spPr>
+      </p:pic>
+      <p:sp>
+        <p:nvSpPr>
+          <p:cNvPr id="6" name="內容版面配置區 2"/>
+          <p:cNvSpPr txBox="1">
+            <a:spLocks/>
+          </p:cNvSpPr>
+          <p:nvPr/>
+        </p:nvSpPr>
+        <p:spPr>
+          <a:xfrm>
+            <a:off x="683568" y="2564904"/>
+            <a:ext cx="3744416" cy="3960441"/>
+          </a:xfrm>
+          <a:prstGeom prst="rect">
+            <a:avLst/>
+          </a:prstGeom>
+          <a:solidFill>
+            <a:schemeClr val="accent1">
+              <a:alpha val="20000"/>
+            </a:schemeClr>
+          </a:solidFill>
+          <a:ln w="3175" cap="rnd">
+            <a:solidFill>
+              <a:schemeClr val="tx1"/>
+            </a:solidFill>
+          </a:ln>
+        </p:spPr>
+        <p:txBody>
+          <a:bodyPr vert="horz" lIns="91440" tIns="45720" rIns="91440" bIns="45720" rtlCol="0">
+            <a:normAutofit/>
+          </a:bodyPr>
+          <a:lstStyle/>
+          <a:p>
+            <a:pPr marL="342900" marR="0" lvl="0" indent="-342900" algn="l" defTabSz="914400" rtl="0" eaLnBrk="1" fontAlgn="auto" latinLnBrk="0" hangingPunct="1">
+              <a:lnSpc>
+                <a:spcPct val="100000"/>
+              </a:lnSpc>
+              <a:spcBef>
+                <a:spcPct val="20000"/>
+              </a:spcBef>
+              <a:spcAft>
+                <a:spcPts val="0"/>
+              </a:spcAft>
+              <a:buClrTx/>
+              <a:buSzTx/>
+              <a:tabLst/>
+              <a:defRPr/>
+            </a:pPr>
+            <a:r>
+              <a:rPr kumimoji="0" lang="en-US" altLang="zh-TW" sz="3200" b="0" i="0" u="none" strike="noStrike" kern="1200" cap="none" spc="0" normalizeH="0" baseline="0" noProof="0" dirty="0" smtClean="0">
+                <a:ln>
+                  <a:noFill/>
+                </a:ln>
+                <a:solidFill>
+                  <a:schemeClr val="tx1"/>
+                </a:solidFill>
+                <a:effectLst/>
+                <a:uLnTx/>
+                <a:uFillTx/>
+                <a:latin typeface="+mn-lt"/>
+                <a:ea typeface="+mn-ea"/>
+                <a:cs typeface="+mn-cs"/>
+              </a:rPr>
+              <a:t>set key1 a</a:t>
+            </a:r>
+          </a:p>
+          <a:p>
+            <a:pPr marL="342900" marR="0" lvl="0" indent="-342900" algn="l" defTabSz="914400" rtl="0" eaLnBrk="1" fontAlgn="auto" latinLnBrk="0" hangingPunct="1">
+              <a:lnSpc>
+                <a:spcPct val="100000"/>
+              </a:lnSpc>
+              <a:spcBef>
+                <a:spcPct val="20000"/>
+              </a:spcBef>
+              <a:spcAft>
+                <a:spcPts val="0"/>
+              </a:spcAft>
+              <a:buClrTx/>
+              <a:buSzTx/>
+              <a:tabLst/>
+              <a:defRPr/>
+            </a:pPr>
+            <a:r>
+              <a:rPr kumimoji="0" lang="en-US" altLang="zh-TW" sz="3200" b="0" i="0" u="none" strike="noStrike" kern="1200" cap="none" spc="0" normalizeH="0" baseline="0" noProof="0" dirty="0" smtClean="0">
+                <a:ln>
+                  <a:noFill/>
+                </a:ln>
+                <a:solidFill>
+                  <a:schemeClr val="tx1"/>
+                </a:solidFill>
+                <a:effectLst/>
+                <a:uLnTx/>
+                <a:uFillTx/>
+                <a:latin typeface="+mn-lt"/>
+                <a:ea typeface="+mn-ea"/>
+                <a:cs typeface="+mn-cs"/>
+              </a:rPr>
+              <a:t>set key2 b</a:t>
+            </a:r>
+          </a:p>
+          <a:p>
+            <a:pPr marL="342900" marR="0" lvl="0" indent="-342900" algn="l" defTabSz="914400" rtl="0" eaLnBrk="1" fontAlgn="auto" latinLnBrk="0" hangingPunct="1">
+              <a:lnSpc>
+                <a:spcPct val="100000"/>
+              </a:lnSpc>
+              <a:spcBef>
+                <a:spcPct val="20000"/>
+              </a:spcBef>
+              <a:spcAft>
+                <a:spcPts val="0"/>
+              </a:spcAft>
+              <a:buClrTx/>
+              <a:buSzTx/>
+              <a:tabLst/>
+              <a:defRPr/>
+            </a:pPr>
+            <a:r>
+              <a:rPr kumimoji="0" lang="en-US" altLang="zh-TW" sz="3200" b="0" i="0" u="none" strike="noStrike" kern="1200" cap="none" spc="0" normalizeH="0" baseline="0" noProof="0" dirty="0" smtClean="0">
+                <a:ln>
+                  <a:noFill/>
+                </a:ln>
+                <a:solidFill>
+                  <a:schemeClr val="tx1"/>
+                </a:solidFill>
+                <a:effectLst/>
+                <a:uLnTx/>
+                <a:uFillTx/>
+                <a:latin typeface="+mn-lt"/>
+                <a:ea typeface="+mn-ea"/>
+                <a:cs typeface="+mn-cs"/>
+              </a:rPr>
+              <a:t>get key1</a:t>
+            </a:r>
+          </a:p>
+          <a:p>
+            <a:pPr marL="342900" marR="0" lvl="0" indent="-342900" algn="l" defTabSz="914400" rtl="0" eaLnBrk="1" fontAlgn="auto" latinLnBrk="0" hangingPunct="1">
+              <a:lnSpc>
+                <a:spcPct val="100000"/>
+              </a:lnSpc>
+              <a:spcBef>
+                <a:spcPct val="20000"/>
+              </a:spcBef>
+              <a:spcAft>
+                <a:spcPts val="0"/>
+              </a:spcAft>
+              <a:buClrTx/>
+              <a:buSzTx/>
+              <a:tabLst/>
+              <a:defRPr/>
+            </a:pPr>
+            <a:r>
+              <a:rPr kumimoji="0" lang="en-US" altLang="zh-TW" sz="3200" b="0" i="0" u="none" strike="noStrike" kern="1200" cap="none" spc="0" normalizeH="0" baseline="0" noProof="0" dirty="0" smtClean="0">
+                <a:ln>
+                  <a:noFill/>
+                </a:ln>
+                <a:solidFill>
+                  <a:schemeClr val="tx1"/>
+                </a:solidFill>
+                <a:effectLst/>
+                <a:uLnTx/>
+                <a:uFillTx/>
+                <a:latin typeface="+mn-lt"/>
+                <a:ea typeface="+mn-ea"/>
+                <a:cs typeface="+mn-cs"/>
+              </a:rPr>
+              <a:t>get key2</a:t>
+            </a:r>
+          </a:p>
+          <a:p>
+            <a:pPr marL="342900" marR="0" lvl="0" indent="-342900" algn="l" defTabSz="914400" rtl="0" eaLnBrk="1" fontAlgn="auto" latinLnBrk="0" hangingPunct="1">
+              <a:lnSpc>
+                <a:spcPct val="100000"/>
+              </a:lnSpc>
+              <a:spcBef>
+                <a:spcPct val="20000"/>
+              </a:spcBef>
+              <a:spcAft>
+                <a:spcPts val="0"/>
+              </a:spcAft>
+              <a:buClrTx/>
+              <a:buSzTx/>
+              <a:tabLst/>
+              <a:defRPr/>
+            </a:pPr>
+            <a:r>
+              <a:rPr kumimoji="0" lang="en-US" altLang="zh-TW" sz="3200" b="0" i="0" u="none" strike="noStrike" kern="1200" cap="none" spc="0" normalizeH="0" baseline="0" noProof="0" dirty="0" err="1" smtClean="0">
+                <a:ln>
+                  <a:noFill/>
+                </a:ln>
+                <a:solidFill>
+                  <a:schemeClr val="tx1"/>
+                </a:solidFill>
+                <a:effectLst/>
+                <a:uLnTx/>
+                <a:uFillTx/>
+                <a:latin typeface="+mn-lt"/>
+                <a:ea typeface="+mn-ea"/>
+                <a:cs typeface="+mn-cs"/>
+              </a:rPr>
+              <a:t>mset</a:t>
+            </a:r>
+            <a:r>
+              <a:rPr kumimoji="0" lang="en-US" altLang="zh-TW" sz="3200" b="0" i="0" u="none" strike="noStrike" kern="1200" cap="none" spc="0" normalizeH="0" baseline="0" noProof="0" dirty="0" smtClean="0">
+                <a:ln>
+                  <a:noFill/>
+                </a:ln>
+                <a:solidFill>
+                  <a:schemeClr val="tx1"/>
+                </a:solidFill>
+                <a:effectLst/>
+                <a:uLnTx/>
+                <a:uFillTx/>
+                <a:latin typeface="+mn-lt"/>
+                <a:ea typeface="+mn-ea"/>
+                <a:cs typeface="+mn-cs"/>
+              </a:rPr>
+              <a:t> key1 A key2 B</a:t>
+            </a:r>
+          </a:p>
+          <a:p>
+            <a:pPr marL="342900" marR="0" lvl="0" indent="-342900" algn="l" defTabSz="914400" rtl="0" eaLnBrk="1" fontAlgn="auto" latinLnBrk="0" hangingPunct="1">
+              <a:lnSpc>
+                <a:spcPct val="100000"/>
+              </a:lnSpc>
+              <a:spcBef>
+                <a:spcPct val="20000"/>
+              </a:spcBef>
+              <a:spcAft>
+                <a:spcPts val="0"/>
+              </a:spcAft>
+              <a:buClrTx/>
+              <a:buSzTx/>
+              <a:tabLst/>
+              <a:defRPr/>
+            </a:pPr>
+            <a:r>
+              <a:rPr kumimoji="0" lang="en-US" altLang="zh-TW" sz="3200" b="0" i="0" u="none" strike="noStrike" kern="1200" cap="none" spc="0" normalizeH="0" baseline="0" noProof="0" dirty="0" err="1" smtClean="0">
+                <a:ln>
+                  <a:noFill/>
+                </a:ln>
+                <a:solidFill>
+                  <a:schemeClr val="tx1"/>
+                </a:solidFill>
+                <a:effectLst/>
+                <a:uLnTx/>
+                <a:uFillTx/>
+                <a:latin typeface="+mn-lt"/>
+                <a:ea typeface="+mn-ea"/>
+                <a:cs typeface="+mn-cs"/>
+              </a:rPr>
+              <a:t>mget</a:t>
+            </a:r>
+            <a:r>
+              <a:rPr kumimoji="0" lang="en-US" altLang="zh-TW" sz="3200" b="0" i="0" u="none" strike="noStrike" kern="1200" cap="none" spc="0" normalizeH="0" baseline="0" noProof="0" dirty="0" smtClean="0">
+                <a:ln>
+                  <a:noFill/>
+                </a:ln>
+                <a:solidFill>
+                  <a:schemeClr val="tx1"/>
+                </a:solidFill>
+                <a:effectLst/>
+                <a:uLnTx/>
+                <a:uFillTx/>
+                <a:latin typeface="+mn-lt"/>
+                <a:ea typeface="+mn-ea"/>
+                <a:cs typeface="+mn-cs"/>
+              </a:rPr>
+              <a:t> key1 key2</a:t>
+            </a:r>
+            <a:endParaRPr kumimoji="0" lang="zh-TW" altLang="en-US" sz="3200" b="0" i="0" u="none" strike="noStrike" kern="1200" cap="none" spc="0" normalizeH="0" baseline="0" noProof="0" dirty="0" smtClean="0">
+              <a:ln>
+                <a:noFill/>
+              </a:ln>
+              <a:solidFill>
+                <a:schemeClr val="tx1"/>
+              </a:solidFill>
+              <a:effectLst/>
+              <a:uLnTx/>
+              <a:uFillTx/>
+              <a:latin typeface="+mn-lt"/>
+              <a:ea typeface="+mn-ea"/>
+              <a:cs typeface="+mn-cs"/>
             </a:endParaRPr>
           </a:p>
         </p:txBody>
@@ -3631,6 +3941,672 @@
 </file>
 
 <file path=ppt/slides/slide11.xml><?xml version="1.0" encoding="utf-8"?>
+<p:sld xmlns:a="http://schemas.openxmlformats.org/drawingml/2006/main" xmlns:r="http://schemas.openxmlformats.org/officeDocument/2006/relationships" xmlns:p="http://schemas.openxmlformats.org/presentationml/2006/main">
+  <p:cSld>
+    <p:spTree>
+      <p:nvGrpSpPr>
+        <p:cNvPr id="1" name=""/>
+        <p:cNvGrpSpPr/>
+        <p:nvPr/>
+      </p:nvGrpSpPr>
+      <p:grpSpPr>
+        <a:xfrm>
+          <a:off x="0" y="0"/>
+          <a:ext cx="0" cy="0"/>
+          <a:chOff x="0" y="0"/>
+          <a:chExt cx="0" cy="0"/>
+        </a:xfrm>
+      </p:grpSpPr>
+      <p:sp>
+        <p:nvSpPr>
+          <p:cNvPr id="2" name="標題 1"/>
+          <p:cNvSpPr>
+            <a:spLocks noGrp="1"/>
+          </p:cNvSpPr>
+          <p:nvPr>
+            <p:ph type="title"/>
+          </p:nvPr>
+        </p:nvSpPr>
+        <p:spPr/>
+        <p:txBody>
+          <a:bodyPr/>
+          <a:lstStyle/>
+          <a:p>
+            <a:r>
+              <a:rPr lang="en-US" altLang="zh-TW" dirty="0" smtClean="0"/>
+              <a:t>DIY 1 – Sharing Session Data</a:t>
+            </a:r>
+            <a:endParaRPr lang="zh-TW" altLang="en-US" dirty="0"/>
+          </a:p>
+        </p:txBody>
+      </p:sp>
+      <p:sp>
+        <p:nvSpPr>
+          <p:cNvPr id="3" name="內容版面配置區 2"/>
+          <p:cNvSpPr>
+            <a:spLocks noGrp="1"/>
+          </p:cNvSpPr>
+          <p:nvPr>
+            <p:ph idx="1"/>
+          </p:nvPr>
+        </p:nvSpPr>
+        <p:spPr>
+          <a:xfrm>
+            <a:off x="457200" y="1412777"/>
+            <a:ext cx="8435280" cy="1296143"/>
+          </a:xfrm>
+        </p:spPr>
+        <p:txBody>
+          <a:bodyPr>
+            <a:normAutofit fontScale="77500" lnSpcReduction="20000"/>
+          </a:bodyPr>
+          <a:lstStyle/>
+          <a:p>
+            <a:pPr lvl="0">
+              <a:defRPr/>
+            </a:pPr>
+            <a:r>
+              <a:rPr lang="en-US" altLang="zh-TW" dirty="0" smtClean="0">
+                <a:hlinkClick r:id="rId2"/>
+              </a:rPr>
+              <a:t>http://www.tutorialspoint.com/redis_terminal_online.php</a:t>
+            </a:r>
+            <a:endParaRPr lang="en-US" altLang="zh-TW" dirty="0" smtClean="0"/>
+          </a:p>
+          <a:p>
+            <a:pPr lvl="0">
+              <a:defRPr/>
+            </a:pPr>
+            <a:r>
+              <a:rPr lang="en-US" altLang="zh-TW" dirty="0" smtClean="0"/>
+              <a:t>Using Redis Type : </a:t>
+            </a:r>
+            <a:r>
+              <a:rPr lang="en-US" altLang="zh-TW" dirty="0" smtClean="0">
+                <a:solidFill>
+                  <a:srgbClr val="FF0000"/>
+                </a:solidFill>
+              </a:rPr>
+              <a:t>All types</a:t>
+            </a:r>
+            <a:endParaRPr lang="en-US" altLang="zh-TW" dirty="0" smtClean="0"/>
+          </a:p>
+          <a:p>
+            <a:r>
+              <a:rPr lang="en-US" altLang="zh-TW" dirty="0" smtClean="0"/>
+              <a:t>Set TTL data</a:t>
+            </a:r>
+          </a:p>
+        </p:txBody>
+      </p:sp>
+      <p:sp>
+        <p:nvSpPr>
+          <p:cNvPr id="5" name="內容版面配置區 2"/>
+          <p:cNvSpPr txBox="1">
+            <a:spLocks/>
+          </p:cNvSpPr>
+          <p:nvPr/>
+        </p:nvSpPr>
+        <p:spPr>
+          <a:xfrm>
+            <a:off x="539552" y="2708920"/>
+            <a:ext cx="3744416" cy="1584176"/>
+          </a:xfrm>
+          <a:prstGeom prst="rect">
+            <a:avLst/>
+          </a:prstGeom>
+          <a:solidFill>
+            <a:schemeClr val="accent1">
+              <a:alpha val="20000"/>
+            </a:schemeClr>
+          </a:solidFill>
+          <a:ln w="3175" cap="rnd">
+            <a:solidFill>
+              <a:schemeClr val="tx1"/>
+            </a:solidFill>
+          </a:ln>
+        </p:spPr>
+        <p:txBody>
+          <a:bodyPr vert="horz" lIns="91440" tIns="45720" rIns="91440" bIns="45720" rtlCol="0">
+            <a:normAutofit fontScale="77500" lnSpcReduction="20000"/>
+          </a:bodyPr>
+          <a:lstStyle/>
+          <a:p>
+            <a:pPr marL="342900" marR="0" lvl="0" indent="-342900" algn="l" defTabSz="914400" rtl="0" eaLnBrk="1" fontAlgn="auto" latinLnBrk="0" hangingPunct="1">
+              <a:lnSpc>
+                <a:spcPct val="100000"/>
+              </a:lnSpc>
+              <a:spcBef>
+                <a:spcPct val="20000"/>
+              </a:spcBef>
+              <a:spcAft>
+                <a:spcPts val="0"/>
+              </a:spcAft>
+              <a:buClrTx/>
+              <a:buSzTx/>
+              <a:tabLst/>
+              <a:defRPr/>
+            </a:pPr>
+            <a:r>
+              <a:rPr kumimoji="0" lang="en-US" altLang="zh-TW" sz="3200" b="0" i="0" u="none" strike="noStrike" kern="1200" cap="none" spc="0" normalizeH="0" baseline="0" noProof="0" dirty="0" err="1" smtClean="0">
+                <a:ln>
+                  <a:noFill/>
+                </a:ln>
+                <a:solidFill>
+                  <a:schemeClr val="tx1"/>
+                </a:solidFill>
+                <a:effectLst/>
+                <a:uLnTx/>
+                <a:uFillTx/>
+                <a:latin typeface="+mn-lt"/>
+                <a:ea typeface="+mn-ea"/>
+                <a:cs typeface="+mn-cs"/>
+              </a:rPr>
+              <a:t>setex</a:t>
+            </a:r>
+            <a:r>
+              <a:rPr kumimoji="0" lang="en-US" altLang="zh-TW" sz="3200" b="0" i="0" u="none" strike="noStrike" kern="1200" cap="none" spc="0" normalizeH="0" baseline="0" noProof="0" dirty="0" smtClean="0">
+                <a:ln>
+                  <a:noFill/>
+                </a:ln>
+                <a:solidFill>
+                  <a:schemeClr val="tx1"/>
+                </a:solidFill>
+                <a:effectLst/>
+                <a:uLnTx/>
+                <a:uFillTx/>
+                <a:latin typeface="+mn-lt"/>
+                <a:ea typeface="+mn-ea"/>
+                <a:cs typeface="+mn-cs"/>
+              </a:rPr>
+              <a:t> ttlkey1 5 a</a:t>
+            </a:r>
+          </a:p>
+          <a:p>
+            <a:pPr marL="342900" marR="0" lvl="0" indent="-342900" algn="l" defTabSz="914400" rtl="0" eaLnBrk="1" fontAlgn="auto" latinLnBrk="0" hangingPunct="1">
+              <a:lnSpc>
+                <a:spcPct val="100000"/>
+              </a:lnSpc>
+              <a:spcBef>
+                <a:spcPct val="20000"/>
+              </a:spcBef>
+              <a:spcAft>
+                <a:spcPts val="0"/>
+              </a:spcAft>
+              <a:buClrTx/>
+              <a:buSzTx/>
+              <a:tabLst/>
+              <a:defRPr/>
+            </a:pPr>
+            <a:r>
+              <a:rPr kumimoji="0" lang="en-US" altLang="zh-TW" sz="3200" b="0" i="0" u="none" strike="noStrike" kern="1200" cap="none" spc="0" normalizeH="0" baseline="0" noProof="0" dirty="0" smtClean="0">
+                <a:ln>
+                  <a:noFill/>
+                </a:ln>
+                <a:solidFill>
+                  <a:schemeClr val="tx1"/>
+                </a:solidFill>
+                <a:effectLst/>
+                <a:uLnTx/>
+                <a:uFillTx/>
+                <a:latin typeface="+mn-lt"/>
+                <a:ea typeface="+mn-ea"/>
+                <a:cs typeface="+mn-cs"/>
+              </a:rPr>
+              <a:t>get ttlkey1</a:t>
+            </a:r>
+          </a:p>
+          <a:p>
+            <a:pPr marL="342900" marR="0" lvl="0" indent="-342900" algn="l" defTabSz="914400" rtl="0" eaLnBrk="1" fontAlgn="auto" latinLnBrk="0" hangingPunct="1">
+              <a:lnSpc>
+                <a:spcPct val="100000"/>
+              </a:lnSpc>
+              <a:spcBef>
+                <a:spcPct val="20000"/>
+              </a:spcBef>
+              <a:spcAft>
+                <a:spcPts val="0"/>
+              </a:spcAft>
+              <a:buClrTx/>
+              <a:buSzTx/>
+              <a:tabLst/>
+              <a:defRPr/>
+            </a:pPr>
+            <a:r>
+              <a:rPr lang="en-US" altLang="zh-TW" sz="3200" dirty="0" smtClean="0"/>
+              <a:t>### after 5 sec</a:t>
+            </a:r>
+            <a:r>
+              <a:rPr kumimoji="0" lang="en-US" altLang="zh-TW" sz="3200" b="0" i="0" u="none" strike="noStrike" kern="1200" cap="none" spc="0" normalizeH="0" baseline="0" noProof="0" dirty="0" smtClean="0">
+                <a:ln>
+                  <a:noFill/>
+                </a:ln>
+                <a:solidFill>
+                  <a:schemeClr val="tx1"/>
+                </a:solidFill>
+                <a:effectLst/>
+                <a:uLnTx/>
+                <a:uFillTx/>
+                <a:latin typeface="+mn-lt"/>
+                <a:ea typeface="+mn-ea"/>
+                <a:cs typeface="+mn-cs"/>
+              </a:rPr>
+              <a:t> ###</a:t>
+            </a:r>
+          </a:p>
+          <a:p>
+            <a:pPr marL="342900" marR="0" lvl="0" indent="-342900" algn="l" defTabSz="914400" rtl="0" eaLnBrk="1" fontAlgn="auto" latinLnBrk="0" hangingPunct="1">
+              <a:lnSpc>
+                <a:spcPct val="100000"/>
+              </a:lnSpc>
+              <a:spcBef>
+                <a:spcPct val="20000"/>
+              </a:spcBef>
+              <a:spcAft>
+                <a:spcPts val="0"/>
+              </a:spcAft>
+              <a:buClrTx/>
+              <a:buSzTx/>
+              <a:tabLst/>
+              <a:defRPr/>
+            </a:pPr>
+            <a:r>
+              <a:rPr lang="en-US" altLang="zh-TW" sz="3200" dirty="0" smtClean="0"/>
+              <a:t>get ttlkey1</a:t>
+            </a:r>
+            <a:endParaRPr kumimoji="0" lang="en-US" altLang="zh-TW" sz="3200" b="0" i="0" u="none" strike="noStrike" kern="1200" cap="none" spc="0" normalizeH="0" baseline="0" noProof="0" dirty="0" smtClean="0">
+              <a:ln>
+                <a:noFill/>
+              </a:ln>
+              <a:solidFill>
+                <a:schemeClr val="tx1"/>
+              </a:solidFill>
+              <a:effectLst/>
+              <a:uLnTx/>
+              <a:uFillTx/>
+              <a:latin typeface="+mn-lt"/>
+              <a:ea typeface="+mn-ea"/>
+              <a:cs typeface="+mn-cs"/>
+            </a:endParaRPr>
+          </a:p>
+        </p:txBody>
+      </p:sp>
+      <p:pic>
+        <p:nvPicPr>
+          <p:cNvPr id="1026" name="Picture 2"/>
+          <p:cNvPicPr>
+            <a:picLocks noChangeAspect="1" noChangeArrowheads="1"/>
+          </p:cNvPicPr>
+          <p:nvPr/>
+        </p:nvPicPr>
+        <p:blipFill>
+          <a:blip r:embed="rId3" cstate="print"/>
+          <a:srcRect/>
+          <a:stretch>
+            <a:fillRect/>
+          </a:stretch>
+        </p:blipFill>
+        <p:spPr bwMode="auto">
+          <a:xfrm>
+            <a:off x="4499992" y="2780928"/>
+            <a:ext cx="4445774" cy="1512168"/>
+          </a:xfrm>
+          <a:prstGeom prst="rect">
+            <a:avLst/>
+          </a:prstGeom>
+          <a:noFill/>
+          <a:ln w="9525">
+            <a:noFill/>
+            <a:miter lim="800000"/>
+            <a:headEnd/>
+            <a:tailEnd/>
+          </a:ln>
+        </p:spPr>
+      </p:pic>
+      <p:sp>
+        <p:nvSpPr>
+          <p:cNvPr id="7" name="內容版面配置區 2"/>
+          <p:cNvSpPr txBox="1">
+            <a:spLocks/>
+          </p:cNvSpPr>
+          <p:nvPr/>
+        </p:nvSpPr>
+        <p:spPr>
+          <a:xfrm>
+            <a:off x="539552" y="4365104"/>
+            <a:ext cx="3744416" cy="2376264"/>
+          </a:xfrm>
+          <a:prstGeom prst="rect">
+            <a:avLst/>
+          </a:prstGeom>
+          <a:solidFill>
+            <a:schemeClr val="accent1">
+              <a:alpha val="20000"/>
+            </a:schemeClr>
+          </a:solidFill>
+          <a:ln w="3175" cap="rnd">
+            <a:solidFill>
+              <a:schemeClr val="tx1"/>
+            </a:solidFill>
+          </a:ln>
+        </p:spPr>
+        <p:txBody>
+          <a:bodyPr vert="horz" lIns="91440" tIns="45720" rIns="91440" bIns="45720" rtlCol="0">
+            <a:normAutofit fontScale="77500" lnSpcReduction="20000"/>
+          </a:bodyPr>
+          <a:lstStyle/>
+          <a:p>
+            <a:pPr marL="342900" marR="0" lvl="0" indent="-342900" algn="l" defTabSz="914400" rtl="0" eaLnBrk="1" fontAlgn="auto" latinLnBrk="0" hangingPunct="1">
+              <a:lnSpc>
+                <a:spcPct val="100000"/>
+              </a:lnSpc>
+              <a:spcBef>
+                <a:spcPct val="20000"/>
+              </a:spcBef>
+              <a:spcAft>
+                <a:spcPts val="0"/>
+              </a:spcAft>
+              <a:buClrTx/>
+              <a:buSzTx/>
+              <a:tabLst/>
+              <a:defRPr/>
+            </a:pPr>
+            <a:r>
+              <a:rPr kumimoji="0" lang="en-US" altLang="zh-TW" sz="3200" b="0" i="0" u="none" strike="noStrike" kern="1200" cap="none" spc="0" normalizeH="0" baseline="0" noProof="0" dirty="0" smtClean="0">
+                <a:ln>
+                  <a:noFill/>
+                </a:ln>
+                <a:solidFill>
+                  <a:schemeClr val="tx1"/>
+                </a:solidFill>
+                <a:effectLst/>
+                <a:uLnTx/>
+                <a:uFillTx/>
+                <a:latin typeface="+mn-lt"/>
+                <a:ea typeface="+mn-ea"/>
+                <a:cs typeface="+mn-cs"/>
+              </a:rPr>
+              <a:t>set nottlkey1 a</a:t>
+            </a:r>
+          </a:p>
+          <a:p>
+            <a:pPr marL="342900" marR="0" lvl="0" indent="-342900" algn="l" defTabSz="914400" rtl="0" eaLnBrk="1" fontAlgn="auto" latinLnBrk="0" hangingPunct="1">
+              <a:lnSpc>
+                <a:spcPct val="100000"/>
+              </a:lnSpc>
+              <a:spcBef>
+                <a:spcPct val="20000"/>
+              </a:spcBef>
+              <a:spcAft>
+                <a:spcPts val="0"/>
+              </a:spcAft>
+              <a:buClrTx/>
+              <a:buSzTx/>
+              <a:tabLst/>
+              <a:defRPr/>
+            </a:pPr>
+            <a:r>
+              <a:rPr kumimoji="0" lang="en-US" altLang="zh-TW" sz="3200" b="0" i="0" u="none" strike="noStrike" kern="1200" cap="none" spc="0" normalizeH="0" baseline="0" noProof="0" dirty="0" smtClean="0">
+                <a:ln>
+                  <a:noFill/>
+                </a:ln>
+                <a:solidFill>
+                  <a:schemeClr val="tx1"/>
+                </a:solidFill>
+                <a:effectLst/>
+                <a:uLnTx/>
+                <a:uFillTx/>
+                <a:latin typeface="+mn-lt"/>
+                <a:ea typeface="+mn-ea"/>
+                <a:cs typeface="+mn-cs"/>
+              </a:rPr>
+              <a:t>get nottlkey1</a:t>
+            </a:r>
+          </a:p>
+          <a:p>
+            <a:pPr marL="342900" marR="0" lvl="0" indent="-342900" algn="l" defTabSz="914400" rtl="0" eaLnBrk="1" fontAlgn="auto" latinLnBrk="0" hangingPunct="1">
+              <a:lnSpc>
+                <a:spcPct val="100000"/>
+              </a:lnSpc>
+              <a:spcBef>
+                <a:spcPct val="20000"/>
+              </a:spcBef>
+              <a:spcAft>
+                <a:spcPts val="0"/>
+              </a:spcAft>
+              <a:buClrTx/>
+              <a:buSzTx/>
+              <a:tabLst/>
+              <a:defRPr/>
+            </a:pPr>
+            <a:r>
+              <a:rPr lang="en-US" altLang="zh-TW" sz="3200" dirty="0" smtClean="0"/>
+              <a:t>expire nottlkey1 5</a:t>
+            </a:r>
+          </a:p>
+          <a:p>
+            <a:pPr marL="342900" lvl="0" indent="-342900">
+              <a:spcBef>
+                <a:spcPct val="20000"/>
+              </a:spcBef>
+              <a:defRPr/>
+            </a:pPr>
+            <a:r>
+              <a:rPr lang="en-US" altLang="zh-TW" sz="3200" dirty="0" err="1" smtClean="0"/>
+              <a:t>ttl</a:t>
+            </a:r>
+            <a:r>
+              <a:rPr lang="en-US" altLang="zh-TW" sz="3200" dirty="0" smtClean="0"/>
+              <a:t> nottlkey1</a:t>
+            </a:r>
+          </a:p>
+          <a:p>
+            <a:pPr marL="342900" indent="-342900">
+              <a:spcBef>
+                <a:spcPct val="20000"/>
+              </a:spcBef>
+              <a:defRPr/>
+            </a:pPr>
+            <a:r>
+              <a:rPr lang="en-US" altLang="zh-TW" sz="3200" dirty="0" smtClean="0"/>
+              <a:t>### after </a:t>
+            </a:r>
+            <a:r>
+              <a:rPr lang="en-US" altLang="zh-TW" sz="3200" smtClean="0"/>
+              <a:t>5 sec </a:t>
+            </a:r>
+            <a:r>
+              <a:rPr lang="en-US" altLang="zh-TW" sz="3200" dirty="0" smtClean="0"/>
+              <a:t>###</a:t>
+            </a:r>
+          </a:p>
+          <a:p>
+            <a:pPr marL="342900" indent="-342900">
+              <a:spcBef>
+                <a:spcPct val="20000"/>
+              </a:spcBef>
+              <a:defRPr/>
+            </a:pPr>
+            <a:r>
+              <a:rPr lang="en-US" altLang="zh-TW" sz="3200" dirty="0" smtClean="0"/>
+              <a:t>get nottlkey1</a:t>
+            </a:r>
+          </a:p>
+          <a:p>
+            <a:pPr marL="342900" lvl="0" indent="-342900">
+              <a:spcBef>
+                <a:spcPct val="20000"/>
+              </a:spcBef>
+              <a:defRPr/>
+            </a:pPr>
+            <a:endParaRPr lang="en-US" altLang="zh-TW" sz="3200" dirty="0" smtClean="0"/>
+          </a:p>
+        </p:txBody>
+      </p:sp>
+      <p:pic>
+        <p:nvPicPr>
+          <p:cNvPr id="1027" name="Picture 3"/>
+          <p:cNvPicPr>
+            <a:picLocks noChangeAspect="1" noChangeArrowheads="1"/>
+          </p:cNvPicPr>
+          <p:nvPr/>
+        </p:nvPicPr>
+        <p:blipFill>
+          <a:blip r:embed="rId4" cstate="print"/>
+          <a:srcRect/>
+          <a:stretch>
+            <a:fillRect/>
+          </a:stretch>
+        </p:blipFill>
+        <p:spPr bwMode="auto">
+          <a:xfrm>
+            <a:off x="4499992" y="4365104"/>
+            <a:ext cx="4464496" cy="2340610"/>
+          </a:xfrm>
+          <a:prstGeom prst="rect">
+            <a:avLst/>
+          </a:prstGeom>
+          <a:noFill/>
+          <a:ln w="9525">
+            <a:noFill/>
+            <a:miter lim="800000"/>
+            <a:headEnd/>
+            <a:tailEnd/>
+          </a:ln>
+        </p:spPr>
+      </p:pic>
+    </p:spTree>
+  </p:cSld>
+  <p:clrMapOvr>
+    <a:masterClrMapping/>
+  </p:clrMapOvr>
+  <p:timing>
+    <p:tnLst>
+      <p:par>
+        <p:cTn id="1" dur="indefinite" restart="never" nodeType="tmRoot"/>
+      </p:par>
+    </p:tnLst>
+  </p:timing>
+</p:sld>
+</file>
+
+<file path=ppt/slides/slide12.xml><?xml version="1.0" encoding="utf-8"?>
+<p:sld xmlns:a="http://schemas.openxmlformats.org/drawingml/2006/main" xmlns:r="http://schemas.openxmlformats.org/officeDocument/2006/relationships" xmlns:p="http://schemas.openxmlformats.org/presentationml/2006/main">
+  <p:cSld>
+    <p:spTree>
+      <p:nvGrpSpPr>
+        <p:cNvPr id="1" name=""/>
+        <p:cNvGrpSpPr/>
+        <p:nvPr/>
+      </p:nvGrpSpPr>
+      <p:grpSpPr>
+        <a:xfrm>
+          <a:off x="0" y="0"/>
+          <a:ext cx="0" cy="0"/>
+          <a:chOff x="0" y="0"/>
+          <a:chExt cx="0" cy="0"/>
+        </a:xfrm>
+      </p:grpSpPr>
+      <p:sp>
+        <p:nvSpPr>
+          <p:cNvPr id="2" name="標題 1"/>
+          <p:cNvSpPr>
+            <a:spLocks noGrp="1"/>
+          </p:cNvSpPr>
+          <p:nvPr>
+            <p:ph type="title"/>
+          </p:nvPr>
+        </p:nvSpPr>
+        <p:spPr/>
+        <p:txBody>
+          <a:bodyPr/>
+          <a:lstStyle/>
+          <a:p>
+            <a:r>
+              <a:rPr lang="en-US" altLang="zh-TW" dirty="0" smtClean="0"/>
+              <a:t>DIY 1 – Sharing Session Data</a:t>
+            </a:r>
+            <a:endParaRPr lang="zh-TW" altLang="en-US" dirty="0"/>
+          </a:p>
+        </p:txBody>
+      </p:sp>
+      <p:sp>
+        <p:nvSpPr>
+          <p:cNvPr id="3" name="內容版面配置區 2"/>
+          <p:cNvSpPr>
+            <a:spLocks noGrp="1"/>
+          </p:cNvSpPr>
+          <p:nvPr>
+            <p:ph idx="1"/>
+          </p:nvPr>
+        </p:nvSpPr>
+        <p:spPr>
+          <a:xfrm>
+            <a:off x="457200" y="1412777"/>
+            <a:ext cx="8435280" cy="3672407"/>
+          </a:xfrm>
+        </p:spPr>
+        <p:txBody>
+          <a:bodyPr>
+            <a:normAutofit/>
+          </a:bodyPr>
+          <a:lstStyle/>
+          <a:p>
+            <a:endParaRPr lang="en-US" altLang="zh-TW" dirty="0" smtClean="0">
+              <a:hlinkClick r:id="rId2"/>
+            </a:endParaRPr>
+          </a:p>
+          <a:p>
+            <a:r>
+              <a:rPr lang="en-US" altLang="zh-TW" dirty="0" smtClean="0"/>
+              <a:t>Using </a:t>
+            </a:r>
+            <a:r>
+              <a:rPr lang="en-US" altLang="zh-TW" b="1" dirty="0" smtClean="0">
+                <a:solidFill>
+                  <a:srgbClr val="FF0000"/>
+                </a:solidFill>
+              </a:rPr>
+              <a:t>Redis</a:t>
+            </a:r>
+            <a:endParaRPr lang="en-US" altLang="zh-TW" b="1" dirty="0" smtClean="0">
+              <a:solidFill>
+                <a:srgbClr val="FF0000"/>
+              </a:solidFill>
+              <a:hlinkClick r:id="rId2"/>
+            </a:endParaRPr>
+          </a:p>
+          <a:p>
+            <a:r>
+              <a:rPr lang="en-US" altLang="zh-TW" dirty="0" smtClean="0">
+                <a:hlinkClick r:id="rId2"/>
+              </a:rPr>
+              <a:t>https://github.com/jimliu7434/microservice-sample/blob/master/model/session_redis.js</a:t>
+            </a:r>
+            <a:endParaRPr lang="en-US" altLang="zh-TW" dirty="0">
+              <a:solidFill>
+                <a:srgbClr val="FF0000"/>
+              </a:solidFill>
+            </a:endParaRPr>
+          </a:p>
+        </p:txBody>
+      </p:sp>
+    </p:spTree>
+  </p:cSld>
+  <p:clrMapOvr>
+    <a:masterClrMapping/>
+  </p:clrMapOvr>
+  <p:timing>
+    <p:tnLst>
+      <p:par>
+        <p:cTn id="1" dur="indefinite" restart="never" nodeType="tmRoot"/>
+      </p:par>
+    </p:tnLst>
+  </p:timing>
+</p:sld>
+</file>
+
+<file path=ppt/slides/slide13.xml><?xml version="1.0" encoding="utf-8"?>
 <p:sld xmlns:a="http://schemas.openxmlformats.org/drawingml/2006/main" xmlns:r="http://schemas.openxmlformats.org/officeDocument/2006/relationships" xmlns:p="http://schemas.openxmlformats.org/presentationml/2006/main">
   <p:cSld>
     <p:spTree>
@@ -3758,7 +4734,7 @@
 </p:sld>
 </file>
 
-<file path=ppt/slides/slide12.xml><?xml version="1.0" encoding="utf-8"?>
+<file path=ppt/slides/slide14.xml><?xml version="1.0" encoding="utf-8"?>
 <p:sld xmlns:a="http://schemas.openxmlformats.org/drawingml/2006/main" xmlns:r="http://schemas.openxmlformats.org/officeDocument/2006/relationships" xmlns:p="http://schemas.openxmlformats.org/presentationml/2006/main">
   <p:cSld>
     <p:spTree>
@@ -3942,7 +4918,7 @@
 </p:sld>
 </file>
 
-<file path=ppt/slides/slide13.xml><?xml version="1.0" encoding="utf-8"?>
+<file path=ppt/slides/slide15.xml><?xml version="1.0" encoding="utf-8"?>
 <p:sld xmlns:a="http://schemas.openxmlformats.org/drawingml/2006/main" xmlns:r="http://schemas.openxmlformats.org/officeDocument/2006/relationships" xmlns:p="http://schemas.openxmlformats.org/presentationml/2006/main">
   <p:cSld>
     <p:spTree>
@@ -4409,7 +5385,7 @@
 </p:sld>
 </file>
 
-<file path=ppt/slides/slide14.xml><?xml version="1.0" encoding="utf-8"?>
+<file path=ppt/slides/slide16.xml><?xml version="1.0" encoding="utf-8"?>
 <p:sld xmlns:a="http://schemas.openxmlformats.org/drawingml/2006/main" xmlns:r="http://schemas.openxmlformats.org/officeDocument/2006/relationships" xmlns:p="http://schemas.openxmlformats.org/presentationml/2006/main">
   <p:cSld>
     <p:spTree>
@@ -4528,13 +5504,7 @@
               <a:rPr lang="en-US" altLang="zh-TW" smtClean="0">
                 <a:hlinkClick r:id="rId2"/>
               </a:rPr>
-              <a:t>://</a:t>
-            </a:r>
-            <a:r>
-              <a:rPr lang="en-US" altLang="zh-TW" smtClean="0">
-                <a:hlinkClick r:id="rId2"/>
-              </a:rPr>
-              <a:t>github.com/jimliu7434/microservice-sample/blob/master/service/example02.js</a:t>
+              <a:t>://github.com/jimliu7434/microservice-sample/blob/master/service/example02.js</a:t>
             </a:r>
             <a:endParaRPr lang="en-US" altLang="zh-TW" dirty="0"/>
           </a:p>
@@ -4555,7 +5525,7 @@
 </p:sld>
 </file>
 
-<file path=ppt/slides/slide15.xml><?xml version="1.0" encoding="utf-8"?>
+<file path=ppt/slides/slide17.xml><?xml version="1.0" encoding="utf-8"?>
 <p:sld xmlns:a="http://schemas.openxmlformats.org/drawingml/2006/main" xmlns:r="http://schemas.openxmlformats.org/officeDocument/2006/relationships" xmlns:p="http://schemas.openxmlformats.org/presentationml/2006/main">
   <p:cSld>
     <p:spTree>
@@ -5515,29 +6485,152 @@
             <p:ph idx="1"/>
           </p:nvPr>
         </p:nvSpPr>
-        <p:spPr/>
-        <p:txBody>
-          <a:bodyPr/>
+        <p:spPr>
+          <a:xfrm>
+            <a:off x="179512" y="1600200"/>
+            <a:ext cx="8640960" cy="4525963"/>
+          </a:xfrm>
+        </p:spPr>
+        <p:txBody>
+          <a:bodyPr>
+            <a:normAutofit/>
+          </a:bodyPr>
           <a:lstStyle/>
           <a:p>
             <a:r>
               <a:rPr lang="en-US" altLang="zh-TW" dirty="0" smtClean="0"/>
-              <a:t>CLI</a:t>
-            </a:r>
-          </a:p>
-          <a:p>
-            <a:r>
-              <a:rPr lang="en-US" altLang="zh-TW" dirty="0" err="1" smtClean="0"/>
-              <a:t>Kitematic</a:t>
+              <a:t>Cross Platform</a:t>
             </a:r>
             <a:endParaRPr lang="en-US" altLang="zh-TW" dirty="0" smtClean="0"/>
           </a:p>
           <a:p>
             <a:r>
-              <a:rPr lang="en-US" altLang="zh-TW" dirty="0" err="1" smtClean="0"/>
-              <a:t>Portainer</a:t>
-            </a:r>
-            <a:endParaRPr lang="zh-TW" altLang="en-US" dirty="0"/>
+              <a:rPr lang="en-US" altLang="zh-TW" dirty="0" smtClean="0">
+                <a:solidFill>
+                  <a:srgbClr val="FF0000"/>
+                </a:solidFill>
+              </a:rPr>
+              <a:t>Infra as Code</a:t>
+            </a:r>
+          </a:p>
+          <a:p>
+            <a:r>
+              <a:rPr lang="en-US" altLang="zh-TW" dirty="0" smtClean="0"/>
+              <a:t>Docker : </a:t>
+            </a:r>
+            <a:r>
+              <a:rPr lang="en-US" altLang="zh-TW" dirty="0" smtClean="0">
+                <a:solidFill>
+                  <a:srgbClr val="FF0000"/>
+                </a:solidFill>
+              </a:rPr>
+              <a:t>1</a:t>
+            </a:r>
+            <a:r>
+              <a:rPr lang="en-US" altLang="zh-TW" dirty="0" smtClean="0"/>
+              <a:t> Image @ 1 Machine</a:t>
+            </a:r>
+            <a:endParaRPr lang="en-US" altLang="zh-TW" dirty="0" smtClean="0"/>
+          </a:p>
+          <a:p>
+            <a:r>
+              <a:rPr lang="en-US" altLang="zh-TW" dirty="0" smtClean="0"/>
+              <a:t>Docker-Compose :  </a:t>
+            </a:r>
+            <a:r>
+              <a:rPr lang="en-US" altLang="zh-TW" dirty="0" smtClean="0">
+                <a:solidFill>
+                  <a:srgbClr val="FF0000"/>
+                </a:solidFill>
+              </a:rPr>
+              <a:t>N</a:t>
+            </a:r>
+            <a:r>
+              <a:rPr lang="en-US" altLang="zh-TW" dirty="0" smtClean="0"/>
+              <a:t> Images @ </a:t>
+            </a:r>
+            <a:r>
+              <a:rPr lang="en-US" altLang="zh-TW" dirty="0" smtClean="0">
+                <a:solidFill>
+                  <a:srgbClr val="FF0000"/>
+                </a:solidFill>
+              </a:rPr>
+              <a:t>1</a:t>
+            </a:r>
+            <a:r>
+              <a:rPr lang="en-US" altLang="zh-TW" dirty="0" smtClean="0"/>
+              <a:t> Machine</a:t>
+            </a:r>
+          </a:p>
+          <a:p>
+            <a:r>
+              <a:rPr lang="en-US" altLang="zh-TW" dirty="0" smtClean="0"/>
+              <a:t>Docker-Swarm </a:t>
+            </a:r>
+            <a:r>
+              <a:rPr lang="en-US" altLang="zh-TW" dirty="0" smtClean="0"/>
+              <a:t> : </a:t>
+            </a:r>
+            <a:r>
+              <a:rPr lang="en-US" altLang="zh-TW" dirty="0" smtClean="0">
+                <a:solidFill>
+                  <a:srgbClr val="FF0000"/>
+                </a:solidFill>
+              </a:rPr>
+              <a:t>N</a:t>
+            </a:r>
+            <a:r>
+              <a:rPr lang="en-US" altLang="zh-TW" dirty="0" smtClean="0"/>
+              <a:t> Images @ </a:t>
+            </a:r>
+            <a:r>
+              <a:rPr lang="en-US" altLang="zh-TW" dirty="0" smtClean="0">
+                <a:solidFill>
+                  <a:srgbClr val="FF0000"/>
+                </a:solidFill>
+              </a:rPr>
+              <a:t>N</a:t>
+            </a:r>
+            <a:r>
+              <a:rPr lang="en-US" altLang="zh-TW" dirty="0" smtClean="0"/>
+              <a:t> </a:t>
+            </a:r>
+            <a:r>
+              <a:rPr lang="en-US" altLang="zh-TW" dirty="0" smtClean="0"/>
+              <a:t>Machines</a:t>
+            </a:r>
+            <a:endParaRPr lang="en-US" altLang="zh-TW" dirty="0" smtClean="0"/>
+          </a:p>
+          <a:p>
+            <a:r>
+              <a:rPr lang="en-US" altLang="zh-TW" dirty="0" smtClean="0"/>
+              <a:t>Kubernetes (K8S) : </a:t>
+            </a:r>
+            <a:r>
+              <a:rPr lang="en-US" altLang="zh-TW" dirty="0" smtClean="0">
+                <a:solidFill>
+                  <a:srgbClr val="FF0000"/>
+                </a:solidFill>
+              </a:rPr>
+              <a:t>N</a:t>
+            </a:r>
+            <a:r>
+              <a:rPr lang="en-US" altLang="zh-TW" dirty="0" smtClean="0"/>
+              <a:t> Images @ </a:t>
+            </a:r>
+            <a:r>
+              <a:rPr lang="en-US" altLang="zh-TW" dirty="0" smtClean="0">
+                <a:solidFill>
+                  <a:srgbClr val="FF0000"/>
+                </a:solidFill>
+              </a:rPr>
+              <a:t>N</a:t>
+            </a:r>
+            <a:r>
+              <a:rPr lang="en-US" altLang="zh-TW" dirty="0" smtClean="0"/>
+              <a:t> Machines</a:t>
+            </a:r>
+            <a:endParaRPr lang="en-US" altLang="zh-TW" dirty="0" smtClean="0"/>
           </a:p>
         </p:txBody>
       </p:sp>
@@ -5546,6 +6639,13 @@
   <p:clrMapOvr>
     <a:masterClrMapping/>
   </p:clrMapOvr>
+  <p:timing>
+    <p:tnLst>
+      <p:par>
+        <p:cTn id="1" dur="indefinite" restart="never" nodeType="tmRoot"/>
+      </p:par>
+    </p:tnLst>
+  </p:timing>
 </p:sld>
 </file>
 
@@ -5578,14 +6678,12 @@
         </p:nvSpPr>
         <p:spPr/>
         <p:txBody>
-          <a:bodyPr>
-            <a:normAutofit/>
-          </a:bodyPr>
+          <a:bodyPr/>
           <a:lstStyle/>
           <a:p>
             <a:r>
               <a:rPr lang="en-US" altLang="zh-TW" dirty="0" smtClean="0"/>
-              <a:t>Session Data</a:t>
+              <a:t>BTW - Docker</a:t>
             </a:r>
             <a:endParaRPr lang="zh-TW" altLang="en-US" dirty="0"/>
           </a:p>
@@ -5603,63 +6701,351 @@
         </p:nvSpPr>
         <p:spPr>
           <a:xfrm>
-            <a:off x="457200" y="1600200"/>
-            <a:ext cx="8229600" cy="4493095"/>
+            <a:off x="251520" y="1600200"/>
+            <a:ext cx="8640960" cy="4525963"/>
           </a:xfrm>
         </p:spPr>
         <p:txBody>
-          <a:bodyPr>
-            <a:normAutofit/>
-          </a:bodyPr>
+          <a:bodyPr/>
           <a:lstStyle/>
           <a:p>
             <a:r>
               <a:rPr lang="en-US" altLang="zh-TW" dirty="0" smtClean="0"/>
-              <a:t>Session : User/Connection Server-side Data</a:t>
-            </a:r>
-          </a:p>
-          <a:p>
-            <a:pPr lvl="1"/>
-            <a:r>
-              <a:rPr lang="en-US" altLang="zh-TW" dirty="0" smtClean="0"/>
-              <a:t>Cookie-Based Session</a:t>
-            </a:r>
-          </a:p>
-          <a:p>
-            <a:pPr lvl="1"/>
-            <a:r>
-              <a:rPr lang="en-US" altLang="zh-TW" dirty="0" smtClean="0"/>
-              <a:t>Token-Based Session</a:t>
-            </a:r>
-          </a:p>
-          <a:p>
+              <a:t>Create a Redis DB by Docker</a:t>
+            </a:r>
+          </a:p>
+          <a:p>
+            <a:pPr>
+              <a:buNone/>
+            </a:pPr>
             <a:endParaRPr lang="en-US" altLang="zh-TW" dirty="0" smtClean="0"/>
           </a:p>
           <a:p>
-            <a:r>
-              <a:rPr lang="en-US" altLang="zh-TW" dirty="0" smtClean="0"/>
-              <a:t>Using</a:t>
-            </a:r>
-            <a:r>
-              <a:rPr lang="en-US" altLang="zh-TW" dirty="0" smtClean="0">
-                <a:solidFill>
-                  <a:srgbClr val="FF0000"/>
-                </a:solidFill>
-              </a:rPr>
-              <a:t> In-App Memory</a:t>
-            </a:r>
-          </a:p>
-          <a:p>
-            <a:r>
-              <a:rPr lang="en-US" altLang="zh-TW" dirty="0" smtClean="0">
-                <a:hlinkClick r:id="rId2"/>
-              </a:rPr>
-              <a:t>https://github.com/jimliu7434/microservice-sample/blob/master/model/session_local.js</a:t>
-            </a:r>
-            <a:endParaRPr lang="en-US" altLang="zh-TW" dirty="0" smtClean="0"/>
-          </a:p>
-          <a:p>
-            <a:endParaRPr lang="zh-TW" altLang="en-US" dirty="0"/>
+            <a:pPr>
+              <a:buNone/>
+            </a:pPr>
+            <a:r>
+              <a:rPr lang="en-US" altLang="zh-TW" sz="2800" dirty="0" err="1" smtClean="0"/>
+              <a:t>docker</a:t>
+            </a:r>
+            <a:r>
+              <a:rPr lang="en-US" altLang="zh-TW" sz="2800" dirty="0" smtClean="0"/>
+              <a:t> run --</a:t>
+            </a:r>
+            <a:r>
+              <a:rPr lang="en-US" altLang="zh-TW" sz="2800" dirty="0" err="1" smtClean="0"/>
+              <a:t>rm</a:t>
+            </a:r>
+            <a:r>
+              <a:rPr lang="en-US" altLang="zh-TW" sz="2800" dirty="0" smtClean="0"/>
+              <a:t> --name </a:t>
+            </a:r>
+            <a:r>
+              <a:rPr lang="en-US" altLang="zh-TW" sz="2800" dirty="0" err="1" smtClean="0"/>
+              <a:t>test_redis</a:t>
+            </a:r>
+            <a:r>
+              <a:rPr lang="en-US" altLang="zh-TW" sz="2800" dirty="0" smtClean="0"/>
+              <a:t> –p 63790:6379 redis:4</a:t>
+            </a:r>
+            <a:endParaRPr lang="zh-TW" altLang="en-US" sz="2800" dirty="0"/>
+          </a:p>
+        </p:txBody>
+      </p:sp>
+      <p:pic>
+        <p:nvPicPr>
+          <p:cNvPr id="2051" name="Picture 3"/>
+          <p:cNvPicPr>
+            <a:picLocks noChangeAspect="1" noChangeArrowheads="1"/>
+          </p:cNvPicPr>
+          <p:nvPr/>
+        </p:nvPicPr>
+        <p:blipFill>
+          <a:blip r:embed="rId2" cstate="print"/>
+          <a:srcRect/>
+          <a:stretch>
+            <a:fillRect/>
+          </a:stretch>
+        </p:blipFill>
+        <p:spPr bwMode="auto">
+          <a:xfrm>
+            <a:off x="467544" y="3789040"/>
+            <a:ext cx="8291698" cy="2160240"/>
+          </a:xfrm>
+          <a:prstGeom prst="rect">
+            <a:avLst/>
+          </a:prstGeom>
+          <a:noFill/>
+          <a:ln w="9525">
+            <a:noFill/>
+            <a:miter lim="800000"/>
+            <a:headEnd/>
+            <a:tailEnd/>
+          </a:ln>
+        </p:spPr>
+      </p:pic>
+      <p:sp>
+        <p:nvSpPr>
+          <p:cNvPr id="7" name="矩形 6"/>
+          <p:cNvSpPr/>
+          <p:nvPr/>
+        </p:nvSpPr>
+        <p:spPr>
+          <a:xfrm>
+            <a:off x="323528" y="2852936"/>
+            <a:ext cx="1584176" cy="360040"/>
+          </a:xfrm>
+          <a:prstGeom prst="rect">
+            <a:avLst/>
+          </a:prstGeom>
+          <a:noFill/>
+          <a:ln w="22225">
+            <a:solidFill>
+              <a:srgbClr val="C00000"/>
+            </a:solidFill>
+          </a:ln>
+          <a:effectLst>
+            <a:outerShdw blurRad="50800" dist="38100" dir="2700000" algn="tl" rotWithShape="0">
+              <a:prstClr val="black">
+                <a:alpha val="40000"/>
+              </a:prstClr>
+            </a:outerShdw>
+          </a:effectLst>
+        </p:spPr>
+        <p:style>
+          <a:lnRef idx="2">
+            <a:schemeClr val="accent1">
+              <a:shade val="50000"/>
+            </a:schemeClr>
+          </a:lnRef>
+          <a:fillRef idx="1">
+            <a:schemeClr val="accent1"/>
+          </a:fillRef>
+          <a:effectRef idx="0">
+            <a:schemeClr val="accent1"/>
+          </a:effectRef>
+          <a:fontRef idx="minor">
+            <a:schemeClr val="lt1"/>
+          </a:fontRef>
+        </p:style>
+        <p:txBody>
+          <a:bodyPr rtlCol="0" anchor="ctr"/>
+          <a:lstStyle/>
+          <a:p>
+            <a:pPr algn="ctr"/>
+            <a:endParaRPr lang="zh-TW" altLang="en-US"/>
+          </a:p>
+        </p:txBody>
+      </p:sp>
+      <p:sp>
+        <p:nvSpPr>
+          <p:cNvPr id="8" name="矩形 7"/>
+          <p:cNvSpPr/>
+          <p:nvPr/>
+        </p:nvSpPr>
+        <p:spPr>
+          <a:xfrm>
+            <a:off x="1979712" y="2852936"/>
+            <a:ext cx="648072" cy="360040"/>
+          </a:xfrm>
+          <a:prstGeom prst="rect">
+            <a:avLst/>
+          </a:prstGeom>
+          <a:noFill/>
+          <a:ln w="22225">
+            <a:solidFill>
+              <a:srgbClr val="C00000"/>
+            </a:solidFill>
+          </a:ln>
+          <a:effectLst>
+            <a:outerShdw blurRad="50800" dist="38100" dir="2700000" algn="tl" rotWithShape="0">
+              <a:prstClr val="black">
+                <a:alpha val="40000"/>
+              </a:prstClr>
+            </a:outerShdw>
+          </a:effectLst>
+        </p:spPr>
+        <p:style>
+          <a:lnRef idx="2">
+            <a:schemeClr val="accent1">
+              <a:shade val="50000"/>
+            </a:schemeClr>
+          </a:lnRef>
+          <a:fillRef idx="1">
+            <a:schemeClr val="accent1"/>
+          </a:fillRef>
+          <a:effectRef idx="0">
+            <a:schemeClr val="accent1"/>
+          </a:effectRef>
+          <a:fontRef idx="minor">
+            <a:schemeClr val="lt1"/>
+          </a:fontRef>
+        </p:style>
+        <p:txBody>
+          <a:bodyPr rtlCol="0" anchor="ctr"/>
+          <a:lstStyle/>
+          <a:p>
+            <a:pPr algn="ctr"/>
+            <a:endParaRPr lang="zh-TW" altLang="en-US"/>
+          </a:p>
+        </p:txBody>
+      </p:sp>
+      <p:sp>
+        <p:nvSpPr>
+          <p:cNvPr id="9" name="矩形 8"/>
+          <p:cNvSpPr/>
+          <p:nvPr/>
+        </p:nvSpPr>
+        <p:spPr>
+          <a:xfrm>
+            <a:off x="2699792" y="2852936"/>
+            <a:ext cx="2520280" cy="360040"/>
+          </a:xfrm>
+          <a:prstGeom prst="rect">
+            <a:avLst/>
+          </a:prstGeom>
+          <a:noFill/>
+          <a:ln w="22225">
+            <a:solidFill>
+              <a:srgbClr val="C00000"/>
+            </a:solidFill>
+          </a:ln>
+          <a:effectLst>
+            <a:outerShdw blurRad="50800" dist="38100" dir="2700000" algn="tl" rotWithShape="0">
+              <a:prstClr val="black">
+                <a:alpha val="40000"/>
+              </a:prstClr>
+            </a:outerShdw>
+          </a:effectLst>
+        </p:spPr>
+        <p:style>
+          <a:lnRef idx="2">
+            <a:schemeClr val="accent1">
+              <a:shade val="50000"/>
+            </a:schemeClr>
+          </a:lnRef>
+          <a:fillRef idx="1">
+            <a:schemeClr val="accent1"/>
+          </a:fillRef>
+          <a:effectRef idx="0">
+            <a:schemeClr val="accent1"/>
+          </a:effectRef>
+          <a:fontRef idx="minor">
+            <a:schemeClr val="lt1"/>
+          </a:fontRef>
+        </p:style>
+        <p:txBody>
+          <a:bodyPr rtlCol="0" anchor="ctr"/>
+          <a:lstStyle/>
+          <a:p>
+            <a:pPr algn="ctr"/>
+            <a:endParaRPr lang="zh-TW" altLang="en-US"/>
+          </a:p>
+        </p:txBody>
+      </p:sp>
+      <p:sp>
+        <p:nvSpPr>
+          <p:cNvPr id="10" name="矩形 9"/>
+          <p:cNvSpPr/>
+          <p:nvPr/>
+        </p:nvSpPr>
+        <p:spPr>
+          <a:xfrm>
+            <a:off x="5292080" y="2852936"/>
+            <a:ext cx="2160240" cy="360040"/>
+          </a:xfrm>
+          <a:prstGeom prst="rect">
+            <a:avLst/>
+          </a:prstGeom>
+          <a:noFill/>
+          <a:ln w="22225">
+            <a:solidFill>
+              <a:srgbClr val="C00000"/>
+            </a:solidFill>
+          </a:ln>
+          <a:effectLst>
+            <a:outerShdw blurRad="50800" dist="38100" dir="2700000" algn="tl" rotWithShape="0">
+              <a:prstClr val="black">
+                <a:alpha val="40000"/>
+              </a:prstClr>
+            </a:outerShdw>
+          </a:effectLst>
+        </p:spPr>
+        <p:style>
+          <a:lnRef idx="2">
+            <a:schemeClr val="accent1">
+              <a:shade val="50000"/>
+            </a:schemeClr>
+          </a:lnRef>
+          <a:fillRef idx="1">
+            <a:schemeClr val="accent1"/>
+          </a:fillRef>
+          <a:effectRef idx="0">
+            <a:schemeClr val="accent1"/>
+          </a:effectRef>
+          <a:fontRef idx="minor">
+            <a:schemeClr val="lt1"/>
+          </a:fontRef>
+        </p:style>
+        <p:txBody>
+          <a:bodyPr rtlCol="0" anchor="ctr"/>
+          <a:lstStyle/>
+          <a:p>
+            <a:pPr algn="ctr"/>
+            <a:endParaRPr lang="zh-TW" altLang="en-US"/>
+          </a:p>
+        </p:txBody>
+      </p:sp>
+      <p:sp>
+        <p:nvSpPr>
+          <p:cNvPr id="11" name="矩形 10"/>
+          <p:cNvSpPr/>
+          <p:nvPr/>
+        </p:nvSpPr>
+        <p:spPr>
+          <a:xfrm>
+            <a:off x="7559824" y="2852936"/>
+            <a:ext cx="972616" cy="360040"/>
+          </a:xfrm>
+          <a:prstGeom prst="rect">
+            <a:avLst/>
+          </a:prstGeom>
+          <a:noFill/>
+          <a:ln w="22225">
+            <a:solidFill>
+              <a:srgbClr val="C00000"/>
+            </a:solidFill>
+          </a:ln>
+          <a:effectLst>
+            <a:outerShdw blurRad="50800" dist="38100" dir="2700000" algn="tl" rotWithShape="0">
+              <a:prstClr val="black">
+                <a:alpha val="40000"/>
+              </a:prstClr>
+            </a:outerShdw>
+          </a:effectLst>
+        </p:spPr>
+        <p:style>
+          <a:lnRef idx="2">
+            <a:schemeClr val="accent1">
+              <a:shade val="50000"/>
+            </a:schemeClr>
+          </a:lnRef>
+          <a:fillRef idx="1">
+            <a:schemeClr val="accent1"/>
+          </a:fillRef>
+          <a:effectRef idx="0">
+            <a:schemeClr val="accent1"/>
+          </a:effectRef>
+          <a:fontRef idx="minor">
+            <a:schemeClr val="lt1"/>
+          </a:fontRef>
+        </p:style>
+        <p:txBody>
+          <a:bodyPr rtlCol="0" anchor="ctr"/>
+          <a:lstStyle/>
+          <a:p>
+            <a:pPr algn="ctr"/>
+            <a:endParaRPr lang="zh-TW" altLang="en-US"/>
           </a:p>
         </p:txBody>
       </p:sp>
@@ -5671,9 +7057,504 @@
   <p:timing>
     <p:tnLst>
       <p:par>
-        <p:cTn id="1" dur="indefinite" restart="never" nodeType="tmRoot"/>
+        <p:cTn id="1" dur="indefinite" restart="never" nodeType="tmRoot">
+          <p:childTnLst>
+            <p:seq concurrent="1" nextAc="seek">
+              <p:cTn id="2" dur="indefinite" nodeType="mainSeq">
+                <p:childTnLst>
+                  <p:par>
+                    <p:cTn id="3" fill="hold">
+                      <p:stCondLst>
+                        <p:cond delay="indefinite"/>
+                      </p:stCondLst>
+                      <p:childTnLst>
+                        <p:par>
+                          <p:cTn id="4" fill="hold">
+                            <p:stCondLst>
+                              <p:cond delay="0"/>
+                            </p:stCondLst>
+                            <p:childTnLst>
+                              <p:par>
+                                <p:cTn id="5" presetID="1" presetClass="entr" presetSubtype="0" fill="hold" grpId="2" nodeType="clickEffect">
+                                  <p:stCondLst>
+                                    <p:cond delay="0"/>
+                                  </p:stCondLst>
+                                  <p:childTnLst>
+                                    <p:set>
+                                      <p:cBhvr>
+                                        <p:cTn id="6" dur="1" fill="hold">
+                                          <p:stCondLst>
+                                            <p:cond delay="0"/>
+                                          </p:stCondLst>
+                                        </p:cTn>
+                                        <p:tgtEl>
+                                          <p:spTgt spid="7"/>
+                                        </p:tgtEl>
+                                        <p:attrNameLst>
+                                          <p:attrName>style.visibility</p:attrName>
+                                        </p:attrNameLst>
+                                      </p:cBhvr>
+                                      <p:to>
+                                        <p:strVal val="visible"/>
+                                      </p:to>
+                                    </p:set>
+                                  </p:childTnLst>
+                                </p:cTn>
+                              </p:par>
+                            </p:childTnLst>
+                          </p:cTn>
+                        </p:par>
+                      </p:childTnLst>
+                    </p:cTn>
+                  </p:par>
+                  <p:par>
+                    <p:cTn id="7" fill="hold">
+                      <p:stCondLst>
+                        <p:cond delay="indefinite"/>
+                      </p:stCondLst>
+                      <p:childTnLst>
+                        <p:par>
+                          <p:cTn id="8" fill="hold">
+                            <p:stCondLst>
+                              <p:cond delay="0"/>
+                            </p:stCondLst>
+                            <p:childTnLst>
+                              <p:par>
+                                <p:cTn id="9" presetID="63" presetClass="path" presetSubtype="0" accel="50000" decel="50000" fill="hold" grpId="0" nodeType="clickEffect">
+                                  <p:stCondLst>
+                                    <p:cond delay="0"/>
+                                  </p:stCondLst>
+                                  <p:childTnLst>
+                                    <p:animMotion origin="layout" path="M 1.38889E-6 3.7037E-7 L 0.16528 3.7037E-7 " pathEditMode="relative" rAng="0" ptsTypes="AA">
+                                      <p:cBhvr>
+                                        <p:cTn id="10" dur="2000" fill="hold"/>
+                                        <p:tgtEl>
+                                          <p:spTgt spid="7"/>
+                                        </p:tgtEl>
+                                        <p:attrNameLst>
+                                          <p:attrName>ppt_x</p:attrName>
+                                          <p:attrName>ppt_y</p:attrName>
+                                        </p:attrNameLst>
+                                      </p:cBhvr>
+                                      <p:rCtr x="83" y="0"/>
+                                    </p:animMotion>
+                                  </p:childTnLst>
+                                </p:cTn>
+                              </p:par>
+                            </p:childTnLst>
+                          </p:cTn>
+                        </p:par>
+                        <p:par>
+                          <p:cTn id="11" fill="hold">
+                            <p:stCondLst>
+                              <p:cond delay="2000"/>
+                            </p:stCondLst>
+                            <p:childTnLst>
+                              <p:par>
+                                <p:cTn id="12" presetID="1" presetClass="exit" presetSubtype="0" fill="hold" grpId="1" nodeType="afterEffect">
+                                  <p:stCondLst>
+                                    <p:cond delay="0"/>
+                                  </p:stCondLst>
+                                  <p:childTnLst>
+                                    <p:set>
+                                      <p:cBhvr>
+                                        <p:cTn id="13" dur="1" fill="hold">
+                                          <p:stCondLst>
+                                            <p:cond delay="0"/>
+                                          </p:stCondLst>
+                                        </p:cTn>
+                                        <p:tgtEl>
+                                          <p:spTgt spid="7"/>
+                                        </p:tgtEl>
+                                        <p:attrNameLst>
+                                          <p:attrName>style.visibility</p:attrName>
+                                        </p:attrNameLst>
+                                      </p:cBhvr>
+                                      <p:to>
+                                        <p:strVal val="hidden"/>
+                                      </p:to>
+                                    </p:set>
+                                  </p:childTnLst>
+                                </p:cTn>
+                              </p:par>
+                              <p:par>
+                                <p:cTn id="14" presetID="1" presetClass="entr" presetSubtype="0" fill="hold" grpId="2" nodeType="withEffect">
+                                  <p:stCondLst>
+                                    <p:cond delay="0"/>
+                                  </p:stCondLst>
+                                  <p:childTnLst>
+                                    <p:set>
+                                      <p:cBhvr>
+                                        <p:cTn id="15" dur="1" fill="hold">
+                                          <p:stCondLst>
+                                            <p:cond delay="0"/>
+                                          </p:stCondLst>
+                                        </p:cTn>
+                                        <p:tgtEl>
+                                          <p:spTgt spid="8"/>
+                                        </p:tgtEl>
+                                        <p:attrNameLst>
+                                          <p:attrName>style.visibility</p:attrName>
+                                        </p:attrNameLst>
+                                      </p:cBhvr>
+                                      <p:to>
+                                        <p:strVal val="visible"/>
+                                      </p:to>
+                                    </p:set>
+                                  </p:childTnLst>
+                                </p:cTn>
+                              </p:par>
+                            </p:childTnLst>
+                          </p:cTn>
+                        </p:par>
+                      </p:childTnLst>
+                    </p:cTn>
+                  </p:par>
+                  <p:par>
+                    <p:cTn id="16" fill="hold">
+                      <p:stCondLst>
+                        <p:cond delay="indefinite"/>
+                      </p:stCondLst>
+                      <p:childTnLst>
+                        <p:par>
+                          <p:cTn id="17" fill="hold">
+                            <p:stCondLst>
+                              <p:cond delay="0"/>
+                            </p:stCondLst>
+                            <p:childTnLst>
+                              <p:par>
+                                <p:cTn id="18" presetID="63" presetClass="path" presetSubtype="0" accel="50000" decel="50000" fill="hold" grpId="0" nodeType="clickEffect">
+                                  <p:stCondLst>
+                                    <p:cond delay="0"/>
+                                  </p:stCondLst>
+                                  <p:childTnLst>
+                                    <p:animMotion origin="layout" path="M 3.61111E-6 7.40741E-7 L 0.14965 7.40741E-7 " pathEditMode="relative" rAng="0" ptsTypes="AA">
+                                      <p:cBhvr>
+                                        <p:cTn id="19" dur="2000" fill="hold"/>
+                                        <p:tgtEl>
+                                          <p:spTgt spid="8"/>
+                                        </p:tgtEl>
+                                        <p:attrNameLst>
+                                          <p:attrName>ppt_x</p:attrName>
+                                          <p:attrName>ppt_y</p:attrName>
+                                        </p:attrNameLst>
+                                      </p:cBhvr>
+                                      <p:rCtr x="75" y="0"/>
+                                    </p:animMotion>
+                                  </p:childTnLst>
+                                </p:cTn>
+                              </p:par>
+                            </p:childTnLst>
+                          </p:cTn>
+                        </p:par>
+                        <p:par>
+                          <p:cTn id="20" fill="hold">
+                            <p:stCondLst>
+                              <p:cond delay="2000"/>
+                            </p:stCondLst>
+                            <p:childTnLst>
+                              <p:par>
+                                <p:cTn id="21" presetID="1" presetClass="exit" presetSubtype="0" fill="hold" grpId="1" nodeType="afterEffect">
+                                  <p:stCondLst>
+                                    <p:cond delay="0"/>
+                                  </p:stCondLst>
+                                  <p:childTnLst>
+                                    <p:set>
+                                      <p:cBhvr>
+                                        <p:cTn id="22" dur="1" fill="hold">
+                                          <p:stCondLst>
+                                            <p:cond delay="0"/>
+                                          </p:stCondLst>
+                                        </p:cTn>
+                                        <p:tgtEl>
+                                          <p:spTgt spid="8"/>
+                                        </p:tgtEl>
+                                        <p:attrNameLst>
+                                          <p:attrName>style.visibility</p:attrName>
+                                        </p:attrNameLst>
+                                      </p:cBhvr>
+                                      <p:to>
+                                        <p:strVal val="hidden"/>
+                                      </p:to>
+                                    </p:set>
+                                  </p:childTnLst>
+                                </p:cTn>
+                              </p:par>
+                              <p:par>
+                                <p:cTn id="23" presetID="1" presetClass="entr" presetSubtype="0" fill="hold" grpId="2" nodeType="withEffect">
+                                  <p:stCondLst>
+                                    <p:cond delay="0"/>
+                                  </p:stCondLst>
+                                  <p:childTnLst>
+                                    <p:set>
+                                      <p:cBhvr>
+                                        <p:cTn id="24" dur="1" fill="hold">
+                                          <p:stCondLst>
+                                            <p:cond delay="0"/>
+                                          </p:stCondLst>
+                                        </p:cTn>
+                                        <p:tgtEl>
+                                          <p:spTgt spid="9"/>
+                                        </p:tgtEl>
+                                        <p:attrNameLst>
+                                          <p:attrName>style.visibility</p:attrName>
+                                        </p:attrNameLst>
+                                      </p:cBhvr>
+                                      <p:to>
+                                        <p:strVal val="visible"/>
+                                      </p:to>
+                                    </p:set>
+                                  </p:childTnLst>
+                                </p:cTn>
+                              </p:par>
+                            </p:childTnLst>
+                          </p:cTn>
+                        </p:par>
+                      </p:childTnLst>
+                    </p:cTn>
+                  </p:par>
+                  <p:par>
+                    <p:cTn id="25" fill="hold">
+                      <p:stCondLst>
+                        <p:cond delay="indefinite"/>
+                      </p:stCondLst>
+                      <p:childTnLst>
+                        <p:par>
+                          <p:cTn id="26" fill="hold">
+                            <p:stCondLst>
+                              <p:cond delay="0"/>
+                            </p:stCondLst>
+                            <p:childTnLst>
+                              <p:par>
+                                <p:cTn id="27" presetID="63" presetClass="path" presetSubtype="0" accel="50000" decel="50000" fill="hold" grpId="0" nodeType="clickEffect">
+                                  <p:stCondLst>
+                                    <p:cond delay="0"/>
+                                  </p:stCondLst>
+                                  <p:childTnLst>
+                                    <p:animMotion origin="layout" path="M 5.55556E-7 -3.7037E-6 L 0.23246 -3.7037E-6 " pathEditMode="relative" rAng="0" ptsTypes="AA">
+                                      <p:cBhvr>
+                                        <p:cTn id="28" dur="2000" fill="hold"/>
+                                        <p:tgtEl>
+                                          <p:spTgt spid="9"/>
+                                        </p:tgtEl>
+                                        <p:attrNameLst>
+                                          <p:attrName>ppt_x</p:attrName>
+                                          <p:attrName>ppt_y</p:attrName>
+                                        </p:attrNameLst>
+                                      </p:cBhvr>
+                                      <p:rCtr x="116" y="0"/>
+                                    </p:animMotion>
+                                  </p:childTnLst>
+                                </p:cTn>
+                              </p:par>
+                            </p:childTnLst>
+                          </p:cTn>
+                        </p:par>
+                        <p:par>
+                          <p:cTn id="29" fill="hold">
+                            <p:stCondLst>
+                              <p:cond delay="2000"/>
+                            </p:stCondLst>
+                            <p:childTnLst>
+                              <p:par>
+                                <p:cTn id="30" presetID="1" presetClass="exit" presetSubtype="0" fill="hold" grpId="1" nodeType="afterEffect">
+                                  <p:stCondLst>
+                                    <p:cond delay="0"/>
+                                  </p:stCondLst>
+                                  <p:childTnLst>
+                                    <p:set>
+                                      <p:cBhvr>
+                                        <p:cTn id="31" dur="1" fill="hold">
+                                          <p:stCondLst>
+                                            <p:cond delay="0"/>
+                                          </p:stCondLst>
+                                        </p:cTn>
+                                        <p:tgtEl>
+                                          <p:spTgt spid="9"/>
+                                        </p:tgtEl>
+                                        <p:attrNameLst>
+                                          <p:attrName>style.visibility</p:attrName>
+                                        </p:attrNameLst>
+                                      </p:cBhvr>
+                                      <p:to>
+                                        <p:strVal val="hidden"/>
+                                      </p:to>
+                                    </p:set>
+                                  </p:childTnLst>
+                                </p:cTn>
+                              </p:par>
+                              <p:par>
+                                <p:cTn id="32" presetID="1" presetClass="entr" presetSubtype="0" fill="hold" grpId="2" nodeType="withEffect">
+                                  <p:stCondLst>
+                                    <p:cond delay="0"/>
+                                  </p:stCondLst>
+                                  <p:childTnLst>
+                                    <p:set>
+                                      <p:cBhvr>
+                                        <p:cTn id="33" dur="1" fill="hold">
+                                          <p:stCondLst>
+                                            <p:cond delay="0"/>
+                                          </p:stCondLst>
+                                        </p:cTn>
+                                        <p:tgtEl>
+                                          <p:spTgt spid="10"/>
+                                        </p:tgtEl>
+                                        <p:attrNameLst>
+                                          <p:attrName>style.visibility</p:attrName>
+                                        </p:attrNameLst>
+                                      </p:cBhvr>
+                                      <p:to>
+                                        <p:strVal val="visible"/>
+                                      </p:to>
+                                    </p:set>
+                                  </p:childTnLst>
+                                </p:cTn>
+                              </p:par>
+                            </p:childTnLst>
+                          </p:cTn>
+                        </p:par>
+                      </p:childTnLst>
+                    </p:cTn>
+                  </p:par>
+                  <p:par>
+                    <p:cTn id="34" fill="hold">
+                      <p:stCondLst>
+                        <p:cond delay="indefinite"/>
+                      </p:stCondLst>
+                      <p:childTnLst>
+                        <p:par>
+                          <p:cTn id="35" fill="hold">
+                            <p:stCondLst>
+                              <p:cond delay="0"/>
+                            </p:stCondLst>
+                            <p:childTnLst>
+                              <p:par>
+                                <p:cTn id="36" presetID="63" presetClass="path" presetSubtype="0" accel="50000" decel="50000" fill="hold" grpId="0" nodeType="clickEffect">
+                                  <p:stCondLst>
+                                    <p:cond delay="0"/>
+                                  </p:stCondLst>
+                                  <p:childTnLst>
+                                    <p:animMotion origin="layout" path="M -0.01388 3.7037E-7 L 0.18299 3.7037E-7 " pathEditMode="relative" rAng="0" ptsTypes="AA">
+                                      <p:cBhvr>
+                                        <p:cTn id="37" dur="2000" fill="hold"/>
+                                        <p:tgtEl>
+                                          <p:spTgt spid="10"/>
+                                        </p:tgtEl>
+                                        <p:attrNameLst>
+                                          <p:attrName>ppt_x</p:attrName>
+                                          <p:attrName>ppt_y</p:attrName>
+                                        </p:attrNameLst>
+                                      </p:cBhvr>
+                                      <p:rCtr x="98" y="0"/>
+                                    </p:animMotion>
+                                  </p:childTnLst>
+                                </p:cTn>
+                              </p:par>
+                            </p:childTnLst>
+                          </p:cTn>
+                        </p:par>
+                        <p:par>
+                          <p:cTn id="38" fill="hold">
+                            <p:stCondLst>
+                              <p:cond delay="2000"/>
+                            </p:stCondLst>
+                            <p:childTnLst>
+                              <p:par>
+                                <p:cTn id="39" presetID="1" presetClass="exit" presetSubtype="0" fill="hold" grpId="1" nodeType="afterEffect">
+                                  <p:stCondLst>
+                                    <p:cond delay="0"/>
+                                  </p:stCondLst>
+                                  <p:childTnLst>
+                                    <p:set>
+                                      <p:cBhvr>
+                                        <p:cTn id="40" dur="1" fill="hold">
+                                          <p:stCondLst>
+                                            <p:cond delay="0"/>
+                                          </p:stCondLst>
+                                        </p:cTn>
+                                        <p:tgtEl>
+                                          <p:spTgt spid="10"/>
+                                        </p:tgtEl>
+                                        <p:attrNameLst>
+                                          <p:attrName>style.visibility</p:attrName>
+                                        </p:attrNameLst>
+                                      </p:cBhvr>
+                                      <p:to>
+                                        <p:strVal val="hidden"/>
+                                      </p:to>
+                                    </p:set>
+                                  </p:childTnLst>
+                                </p:cTn>
+                              </p:par>
+                              <p:par>
+                                <p:cTn id="41" presetID="1" presetClass="entr" presetSubtype="0" fill="hold" grpId="2" nodeType="withEffect">
+                                  <p:stCondLst>
+                                    <p:cond delay="0"/>
+                                  </p:stCondLst>
+                                  <p:childTnLst>
+                                    <p:set>
+                                      <p:cBhvr>
+                                        <p:cTn id="42" dur="1" fill="hold">
+                                          <p:stCondLst>
+                                            <p:cond delay="0"/>
+                                          </p:stCondLst>
+                                        </p:cTn>
+                                        <p:tgtEl>
+                                          <p:spTgt spid="11"/>
+                                        </p:tgtEl>
+                                        <p:attrNameLst>
+                                          <p:attrName>style.visibility</p:attrName>
+                                        </p:attrNameLst>
+                                      </p:cBhvr>
+                                      <p:to>
+                                        <p:strVal val="visible"/>
+                                      </p:to>
+                                    </p:set>
+                                  </p:childTnLst>
+                                </p:cTn>
+                              </p:par>
+                            </p:childTnLst>
+                          </p:cTn>
+                        </p:par>
+                      </p:childTnLst>
+                    </p:cTn>
+                  </p:par>
+                </p:childTnLst>
+              </p:cTn>
+              <p:prevCondLst>
+                <p:cond evt="onPrev" delay="0">
+                  <p:tgtEl>
+                    <p:sldTgt/>
+                  </p:tgtEl>
+                </p:cond>
+              </p:prevCondLst>
+              <p:nextCondLst>
+                <p:cond evt="onNext" delay="0">
+                  <p:tgtEl>
+                    <p:sldTgt/>
+                  </p:tgtEl>
+                </p:cond>
+              </p:nextCondLst>
+            </p:seq>
+          </p:childTnLst>
+        </p:cTn>
       </p:par>
     </p:tnLst>
+    <p:bldLst>
+      <p:bldP spid="7" grpId="0" animBg="1"/>
+      <p:bldP spid="7" grpId="1" animBg="1"/>
+      <p:bldP spid="7" grpId="2" animBg="1"/>
+      <p:bldP spid="8" grpId="0" animBg="1"/>
+      <p:bldP spid="8" grpId="1" animBg="1"/>
+      <p:bldP spid="8" grpId="2" animBg="1"/>
+      <p:bldP spid="9" grpId="0" animBg="1"/>
+      <p:bldP spid="9" grpId="1" animBg="1"/>
+      <p:bldP spid="9" grpId="2" animBg="1"/>
+      <p:bldP spid="10" grpId="0" animBg="1"/>
+      <p:bldP spid="10" grpId="1" animBg="1"/>
+      <p:bldP spid="10" grpId="2" animBg="1"/>
+      <p:bldP spid="11" grpId="2" animBg="1"/>
+    </p:bldLst>
   </p:timing>
 </p:sld>
 </file>
@@ -5712,66 +7593,47 @@
           <a:p>
             <a:r>
               <a:rPr lang="en-US" altLang="zh-TW" dirty="0" smtClean="0"/>
-              <a:t>DIY 1 – Sharing Session Data</a:t>
+              <a:t>BTW - Docker</a:t>
             </a:r>
             <a:endParaRPr lang="zh-TW" altLang="en-US" dirty="0"/>
-          </a:p>
-        </p:txBody>
-      </p:sp>
-      <p:sp>
-        <p:nvSpPr>
-          <p:cNvPr id="3" name="內容版面配置區 2"/>
-          <p:cNvSpPr>
-            <a:spLocks noGrp="1"/>
-          </p:cNvSpPr>
-          <p:nvPr>
-            <p:ph idx="1"/>
-          </p:nvPr>
-        </p:nvSpPr>
-        <p:spPr>
-          <a:xfrm>
-            <a:off x="457200" y="1412777"/>
-            <a:ext cx="8435280" cy="864095"/>
-          </a:xfrm>
-        </p:spPr>
-        <p:txBody>
-          <a:bodyPr>
-            <a:normAutofit fontScale="77500" lnSpcReduction="20000"/>
-          </a:bodyPr>
-          <a:lstStyle/>
-          <a:p>
-            <a:r>
-              <a:rPr lang="en-US" altLang="zh-TW" dirty="0" smtClean="0">
-                <a:hlinkClick r:id="rId2"/>
-              </a:rPr>
-              <a:t>http://www.tutorialspoint.com/redis_terminal_online.php</a:t>
-            </a:r>
-            <a:endParaRPr lang="en-US" altLang="zh-TW" dirty="0" smtClean="0"/>
-          </a:p>
-          <a:p>
-            <a:r>
-              <a:rPr lang="en-US" altLang="zh-TW" dirty="0" smtClean="0"/>
-              <a:t>Using Redis Type : </a:t>
-            </a:r>
-            <a:r>
-              <a:rPr lang="en-US" altLang="zh-TW" dirty="0" smtClean="0">
-                <a:solidFill>
-                  <a:srgbClr val="FF0000"/>
-                </a:solidFill>
-              </a:rPr>
-              <a:t>Strings</a:t>
-            </a:r>
-            <a:endParaRPr lang="en-US" altLang="zh-TW" dirty="0">
-              <a:solidFill>
-                <a:srgbClr val="FF0000"/>
-              </a:solidFill>
-            </a:endParaRPr>
           </a:p>
         </p:txBody>
       </p:sp>
       <p:pic>
         <p:nvPicPr>
-          <p:cNvPr id="1027" name="Picture 3"/>
+          <p:cNvPr id="1026" name="Picture 2"/>
+          <p:cNvPicPr>
+            <a:picLocks noChangeAspect="1" noChangeArrowheads="1"/>
+          </p:cNvPicPr>
+          <p:nvPr/>
+        </p:nvPicPr>
+        <p:blipFill>
+          <a:blip r:embed="rId2" cstate="print"/>
+          <a:srcRect/>
+          <a:stretch>
+            <a:fillRect/>
+          </a:stretch>
+        </p:blipFill>
+        <p:spPr bwMode="auto">
+          <a:xfrm>
+            <a:off x="0" y="1844824"/>
+            <a:ext cx="8814988" cy="2836788"/>
+          </a:xfrm>
+          <a:prstGeom prst="rect">
+            <a:avLst/>
+          </a:prstGeom>
+          <a:noFill/>
+          <a:ln w="9525">
+            <a:noFill/>
+            <a:miter lim="800000"/>
+            <a:headEnd/>
+            <a:tailEnd/>
+          </a:ln>
+        </p:spPr>
+      </p:pic>
+      <p:pic>
+        <p:nvPicPr>
+          <p:cNvPr id="1029" name="Picture 5"/>
           <p:cNvPicPr>
             <a:picLocks noChangeAspect="1" noChangeArrowheads="1"/>
           </p:cNvPicPr>
@@ -5786,8 +7648,8 @@
         </p:blipFill>
         <p:spPr bwMode="auto">
           <a:xfrm>
-            <a:off x="4499992" y="2564904"/>
-            <a:ext cx="4464496" cy="3920452"/>
+            <a:off x="0" y="5085184"/>
+            <a:ext cx="9210676" cy="981075"/>
           </a:xfrm>
           <a:prstGeom prst="rect">
             <a:avLst/>
@@ -5801,292 +7663,6 @@
           </a:ln>
         </p:spPr>
       </p:pic>
-      <p:sp>
-        <p:nvSpPr>
-          <p:cNvPr id="6" name="內容版面配置區 2"/>
-          <p:cNvSpPr txBox="1">
-            <a:spLocks/>
-          </p:cNvSpPr>
-          <p:nvPr/>
-        </p:nvSpPr>
-        <p:spPr>
-          <a:xfrm>
-            <a:off x="683568" y="2564904"/>
-            <a:ext cx="3744416" cy="3960441"/>
-          </a:xfrm>
-          <a:prstGeom prst="rect">
-            <a:avLst/>
-          </a:prstGeom>
-          <a:solidFill>
-            <a:schemeClr val="accent1">
-              <a:alpha val="20000"/>
-            </a:schemeClr>
-          </a:solidFill>
-          <a:ln w="3175" cap="rnd">
-            <a:solidFill>
-              <a:schemeClr val="tx1"/>
-            </a:solidFill>
-          </a:ln>
-        </p:spPr>
-        <p:txBody>
-          <a:bodyPr vert="horz" lIns="91440" tIns="45720" rIns="91440" bIns="45720" rtlCol="0">
-            <a:normAutofit/>
-          </a:bodyPr>
-          <a:lstStyle/>
-          <a:p>
-            <a:pPr marL="342900" marR="0" lvl="0" indent="-342900" algn="l" defTabSz="914400" rtl="0" eaLnBrk="1" fontAlgn="auto" latinLnBrk="0" hangingPunct="1">
-              <a:lnSpc>
-                <a:spcPct val="100000"/>
-              </a:lnSpc>
-              <a:spcBef>
-                <a:spcPct val="20000"/>
-              </a:spcBef>
-              <a:spcAft>
-                <a:spcPts val="0"/>
-              </a:spcAft>
-              <a:buClrTx/>
-              <a:buSzTx/>
-              <a:tabLst/>
-              <a:defRPr/>
-            </a:pPr>
-            <a:r>
-              <a:rPr kumimoji="0" lang="en-US" altLang="zh-TW" sz="3200" b="0" i="0" u="none" strike="noStrike" kern="1200" cap="none" spc="0" normalizeH="0" baseline="0" noProof="0" dirty="0" smtClean="0">
-                <a:ln>
-                  <a:noFill/>
-                </a:ln>
-                <a:solidFill>
-                  <a:schemeClr val="tx1"/>
-                </a:solidFill>
-                <a:effectLst/>
-                <a:uLnTx/>
-                <a:uFillTx/>
-                <a:latin typeface="+mn-lt"/>
-                <a:ea typeface="+mn-ea"/>
-                <a:cs typeface="+mn-cs"/>
-              </a:rPr>
-              <a:t>set key1 a</a:t>
-            </a:r>
-          </a:p>
-          <a:p>
-            <a:pPr marL="342900" marR="0" lvl="0" indent="-342900" algn="l" defTabSz="914400" rtl="0" eaLnBrk="1" fontAlgn="auto" latinLnBrk="0" hangingPunct="1">
-              <a:lnSpc>
-                <a:spcPct val="100000"/>
-              </a:lnSpc>
-              <a:spcBef>
-                <a:spcPct val="20000"/>
-              </a:spcBef>
-              <a:spcAft>
-                <a:spcPts val="0"/>
-              </a:spcAft>
-              <a:buClrTx/>
-              <a:buSzTx/>
-              <a:tabLst/>
-              <a:defRPr/>
-            </a:pPr>
-            <a:r>
-              <a:rPr kumimoji="0" lang="en-US" altLang="zh-TW" sz="3200" b="0" i="0" u="none" strike="noStrike" kern="1200" cap="none" spc="0" normalizeH="0" baseline="0" noProof="0" dirty="0" smtClean="0">
-                <a:ln>
-                  <a:noFill/>
-                </a:ln>
-                <a:solidFill>
-                  <a:schemeClr val="tx1"/>
-                </a:solidFill>
-                <a:effectLst/>
-                <a:uLnTx/>
-                <a:uFillTx/>
-                <a:latin typeface="+mn-lt"/>
-                <a:ea typeface="+mn-ea"/>
-                <a:cs typeface="+mn-cs"/>
-              </a:rPr>
-              <a:t>set key2 b</a:t>
-            </a:r>
-          </a:p>
-          <a:p>
-            <a:pPr marL="342900" marR="0" lvl="0" indent="-342900" algn="l" defTabSz="914400" rtl="0" eaLnBrk="1" fontAlgn="auto" latinLnBrk="0" hangingPunct="1">
-              <a:lnSpc>
-                <a:spcPct val="100000"/>
-              </a:lnSpc>
-              <a:spcBef>
-                <a:spcPct val="20000"/>
-              </a:spcBef>
-              <a:spcAft>
-                <a:spcPts val="0"/>
-              </a:spcAft>
-              <a:buClrTx/>
-              <a:buSzTx/>
-              <a:tabLst/>
-              <a:defRPr/>
-            </a:pPr>
-            <a:r>
-              <a:rPr kumimoji="0" lang="en-US" altLang="zh-TW" sz="3200" b="0" i="0" u="none" strike="noStrike" kern="1200" cap="none" spc="0" normalizeH="0" baseline="0" noProof="0" dirty="0" smtClean="0">
-                <a:ln>
-                  <a:noFill/>
-                </a:ln>
-                <a:solidFill>
-                  <a:schemeClr val="tx1"/>
-                </a:solidFill>
-                <a:effectLst/>
-                <a:uLnTx/>
-                <a:uFillTx/>
-                <a:latin typeface="+mn-lt"/>
-                <a:ea typeface="+mn-ea"/>
-                <a:cs typeface="+mn-cs"/>
-              </a:rPr>
-              <a:t>get key1</a:t>
-            </a:r>
-          </a:p>
-          <a:p>
-            <a:pPr marL="342900" marR="0" lvl="0" indent="-342900" algn="l" defTabSz="914400" rtl="0" eaLnBrk="1" fontAlgn="auto" latinLnBrk="0" hangingPunct="1">
-              <a:lnSpc>
-                <a:spcPct val="100000"/>
-              </a:lnSpc>
-              <a:spcBef>
-                <a:spcPct val="20000"/>
-              </a:spcBef>
-              <a:spcAft>
-                <a:spcPts val="0"/>
-              </a:spcAft>
-              <a:buClrTx/>
-              <a:buSzTx/>
-              <a:tabLst/>
-              <a:defRPr/>
-            </a:pPr>
-            <a:r>
-              <a:rPr kumimoji="0" lang="en-US" altLang="zh-TW" sz="3200" b="0" i="0" u="none" strike="noStrike" kern="1200" cap="none" spc="0" normalizeH="0" baseline="0" noProof="0" dirty="0" smtClean="0">
-                <a:ln>
-                  <a:noFill/>
-                </a:ln>
-                <a:solidFill>
-                  <a:schemeClr val="tx1"/>
-                </a:solidFill>
-                <a:effectLst/>
-                <a:uLnTx/>
-                <a:uFillTx/>
-                <a:latin typeface="+mn-lt"/>
-                <a:ea typeface="+mn-ea"/>
-                <a:cs typeface="+mn-cs"/>
-              </a:rPr>
-              <a:t>get key2</a:t>
-            </a:r>
-          </a:p>
-          <a:p>
-            <a:pPr marL="342900" marR="0" lvl="0" indent="-342900" algn="l" defTabSz="914400" rtl="0" eaLnBrk="1" fontAlgn="auto" latinLnBrk="0" hangingPunct="1">
-              <a:lnSpc>
-                <a:spcPct val="100000"/>
-              </a:lnSpc>
-              <a:spcBef>
-                <a:spcPct val="20000"/>
-              </a:spcBef>
-              <a:spcAft>
-                <a:spcPts val="0"/>
-              </a:spcAft>
-              <a:buClrTx/>
-              <a:buSzTx/>
-              <a:tabLst/>
-              <a:defRPr/>
-            </a:pPr>
-            <a:r>
-              <a:rPr kumimoji="0" lang="en-US" altLang="zh-TW" sz="3200" b="0" i="0" u="none" strike="noStrike" kern="1200" cap="none" spc="0" normalizeH="0" baseline="0" noProof="0" dirty="0" err="1" smtClean="0">
-                <a:ln>
-                  <a:noFill/>
-                </a:ln>
-                <a:solidFill>
-                  <a:schemeClr val="tx1"/>
-                </a:solidFill>
-                <a:effectLst/>
-                <a:uLnTx/>
-                <a:uFillTx/>
-                <a:latin typeface="+mn-lt"/>
-                <a:ea typeface="+mn-ea"/>
-                <a:cs typeface="+mn-cs"/>
-              </a:rPr>
-              <a:t>mset</a:t>
-            </a:r>
-            <a:r>
-              <a:rPr kumimoji="0" lang="en-US" altLang="zh-TW" sz="3200" b="0" i="0" u="none" strike="noStrike" kern="1200" cap="none" spc="0" normalizeH="0" baseline="0" noProof="0" dirty="0" smtClean="0">
-                <a:ln>
-                  <a:noFill/>
-                </a:ln>
-                <a:solidFill>
-                  <a:schemeClr val="tx1"/>
-                </a:solidFill>
-                <a:effectLst/>
-                <a:uLnTx/>
-                <a:uFillTx/>
-                <a:latin typeface="+mn-lt"/>
-                <a:ea typeface="+mn-ea"/>
-                <a:cs typeface="+mn-cs"/>
-              </a:rPr>
-              <a:t> key1 A key2 B</a:t>
-            </a:r>
-          </a:p>
-          <a:p>
-            <a:pPr marL="342900" marR="0" lvl="0" indent="-342900" algn="l" defTabSz="914400" rtl="0" eaLnBrk="1" fontAlgn="auto" latinLnBrk="0" hangingPunct="1">
-              <a:lnSpc>
-                <a:spcPct val="100000"/>
-              </a:lnSpc>
-              <a:spcBef>
-                <a:spcPct val="20000"/>
-              </a:spcBef>
-              <a:spcAft>
-                <a:spcPts val="0"/>
-              </a:spcAft>
-              <a:buClrTx/>
-              <a:buSzTx/>
-              <a:tabLst/>
-              <a:defRPr/>
-            </a:pPr>
-            <a:r>
-              <a:rPr kumimoji="0" lang="en-US" altLang="zh-TW" sz="3200" b="0" i="0" u="none" strike="noStrike" kern="1200" cap="none" spc="0" normalizeH="0" baseline="0" noProof="0" dirty="0" err="1" smtClean="0">
-                <a:ln>
-                  <a:noFill/>
-                </a:ln>
-                <a:solidFill>
-                  <a:schemeClr val="tx1"/>
-                </a:solidFill>
-                <a:effectLst/>
-                <a:uLnTx/>
-                <a:uFillTx/>
-                <a:latin typeface="+mn-lt"/>
-                <a:ea typeface="+mn-ea"/>
-                <a:cs typeface="+mn-cs"/>
-              </a:rPr>
-              <a:t>mget</a:t>
-            </a:r>
-            <a:r>
-              <a:rPr kumimoji="0" lang="en-US" altLang="zh-TW" sz="3200" b="0" i="0" u="none" strike="noStrike" kern="1200" cap="none" spc="0" normalizeH="0" baseline="0" noProof="0" dirty="0" smtClean="0">
-                <a:ln>
-                  <a:noFill/>
-                </a:ln>
-                <a:solidFill>
-                  <a:schemeClr val="tx1"/>
-                </a:solidFill>
-                <a:effectLst/>
-                <a:uLnTx/>
-                <a:uFillTx/>
-                <a:latin typeface="+mn-lt"/>
-                <a:ea typeface="+mn-ea"/>
-                <a:cs typeface="+mn-cs"/>
-              </a:rPr>
-              <a:t> key1 key2</a:t>
-            </a:r>
-            <a:endParaRPr kumimoji="0" lang="zh-TW" altLang="en-US" sz="3200" b="0" i="0" u="none" strike="noStrike" kern="1200" cap="none" spc="0" normalizeH="0" baseline="0" noProof="0" dirty="0" smtClean="0">
-              <a:ln>
-                <a:noFill/>
-              </a:ln>
-              <a:solidFill>
-                <a:schemeClr val="tx1"/>
-              </a:solidFill>
-              <a:effectLst/>
-              <a:uLnTx/>
-              <a:uFillTx/>
-              <a:latin typeface="+mn-lt"/>
-              <a:ea typeface="+mn-ea"/>
-              <a:cs typeface="+mn-cs"/>
-            </a:endParaRPr>
-          </a:p>
-        </p:txBody>
-      </p:sp>
     </p:spTree>
   </p:cSld>
   <p:clrMapOvr>
@@ -6131,12 +7707,14 @@
         </p:nvSpPr>
         <p:spPr/>
         <p:txBody>
-          <a:bodyPr/>
+          <a:bodyPr>
+            <a:normAutofit/>
+          </a:bodyPr>
           <a:lstStyle/>
           <a:p>
             <a:r>
               <a:rPr lang="en-US" altLang="zh-TW" dirty="0" smtClean="0"/>
-              <a:t>DIY 1 – Sharing Session Data</a:t>
+              <a:t>Session Data</a:t>
             </a:r>
             <a:endParaRPr lang="zh-TW" altLang="en-US" dirty="0"/>
           </a:p>
@@ -6154,34 +7732,42 @@
         </p:nvSpPr>
         <p:spPr>
           <a:xfrm>
-            <a:off x="457200" y="1412777"/>
-            <a:ext cx="8435280" cy="1296143"/>
+            <a:off x="457200" y="1600200"/>
+            <a:ext cx="8229600" cy="4493095"/>
           </a:xfrm>
         </p:spPr>
         <p:txBody>
           <a:bodyPr>
-            <a:normAutofit fontScale="77500" lnSpcReduction="20000"/>
+            <a:normAutofit/>
           </a:bodyPr>
           <a:lstStyle/>
           <a:p>
-            <a:pPr lvl="0">
-              <a:defRPr/>
-            </a:pPr>
-            <a:r>
-              <a:rPr lang="en-US" altLang="zh-TW" dirty="0" smtClean="0">
-                <a:hlinkClick r:id="rId2"/>
-              </a:rPr>
-              <a:t>http://www.tutorialspoint.com/redis_terminal_online.php</a:t>
-            </a:r>
+            <a:r>
+              <a:rPr lang="en-US" altLang="zh-TW" dirty="0" smtClean="0"/>
+              <a:t>Session : User/Connection Server-side Data</a:t>
+            </a:r>
+          </a:p>
+          <a:p>
+            <a:pPr lvl="1"/>
+            <a:r>
+              <a:rPr lang="en-US" altLang="zh-TW" dirty="0" smtClean="0"/>
+              <a:t>Cookie-Based Session</a:t>
+            </a:r>
+          </a:p>
+          <a:p>
+            <a:pPr lvl="1"/>
+            <a:r>
+              <a:rPr lang="en-US" altLang="zh-TW" dirty="0" smtClean="0"/>
+              <a:t>Token-Based Session</a:t>
+            </a:r>
+          </a:p>
+          <a:p>
             <a:endParaRPr lang="en-US" altLang="zh-TW" dirty="0" smtClean="0"/>
           </a:p>
           <a:p>
-            <a:pPr lvl="0">
-              <a:defRPr/>
-            </a:pPr>
             <a:r>
               <a:rPr lang="en-US" altLang="zh-TW" dirty="0" smtClean="0"/>
-              <a:t>Using Redis Type : </a:t>
+              <a:t>Using</a:t>
             </a:r>
             <a:r>
               <a:rPr lang="en-US" altLang="zh-TW" dirty="0" smtClean="0">
@@ -6189,454 +7775,23 @@
                   <a:srgbClr val="FF0000"/>
                 </a:solidFill>
               </a:rPr>
-              <a:t>All types</a:t>
+              <a:t> In-App Memory</a:t>
+            </a:r>
+          </a:p>
+          <a:p>
+            <a:r>
+              <a:rPr lang="en-US" altLang="zh-TW" dirty="0" smtClean="0">
+                <a:hlinkClick r:id="rId2"/>
+              </a:rPr>
+              <a:t>https://github.com/jimliu7434/microservice-sample/blob/master/model/session_local.js</a:t>
             </a:r>
             <a:endParaRPr lang="en-US" altLang="zh-TW" dirty="0" smtClean="0"/>
           </a:p>
           <a:p>
-            <a:r>
-              <a:rPr lang="en-US" altLang="zh-TW" dirty="0" smtClean="0"/>
-              <a:t>Set TTL data</a:t>
-            </a:r>
-          </a:p>
-        </p:txBody>
-      </p:sp>
-      <p:sp>
-        <p:nvSpPr>
-          <p:cNvPr id="5" name="內容版面配置區 2"/>
-          <p:cNvSpPr txBox="1">
-            <a:spLocks/>
-          </p:cNvSpPr>
-          <p:nvPr/>
-        </p:nvSpPr>
-        <p:spPr>
-          <a:xfrm>
-            <a:off x="539552" y="2708920"/>
-            <a:ext cx="3744416" cy="1584176"/>
-          </a:xfrm>
-          <a:prstGeom prst="rect">
-            <a:avLst/>
-          </a:prstGeom>
-          <a:solidFill>
-            <a:schemeClr val="accent1">
-              <a:alpha val="20000"/>
-            </a:schemeClr>
-          </a:solidFill>
-          <a:ln w="3175" cap="rnd">
-            <a:solidFill>
-              <a:schemeClr val="tx1"/>
-            </a:solidFill>
-          </a:ln>
-        </p:spPr>
-        <p:txBody>
-          <a:bodyPr vert="horz" lIns="91440" tIns="45720" rIns="91440" bIns="45720" rtlCol="0">
-            <a:normAutofit fontScale="77500" lnSpcReduction="20000"/>
-          </a:bodyPr>
-          <a:lstStyle/>
-          <a:p>
-            <a:pPr marL="342900" marR="0" lvl="0" indent="-342900" algn="l" defTabSz="914400" rtl="0" eaLnBrk="1" fontAlgn="auto" latinLnBrk="0" hangingPunct="1">
-              <a:lnSpc>
-                <a:spcPct val="100000"/>
-              </a:lnSpc>
-              <a:spcBef>
-                <a:spcPct val="20000"/>
-              </a:spcBef>
-              <a:spcAft>
-                <a:spcPts val="0"/>
-              </a:spcAft>
-              <a:buClrTx/>
-              <a:buSzTx/>
-              <a:tabLst/>
-              <a:defRPr/>
-            </a:pPr>
-            <a:r>
-              <a:rPr kumimoji="0" lang="en-US" altLang="zh-TW" sz="3200" b="0" i="0" u="none" strike="noStrike" kern="1200" cap="none" spc="0" normalizeH="0" baseline="0" noProof="0" dirty="0" err="1" smtClean="0">
-                <a:ln>
-                  <a:noFill/>
-                </a:ln>
-                <a:solidFill>
-                  <a:schemeClr val="tx1"/>
-                </a:solidFill>
-                <a:effectLst/>
-                <a:uLnTx/>
-                <a:uFillTx/>
-                <a:latin typeface="+mn-lt"/>
-                <a:ea typeface="+mn-ea"/>
-                <a:cs typeface="+mn-cs"/>
-              </a:rPr>
-              <a:t>setex</a:t>
-            </a:r>
-            <a:r>
-              <a:rPr kumimoji="0" lang="en-US" altLang="zh-TW" sz="3200" b="0" i="0" u="none" strike="noStrike" kern="1200" cap="none" spc="0" normalizeH="0" baseline="0" noProof="0" dirty="0" smtClean="0">
-                <a:ln>
-                  <a:noFill/>
-                </a:ln>
-                <a:solidFill>
-                  <a:schemeClr val="tx1"/>
-                </a:solidFill>
-                <a:effectLst/>
-                <a:uLnTx/>
-                <a:uFillTx/>
-                <a:latin typeface="+mn-lt"/>
-                <a:ea typeface="+mn-ea"/>
-                <a:cs typeface="+mn-cs"/>
-              </a:rPr>
-              <a:t> ttlkey1 5 a</a:t>
-            </a:r>
-          </a:p>
-          <a:p>
-            <a:pPr marL="342900" marR="0" lvl="0" indent="-342900" algn="l" defTabSz="914400" rtl="0" eaLnBrk="1" fontAlgn="auto" latinLnBrk="0" hangingPunct="1">
-              <a:lnSpc>
-                <a:spcPct val="100000"/>
-              </a:lnSpc>
-              <a:spcBef>
-                <a:spcPct val="20000"/>
-              </a:spcBef>
-              <a:spcAft>
-                <a:spcPts val="0"/>
-              </a:spcAft>
-              <a:buClrTx/>
-              <a:buSzTx/>
-              <a:tabLst/>
-              <a:defRPr/>
-            </a:pPr>
-            <a:r>
-              <a:rPr kumimoji="0" lang="en-US" altLang="zh-TW" sz="3200" b="0" i="0" u="none" strike="noStrike" kern="1200" cap="none" spc="0" normalizeH="0" baseline="0" noProof="0" dirty="0" smtClean="0">
-                <a:ln>
-                  <a:noFill/>
-                </a:ln>
-                <a:solidFill>
-                  <a:schemeClr val="tx1"/>
-                </a:solidFill>
-                <a:effectLst/>
-                <a:uLnTx/>
-                <a:uFillTx/>
-                <a:latin typeface="+mn-lt"/>
-                <a:ea typeface="+mn-ea"/>
-                <a:cs typeface="+mn-cs"/>
-              </a:rPr>
-              <a:t>get ttlkey1</a:t>
-            </a:r>
-          </a:p>
-          <a:p>
-            <a:pPr marL="342900" marR="0" lvl="0" indent="-342900" algn="l" defTabSz="914400" rtl="0" eaLnBrk="1" fontAlgn="auto" latinLnBrk="0" hangingPunct="1">
-              <a:lnSpc>
-                <a:spcPct val="100000"/>
-              </a:lnSpc>
-              <a:spcBef>
-                <a:spcPct val="20000"/>
-              </a:spcBef>
-              <a:spcAft>
-                <a:spcPts val="0"/>
-              </a:spcAft>
-              <a:buClrTx/>
-              <a:buSzTx/>
-              <a:tabLst/>
-              <a:defRPr/>
-            </a:pPr>
-            <a:r>
-              <a:rPr lang="en-US" altLang="zh-TW" sz="3200" dirty="0" smtClean="0"/>
-              <a:t>### after 5 sec</a:t>
-            </a:r>
-            <a:r>
-              <a:rPr kumimoji="0" lang="en-US" altLang="zh-TW" sz="3200" b="0" i="0" u="none" strike="noStrike" kern="1200" cap="none" spc="0" normalizeH="0" baseline="0" noProof="0" dirty="0" smtClean="0">
-                <a:ln>
-                  <a:noFill/>
-                </a:ln>
-                <a:solidFill>
-                  <a:schemeClr val="tx1"/>
-                </a:solidFill>
-                <a:effectLst/>
-                <a:uLnTx/>
-                <a:uFillTx/>
-                <a:latin typeface="+mn-lt"/>
-                <a:ea typeface="+mn-ea"/>
-                <a:cs typeface="+mn-cs"/>
-              </a:rPr>
-              <a:t> ###</a:t>
-            </a:r>
-          </a:p>
-          <a:p>
-            <a:pPr marL="342900" marR="0" lvl="0" indent="-342900" algn="l" defTabSz="914400" rtl="0" eaLnBrk="1" fontAlgn="auto" latinLnBrk="0" hangingPunct="1">
-              <a:lnSpc>
-                <a:spcPct val="100000"/>
-              </a:lnSpc>
-              <a:spcBef>
-                <a:spcPct val="20000"/>
-              </a:spcBef>
-              <a:spcAft>
-                <a:spcPts val="0"/>
-              </a:spcAft>
-              <a:buClrTx/>
-              <a:buSzTx/>
-              <a:tabLst/>
-              <a:defRPr/>
-            </a:pPr>
-            <a:r>
-              <a:rPr lang="en-US" altLang="zh-TW" sz="3200" dirty="0" smtClean="0"/>
-              <a:t>get ttlkey1</a:t>
-            </a:r>
-            <a:endParaRPr kumimoji="0" lang="en-US" altLang="zh-TW" sz="3200" b="0" i="0" u="none" strike="noStrike" kern="1200" cap="none" spc="0" normalizeH="0" baseline="0" noProof="0" dirty="0" smtClean="0">
-              <a:ln>
-                <a:noFill/>
-              </a:ln>
-              <a:solidFill>
-                <a:schemeClr val="tx1"/>
-              </a:solidFill>
-              <a:effectLst/>
-              <a:uLnTx/>
-              <a:uFillTx/>
-              <a:latin typeface="+mn-lt"/>
-              <a:ea typeface="+mn-ea"/>
-              <a:cs typeface="+mn-cs"/>
-            </a:endParaRPr>
-          </a:p>
-        </p:txBody>
-      </p:sp>
-      <p:pic>
-        <p:nvPicPr>
-          <p:cNvPr id="1026" name="Picture 2"/>
-          <p:cNvPicPr>
-            <a:picLocks noChangeAspect="1" noChangeArrowheads="1"/>
-          </p:cNvPicPr>
-          <p:nvPr/>
-        </p:nvPicPr>
-        <p:blipFill>
-          <a:blip r:embed="rId3" cstate="print"/>
-          <a:srcRect/>
-          <a:stretch>
-            <a:fillRect/>
-          </a:stretch>
-        </p:blipFill>
-        <p:spPr bwMode="auto">
-          <a:xfrm>
-            <a:off x="4499992" y="2780928"/>
-            <a:ext cx="4445774" cy="1512168"/>
-          </a:xfrm>
-          <a:prstGeom prst="rect">
-            <a:avLst/>
-          </a:prstGeom>
-          <a:noFill/>
-          <a:ln w="9525">
-            <a:noFill/>
-            <a:miter lim="800000"/>
-            <a:headEnd/>
-            <a:tailEnd/>
-          </a:ln>
-        </p:spPr>
-      </p:pic>
-      <p:sp>
-        <p:nvSpPr>
-          <p:cNvPr id="7" name="內容版面配置區 2"/>
-          <p:cNvSpPr txBox="1">
-            <a:spLocks/>
-          </p:cNvSpPr>
-          <p:nvPr/>
-        </p:nvSpPr>
-        <p:spPr>
-          <a:xfrm>
-            <a:off x="539552" y="4365104"/>
-            <a:ext cx="3744416" cy="2376264"/>
-          </a:xfrm>
-          <a:prstGeom prst="rect">
-            <a:avLst/>
-          </a:prstGeom>
-          <a:solidFill>
-            <a:schemeClr val="accent1">
-              <a:alpha val="20000"/>
-            </a:schemeClr>
-          </a:solidFill>
-          <a:ln w="3175" cap="rnd">
-            <a:solidFill>
-              <a:schemeClr val="tx1"/>
-            </a:solidFill>
-          </a:ln>
-        </p:spPr>
-        <p:txBody>
-          <a:bodyPr vert="horz" lIns="91440" tIns="45720" rIns="91440" bIns="45720" rtlCol="0">
-            <a:normAutofit fontScale="77500" lnSpcReduction="20000"/>
-          </a:bodyPr>
-          <a:lstStyle/>
-          <a:p>
-            <a:pPr marL="342900" marR="0" lvl="0" indent="-342900" algn="l" defTabSz="914400" rtl="0" eaLnBrk="1" fontAlgn="auto" latinLnBrk="0" hangingPunct="1">
-              <a:lnSpc>
-                <a:spcPct val="100000"/>
-              </a:lnSpc>
-              <a:spcBef>
-                <a:spcPct val="20000"/>
-              </a:spcBef>
-              <a:spcAft>
-                <a:spcPts val="0"/>
-              </a:spcAft>
-              <a:buClrTx/>
-              <a:buSzTx/>
-              <a:tabLst/>
-              <a:defRPr/>
-            </a:pPr>
-            <a:r>
-              <a:rPr kumimoji="0" lang="en-US" altLang="zh-TW" sz="3200" b="0" i="0" u="none" strike="noStrike" kern="1200" cap="none" spc="0" normalizeH="0" baseline="0" noProof="0" dirty="0" smtClean="0">
-                <a:ln>
-                  <a:noFill/>
-                </a:ln>
-                <a:solidFill>
-                  <a:schemeClr val="tx1"/>
-                </a:solidFill>
-                <a:effectLst/>
-                <a:uLnTx/>
-                <a:uFillTx/>
-                <a:latin typeface="+mn-lt"/>
-                <a:ea typeface="+mn-ea"/>
-                <a:cs typeface="+mn-cs"/>
-              </a:rPr>
-              <a:t>set nottlkey1 a</a:t>
-            </a:r>
-          </a:p>
-          <a:p>
-            <a:pPr marL="342900" marR="0" lvl="0" indent="-342900" algn="l" defTabSz="914400" rtl="0" eaLnBrk="1" fontAlgn="auto" latinLnBrk="0" hangingPunct="1">
-              <a:lnSpc>
-                <a:spcPct val="100000"/>
-              </a:lnSpc>
-              <a:spcBef>
-                <a:spcPct val="20000"/>
-              </a:spcBef>
-              <a:spcAft>
-                <a:spcPts val="0"/>
-              </a:spcAft>
-              <a:buClrTx/>
-              <a:buSzTx/>
-              <a:tabLst/>
-              <a:defRPr/>
-            </a:pPr>
-            <a:r>
-              <a:rPr kumimoji="0" lang="en-US" altLang="zh-TW" sz="3200" b="0" i="0" u="none" strike="noStrike" kern="1200" cap="none" spc="0" normalizeH="0" baseline="0" noProof="0" dirty="0" smtClean="0">
-                <a:ln>
-                  <a:noFill/>
-                </a:ln>
-                <a:solidFill>
-                  <a:schemeClr val="tx1"/>
-                </a:solidFill>
-                <a:effectLst/>
-                <a:uLnTx/>
-                <a:uFillTx/>
-                <a:latin typeface="+mn-lt"/>
-                <a:ea typeface="+mn-ea"/>
-                <a:cs typeface="+mn-cs"/>
-              </a:rPr>
-              <a:t>get nottlkey1</a:t>
-            </a:r>
-          </a:p>
-          <a:p>
-            <a:pPr marL="342900" marR="0" lvl="0" indent="-342900" algn="l" defTabSz="914400" rtl="0" eaLnBrk="1" fontAlgn="auto" latinLnBrk="0" hangingPunct="1">
-              <a:lnSpc>
-                <a:spcPct val="100000"/>
-              </a:lnSpc>
-              <a:spcBef>
-                <a:spcPct val="20000"/>
-              </a:spcBef>
-              <a:spcAft>
-                <a:spcPts val="0"/>
-              </a:spcAft>
-              <a:buClrTx/>
-              <a:buSzTx/>
-              <a:tabLst/>
-              <a:defRPr/>
-            </a:pPr>
-            <a:r>
-              <a:rPr lang="en-US" altLang="zh-TW" sz="3200" dirty="0" smtClean="0"/>
-              <a:t>expire nottlkey1 5</a:t>
-            </a:r>
-          </a:p>
-          <a:p>
-            <a:pPr marL="342900" lvl="0" indent="-342900">
-              <a:spcBef>
-                <a:spcPct val="20000"/>
-              </a:spcBef>
-              <a:defRPr/>
-            </a:pPr>
-            <a:r>
-              <a:rPr lang="en-US" altLang="zh-TW" sz="3200" dirty="0" err="1" smtClean="0"/>
-              <a:t>ttl</a:t>
-            </a:r>
-            <a:r>
-              <a:rPr lang="en-US" altLang="zh-TW" sz="3200" dirty="0" smtClean="0"/>
-              <a:t> nottlkey1</a:t>
-            </a:r>
-          </a:p>
-          <a:p>
-            <a:pPr marL="342900" indent="-342900">
-              <a:spcBef>
-                <a:spcPct val="20000"/>
-              </a:spcBef>
-              <a:defRPr/>
-            </a:pPr>
-            <a:r>
-              <a:rPr lang="en-US" altLang="zh-TW" sz="3200" dirty="0" smtClean="0"/>
-              <a:t>### after </a:t>
-            </a:r>
-            <a:r>
-              <a:rPr lang="en-US" altLang="zh-TW" sz="3200" smtClean="0"/>
-              <a:t>5 sec </a:t>
-            </a:r>
-            <a:r>
-              <a:rPr lang="en-US" altLang="zh-TW" sz="3200" dirty="0" smtClean="0"/>
-              <a:t>###</a:t>
-            </a:r>
-          </a:p>
-          <a:p>
-            <a:pPr marL="342900" indent="-342900">
-              <a:spcBef>
-                <a:spcPct val="20000"/>
-              </a:spcBef>
-              <a:defRPr/>
-            </a:pPr>
-            <a:r>
-              <a:rPr lang="en-US" altLang="zh-TW" sz="3200" dirty="0" smtClean="0"/>
-              <a:t>get nottlkey1</a:t>
-            </a:r>
-          </a:p>
-          <a:p>
-            <a:pPr marL="342900" lvl="0" indent="-342900">
-              <a:spcBef>
-                <a:spcPct val="20000"/>
-              </a:spcBef>
-              <a:defRPr/>
-            </a:pPr>
-            <a:endParaRPr lang="en-US" altLang="zh-TW" sz="3200" dirty="0" smtClean="0"/>
-          </a:p>
-        </p:txBody>
-      </p:sp>
-      <p:pic>
-        <p:nvPicPr>
-          <p:cNvPr id="1027" name="Picture 3"/>
-          <p:cNvPicPr>
-            <a:picLocks noChangeAspect="1" noChangeArrowheads="1"/>
-          </p:cNvPicPr>
-          <p:nvPr/>
-        </p:nvPicPr>
-        <p:blipFill>
-          <a:blip r:embed="rId4" cstate="print"/>
-          <a:srcRect/>
-          <a:stretch>
-            <a:fillRect/>
-          </a:stretch>
-        </p:blipFill>
-        <p:spPr bwMode="auto">
-          <a:xfrm>
-            <a:off x="4499992" y="4365104"/>
-            <a:ext cx="4464496" cy="2340610"/>
-          </a:xfrm>
-          <a:prstGeom prst="rect">
-            <a:avLst/>
-          </a:prstGeom>
-          <a:noFill/>
-          <a:ln w="9525">
-            <a:noFill/>
-            <a:miter lim="800000"/>
-            <a:headEnd/>
-            <a:tailEnd/>
-          </a:ln>
-        </p:spPr>
-      </p:pic>
+            <a:endParaRPr lang="zh-TW" altLang="en-US" dirty="0"/>
+          </a:p>
+        </p:txBody>
+      </p:sp>
     </p:spTree>
   </p:cSld>
   <p:clrMapOvr>

--- a/Microservice02.pptx
+++ b/Microservice02.pptx
@@ -5,7 +5,7 @@
     <p:sldMasterId id="2147483648" r:id="rId1"/>
   </p:sldMasterIdLst>
   <p:notesMasterIdLst>
-    <p:notesMasterId r:id="rId19"/>
+    <p:notesMasterId r:id="rId21"/>
   </p:notesMasterIdLst>
   <p:sldIdLst>
     <p:sldId id="256" r:id="rId2"/>
@@ -24,7 +24,9 @@
     <p:sldId id="273" r:id="rId15"/>
     <p:sldId id="271" r:id="rId16"/>
     <p:sldId id="275" r:id="rId17"/>
-    <p:sldId id="258" r:id="rId18"/>
+    <p:sldId id="285" r:id="rId18"/>
+    <p:sldId id="284" r:id="rId19"/>
+    <p:sldId id="258" r:id="rId20"/>
   </p:sldIdLst>
   <p:sldSz cx="9144000" cy="6858000" type="screen4x3"/>
   <p:notesSz cx="6858000" cy="9144000"/>
@@ -209,7 +211,7 @@
             <a:fld id="{1AA0A25A-0933-4BB6-AB00-1CCD3F98FE01}" type="datetimeFigureOut">
               <a:rPr lang="zh-TW" altLang="en-US" smtClean="0"/>
               <a:pPr/>
-              <a:t>2019/8/22</a:t>
+              <a:t>2019/9/9</a:t>
             </a:fld>
             <a:endParaRPr lang="zh-TW" altLang="en-US"/>
           </a:p>
@@ -657,7 +659,7 @@
             <a:fld id="{FD877D34-32F8-4B33-9092-4B8820F5807F}" type="datetimeFigureOut">
               <a:rPr lang="zh-TW" altLang="en-US" smtClean="0"/>
               <a:pPr/>
-              <a:t>2019/8/22</a:t>
+              <a:t>2019/9/9</a:t>
             </a:fld>
             <a:endParaRPr lang="zh-TW" altLang="en-US"/>
           </a:p>
@@ -824,7 +826,7 @@
             <a:fld id="{FD877D34-32F8-4B33-9092-4B8820F5807F}" type="datetimeFigureOut">
               <a:rPr lang="zh-TW" altLang="en-US" smtClean="0"/>
               <a:pPr/>
-              <a:t>2019/8/22</a:t>
+              <a:t>2019/9/9</a:t>
             </a:fld>
             <a:endParaRPr lang="zh-TW" altLang="en-US"/>
           </a:p>
@@ -1001,7 +1003,7 @@
             <a:fld id="{FD877D34-32F8-4B33-9092-4B8820F5807F}" type="datetimeFigureOut">
               <a:rPr lang="zh-TW" altLang="en-US" smtClean="0"/>
               <a:pPr/>
-              <a:t>2019/8/22</a:t>
+              <a:t>2019/9/9</a:t>
             </a:fld>
             <a:endParaRPr lang="zh-TW" altLang="en-US"/>
           </a:p>
@@ -1168,7 +1170,7 @@
             <a:fld id="{FD877D34-32F8-4B33-9092-4B8820F5807F}" type="datetimeFigureOut">
               <a:rPr lang="zh-TW" altLang="en-US" smtClean="0"/>
               <a:pPr/>
-              <a:t>2019/8/22</a:t>
+              <a:t>2019/9/9</a:t>
             </a:fld>
             <a:endParaRPr lang="zh-TW" altLang="en-US"/>
           </a:p>
@@ -1411,7 +1413,7 @@
             <a:fld id="{FD877D34-32F8-4B33-9092-4B8820F5807F}" type="datetimeFigureOut">
               <a:rPr lang="zh-TW" altLang="en-US" smtClean="0"/>
               <a:pPr/>
-              <a:t>2019/8/22</a:t>
+              <a:t>2019/9/9</a:t>
             </a:fld>
             <a:endParaRPr lang="zh-TW" altLang="en-US"/>
           </a:p>
@@ -1696,7 +1698,7 @@
             <a:fld id="{FD877D34-32F8-4B33-9092-4B8820F5807F}" type="datetimeFigureOut">
               <a:rPr lang="zh-TW" altLang="en-US" smtClean="0"/>
               <a:pPr/>
-              <a:t>2019/8/22</a:t>
+              <a:t>2019/9/9</a:t>
             </a:fld>
             <a:endParaRPr lang="zh-TW" altLang="en-US"/>
           </a:p>
@@ -2115,7 +2117,7 @@
             <a:fld id="{FD877D34-32F8-4B33-9092-4B8820F5807F}" type="datetimeFigureOut">
               <a:rPr lang="zh-TW" altLang="en-US" smtClean="0"/>
               <a:pPr/>
-              <a:t>2019/8/22</a:t>
+              <a:t>2019/9/9</a:t>
             </a:fld>
             <a:endParaRPr lang="zh-TW" altLang="en-US"/>
           </a:p>
@@ -2230,7 +2232,7 @@
             <a:fld id="{FD877D34-32F8-4B33-9092-4B8820F5807F}" type="datetimeFigureOut">
               <a:rPr lang="zh-TW" altLang="en-US" smtClean="0"/>
               <a:pPr/>
-              <a:t>2019/8/22</a:t>
+              <a:t>2019/9/9</a:t>
             </a:fld>
             <a:endParaRPr lang="zh-TW" altLang="en-US"/>
           </a:p>
@@ -2322,7 +2324,7 @@
             <a:fld id="{FD877D34-32F8-4B33-9092-4B8820F5807F}" type="datetimeFigureOut">
               <a:rPr lang="zh-TW" altLang="en-US" smtClean="0"/>
               <a:pPr/>
-              <a:t>2019/8/22</a:t>
+              <a:t>2019/9/9</a:t>
             </a:fld>
             <a:endParaRPr lang="zh-TW" altLang="en-US"/>
           </a:p>
@@ -2596,7 +2598,7 @@
             <a:fld id="{FD877D34-32F8-4B33-9092-4B8820F5807F}" type="datetimeFigureOut">
               <a:rPr lang="zh-TW" altLang="en-US" smtClean="0"/>
               <a:pPr/>
-              <a:t>2019/8/22</a:t>
+              <a:t>2019/9/9</a:t>
             </a:fld>
             <a:endParaRPr lang="zh-TW" altLang="en-US"/>
           </a:p>
@@ -2846,7 +2848,7 @@
             <a:fld id="{FD877D34-32F8-4B33-9092-4B8820F5807F}" type="datetimeFigureOut">
               <a:rPr lang="zh-TW" altLang="en-US" smtClean="0"/>
               <a:pPr/>
-              <a:t>2019/8/22</a:t>
+              <a:t>2019/9/9</a:t>
             </a:fld>
             <a:endParaRPr lang="zh-TW" altLang="en-US"/>
           </a:p>
@@ -3056,7 +3058,7 @@
             <a:fld id="{FD877D34-32F8-4B33-9092-4B8820F5807F}" type="datetimeFigureOut">
               <a:rPr lang="zh-TW" altLang="en-US" smtClean="0"/>
               <a:pPr/>
-              <a:t>2019/8/22</a:t>
+              <a:t>2019/9/9</a:t>
             </a:fld>
             <a:endParaRPr lang="zh-TW" altLang="en-US"/>
           </a:p>
@@ -3574,7 +3576,7 @@
         </p:spPr>
         <p:txBody>
           <a:bodyPr>
-            <a:normAutofit fontScale="77500" lnSpcReduction="20000"/>
+            <a:normAutofit fontScale="85000" lnSpcReduction="20000"/>
           </a:bodyPr>
           <a:lstStyle/>
           <a:p>
@@ -3582,14 +3584,24 @@
               <a:rPr lang="en-US" altLang="zh-TW" dirty="0" smtClean="0">
                 <a:hlinkClick r:id="rId2"/>
               </a:rPr>
-              <a:t>http://www.tutorialspoint.com/redis_terminal_online.php</a:t>
+              <a:t>https://</a:t>
+            </a:r>
+            <a:r>
+              <a:rPr lang="en-US" altLang="zh-TW" dirty="0" smtClean="0">
+                <a:hlinkClick r:id="rId2"/>
+              </a:rPr>
+              <a:t>try.redis.io</a:t>
             </a:r>
             <a:endParaRPr lang="en-US" altLang="zh-TW" dirty="0" smtClean="0"/>
           </a:p>
           <a:p>
             <a:r>
               <a:rPr lang="en-US" altLang="zh-TW" dirty="0" smtClean="0"/>
-              <a:t>Using Redis Type : </a:t>
+              <a:t>Using </a:t>
+            </a:r>
+            <a:r>
+              <a:rPr lang="en-US" altLang="zh-TW" dirty="0" smtClean="0"/>
+              <a:t>Redis Type : </a:t>
             </a:r>
             <a:r>
               <a:rPr lang="en-US" altLang="zh-TW" dirty="0" smtClean="0">
@@ -3607,38 +3619,6 @@
           </a:p>
         </p:txBody>
       </p:sp>
-      <p:pic>
-        <p:nvPicPr>
-          <p:cNvPr id="1027" name="Picture 3"/>
-          <p:cNvPicPr>
-            <a:picLocks noChangeAspect="1" noChangeArrowheads="1"/>
-          </p:cNvPicPr>
-          <p:nvPr/>
-        </p:nvPicPr>
-        <p:blipFill>
-          <a:blip r:embed="rId3" cstate="print"/>
-          <a:srcRect/>
-          <a:stretch>
-            <a:fillRect/>
-          </a:stretch>
-        </p:blipFill>
-        <p:spPr bwMode="auto">
-          <a:xfrm>
-            <a:off x="4499992" y="2564904"/>
-            <a:ext cx="4464496" cy="3920452"/>
-          </a:xfrm>
-          <a:prstGeom prst="rect">
-            <a:avLst/>
-          </a:prstGeom>
-          <a:noFill/>
-          <a:ln w="9525">
-            <a:noFill/>
-            <a:miter lim="800000"/>
-            <a:headEnd/>
-            <a:tailEnd/>
-          </a:ln>
-        </p:spPr>
-      </p:pic>
       <p:sp>
         <p:nvSpPr>
           <p:cNvPr id="6" name="內容版面配置區 2"/>
@@ -3649,7 +3629,7 @@
         </p:nvSpPr>
         <p:spPr>
           <a:xfrm>
-            <a:off x="683568" y="2564904"/>
+            <a:off x="539552" y="2420888"/>
             <a:ext cx="3744416" cy="3960441"/>
           </a:xfrm>
           <a:prstGeom prst="rect">
@@ -3925,6 +3905,38 @@
           </a:p>
         </p:txBody>
       </p:sp>
+      <p:pic>
+        <p:nvPicPr>
+          <p:cNvPr id="1026" name="Picture 2"/>
+          <p:cNvPicPr>
+            <a:picLocks noChangeAspect="1" noChangeArrowheads="1"/>
+          </p:cNvPicPr>
+          <p:nvPr/>
+        </p:nvPicPr>
+        <p:blipFill>
+          <a:blip r:embed="rId3" cstate="print"/>
+          <a:srcRect/>
+          <a:stretch>
+            <a:fillRect/>
+          </a:stretch>
+        </p:blipFill>
+        <p:spPr bwMode="auto">
+          <a:xfrm>
+            <a:off x="4427984" y="2449895"/>
+            <a:ext cx="4652482" cy="3715409"/>
+          </a:xfrm>
+          <a:prstGeom prst="rect">
+            <a:avLst/>
+          </a:prstGeom>
+          <a:noFill/>
+          <a:ln w="9525">
+            <a:noFill/>
+            <a:miter lim="800000"/>
+            <a:headEnd/>
+            <a:tailEnd/>
+          </a:ln>
+        </p:spPr>
+      </p:pic>
     </p:spTree>
   </p:cSld>
   <p:clrMapOvr>
@@ -3993,48 +4005,31 @@
         <p:spPr>
           <a:xfrm>
             <a:off x="457200" y="1412777"/>
-            <a:ext cx="8435280" cy="1296143"/>
+            <a:ext cx="8435280" cy="936103"/>
           </a:xfrm>
         </p:spPr>
         <p:txBody>
           <a:bodyPr>
-            <a:normAutofit fontScale="77500" lnSpcReduction="20000"/>
+            <a:normAutofit fontScale="92500" lnSpcReduction="20000"/>
           </a:bodyPr>
           <a:lstStyle/>
           <a:p>
-            <a:pPr lvl="0">
-              <a:defRPr/>
-            </a:pPr>
             <a:r>
               <a:rPr lang="en-US" altLang="zh-TW" dirty="0" smtClean="0">
                 <a:hlinkClick r:id="rId2"/>
               </a:rPr>
-              <a:t>http://www.tutorialspoint.com/redis_terminal_online.php</a:t>
+              <a:t>https://try.redis.io</a:t>
             </a:r>
             <a:endParaRPr lang="en-US" altLang="zh-TW" dirty="0" smtClean="0"/>
           </a:p>
           <a:p>
-            <a:pPr lvl="0">
-              <a:defRPr/>
-            </a:pPr>
             <a:r>
               <a:rPr lang="en-US" altLang="zh-TW" dirty="0" smtClean="0"/>
-              <a:t>Using Redis Type : </a:t>
-            </a:r>
-            <a:r>
-              <a:rPr lang="en-US" altLang="zh-TW" dirty="0" smtClean="0">
-                <a:solidFill>
-                  <a:srgbClr val="FF0000"/>
-                </a:solidFill>
-              </a:rPr>
-              <a:t>All types</a:t>
-            </a:r>
-            <a:endParaRPr lang="en-US" altLang="zh-TW" dirty="0" smtClean="0"/>
-          </a:p>
-          <a:p>
+              <a:t>Set </a:t>
+            </a:r>
             <a:r>
               <a:rPr lang="en-US" altLang="zh-TW" dirty="0" smtClean="0"/>
-              <a:t>Set TTL data</a:t>
+              <a:t>TTL data</a:t>
             </a:r>
           </a:p>
         </p:txBody>
@@ -4049,7 +4044,7 @@
         </p:nvSpPr>
         <p:spPr>
           <a:xfrm>
-            <a:off x="539552" y="2708920"/>
+            <a:off x="539552" y="2348880"/>
             <a:ext cx="3744416" cy="1584176"/>
           </a:xfrm>
           <a:prstGeom prst="rect">
@@ -4231,38 +4226,6 @@
           </a:p>
         </p:txBody>
       </p:sp>
-      <p:pic>
-        <p:nvPicPr>
-          <p:cNvPr id="1026" name="Picture 2"/>
-          <p:cNvPicPr>
-            <a:picLocks noChangeAspect="1" noChangeArrowheads="1"/>
-          </p:cNvPicPr>
-          <p:nvPr/>
-        </p:nvPicPr>
-        <p:blipFill>
-          <a:blip r:embed="rId3" cstate="print"/>
-          <a:srcRect/>
-          <a:stretch>
-            <a:fillRect/>
-          </a:stretch>
-        </p:blipFill>
-        <p:spPr bwMode="auto">
-          <a:xfrm>
-            <a:off x="4499992" y="2780928"/>
-            <a:ext cx="4445774" cy="1512168"/>
-          </a:xfrm>
-          <a:prstGeom prst="rect">
-            <a:avLst/>
-          </a:prstGeom>
-          <a:noFill/>
-          <a:ln w="9525">
-            <a:noFill/>
-            <a:miter lim="800000"/>
-            <a:headEnd/>
-            <a:tailEnd/>
-          </a:ln>
-        </p:spPr>
-      </p:pic>
       <p:sp>
         <p:nvSpPr>
           <p:cNvPr id="7" name="內容版面配置區 2"/>
@@ -4273,8 +4236,8 @@
         </p:nvSpPr>
         <p:spPr>
           <a:xfrm>
-            <a:off x="539552" y="4365104"/>
-            <a:ext cx="3744416" cy="2376264"/>
+            <a:off x="539552" y="4005064"/>
+            <a:ext cx="3744416" cy="2736304"/>
           </a:xfrm>
           <a:prstGeom prst="rect">
             <a:avLst/>
@@ -4292,7 +4255,7 @@
         </p:spPr>
         <p:txBody>
           <a:bodyPr vert="horz" lIns="91440" tIns="45720" rIns="91440" bIns="45720" rtlCol="0">
-            <a:normAutofit fontScale="77500" lnSpcReduction="20000"/>
+            <a:normAutofit fontScale="85000" lnSpcReduction="10000"/>
           </a:bodyPr>
           <a:lstStyle/>
           <a:p>
@@ -4409,15 +4372,7 @@
             </a:pPr>
             <a:r>
               <a:rPr lang="en-US" altLang="zh-TW" sz="3200" dirty="0" smtClean="0"/>
-              <a:t>### after </a:t>
-            </a:r>
-            <a:r>
-              <a:rPr lang="en-US" altLang="zh-TW" sz="3200" smtClean="0"/>
-              <a:t>5 sec </a:t>
-            </a:r>
-            <a:r>
-              <a:rPr lang="en-US" altLang="zh-TW" sz="3200" dirty="0" smtClean="0"/>
-              <a:t>###</a:t>
+              <a:t>### after 5 sec ###</a:t>
             </a:r>
           </a:p>
           <a:p>
@@ -4445,7 +4400,39 @@
       </p:sp>
       <p:pic>
         <p:nvPicPr>
-          <p:cNvPr id="1027" name="Picture 3"/>
+          <p:cNvPr id="2050" name="Picture 2"/>
+          <p:cNvPicPr>
+            <a:picLocks noChangeAspect="1" noChangeArrowheads="1"/>
+          </p:cNvPicPr>
+          <p:nvPr/>
+        </p:nvPicPr>
+        <p:blipFill>
+          <a:blip r:embed="rId3" cstate="print"/>
+          <a:srcRect/>
+          <a:stretch>
+            <a:fillRect/>
+          </a:stretch>
+        </p:blipFill>
+        <p:spPr bwMode="auto">
+          <a:xfrm>
+            <a:off x="4427984" y="2348880"/>
+            <a:ext cx="4464496" cy="1608532"/>
+          </a:xfrm>
+          <a:prstGeom prst="rect">
+            <a:avLst/>
+          </a:prstGeom>
+          <a:noFill/>
+          <a:ln w="9525">
+            <a:noFill/>
+            <a:miter lim="800000"/>
+            <a:headEnd/>
+            <a:tailEnd/>
+          </a:ln>
+        </p:spPr>
+      </p:pic>
+      <p:pic>
+        <p:nvPicPr>
+          <p:cNvPr id="2051" name="Picture 3"/>
           <p:cNvPicPr>
             <a:picLocks noChangeAspect="1" noChangeArrowheads="1"/>
           </p:cNvPicPr>
@@ -4460,8 +4447,8 @@
         </p:blipFill>
         <p:spPr bwMode="auto">
           <a:xfrm>
-            <a:off x="4499992" y="4365104"/>
-            <a:ext cx="4464496" cy="2340610"/>
+            <a:off x="4499992" y="3971408"/>
+            <a:ext cx="4248472" cy="2886592"/>
           </a:xfrm>
           <a:prstGeom prst="rect">
             <a:avLst/>
@@ -4983,7 +4970,7 @@
         </p:spPr>
         <p:txBody>
           <a:bodyPr>
-            <a:normAutofit fontScale="77500" lnSpcReduction="20000"/>
+            <a:normAutofit fontScale="85000" lnSpcReduction="20000"/>
           </a:bodyPr>
           <a:lstStyle/>
           <a:p>
@@ -4991,14 +4978,24 @@
               <a:rPr lang="en-US" altLang="zh-TW" dirty="0" smtClean="0">
                 <a:hlinkClick r:id="rId2"/>
               </a:rPr>
-              <a:t>http://www.tutorialspoint.com/redis_terminal_online.php</a:t>
+              <a:t>https://</a:t>
+            </a:r>
+            <a:r>
+              <a:rPr lang="en-US" altLang="zh-TW" dirty="0" smtClean="0">
+                <a:hlinkClick r:id="rId2"/>
+              </a:rPr>
+              <a:t>try.redis.io</a:t>
             </a:r>
             <a:endParaRPr lang="en-US" altLang="zh-TW" dirty="0" smtClean="0"/>
           </a:p>
           <a:p>
             <a:r>
               <a:rPr lang="en-US" altLang="zh-TW" dirty="0" smtClean="0"/>
-              <a:t>Using Redis Type :  </a:t>
+              <a:t>Using </a:t>
+            </a:r>
+            <a:r>
+              <a:rPr lang="en-US" altLang="zh-TW" dirty="0" smtClean="0"/>
+              <a:t>Redis Type :  </a:t>
             </a:r>
             <a:r>
               <a:rPr lang="en-US" altLang="zh-TW" dirty="0" smtClean="0">
@@ -5026,8 +5023,8 @@
         </p:nvSpPr>
         <p:spPr>
           <a:xfrm>
-            <a:off x="683568" y="2420888"/>
-            <a:ext cx="3600400" cy="4104457"/>
+            <a:off x="395536" y="2708920"/>
+            <a:ext cx="3600400" cy="3168352"/>
           </a:xfrm>
           <a:prstGeom prst="rect">
             <a:avLst/>
@@ -5099,7 +5096,7 @@
               <a:t> </a:t>
             </a:r>
             <a:r>
-              <a:rPr kumimoji="0" lang="en-US" altLang="zh-TW" sz="3200" b="0" i="0" u="none" strike="noStrike" kern="1200" cap="none" spc="0" normalizeH="0" baseline="0" noProof="0" dirty="0" err="1" smtClean="0">
+              <a:rPr kumimoji="0" lang="en-US" altLang="zh-TW" sz="3200" b="0" i="0" u="none" strike="noStrike" kern="1200" cap="none" spc="0" normalizeH="0" noProof="0" dirty="0" err="1" smtClean="0">
                 <a:ln>
                   <a:noFill/>
                 </a:ln>
@@ -5113,7 +5110,24 @@
                 <a:ea typeface="+mn-ea"/>
                 <a:cs typeface="+mn-cs"/>
               </a:rPr>
-              <a:t>alist</a:t>
+              <a:t>mylist</a:t>
+            </a:r>
+            <a:r>
+              <a:rPr kumimoji="0" lang="en-US" altLang="zh-TW" sz="3200" b="0" i="0" u="none" strike="noStrike" kern="1200" cap="none" spc="0" normalizeH="0" noProof="0" dirty="0" smtClean="0">
+                <a:ln>
+                  <a:noFill/>
+                </a:ln>
+                <a:solidFill>
+                  <a:schemeClr val="tx1"/>
+                </a:solidFill>
+                <a:effectLst/>
+                <a:uLnTx/>
+                <a:uFillTx/>
+                <a:latin typeface="+mn-lt"/>
+                <a:ea typeface="+mn-ea"/>
+                <a:cs typeface="+mn-cs"/>
+              </a:rPr>
+              <a:t> </a:t>
             </a:r>
             <a:r>
               <a:rPr kumimoji="0" lang="en-US" altLang="zh-TW" sz="3200" b="0" i="0" u="none" strike="noStrike" kern="1200" cap="none" spc="0" normalizeH="0" baseline="0" noProof="0" dirty="0" smtClean="0">
@@ -5130,58 +5144,22 @@
                 <a:ea typeface="+mn-ea"/>
                 <a:cs typeface="+mn-cs"/>
               </a:rPr>
-              <a:t> A </a:t>
-            </a:r>
-          </a:p>
-          <a:p>
-            <a:pPr marL="342900" marR="0" lvl="0" indent="-342900" algn="l" defTabSz="914400" rtl="0" eaLnBrk="1" fontAlgn="auto" latinLnBrk="0" hangingPunct="1">
-              <a:lnSpc>
-                <a:spcPct val="100000"/>
-              </a:lnSpc>
-              <a:spcBef>
-                <a:spcPct val="20000"/>
-              </a:spcBef>
-              <a:spcAft>
-                <a:spcPts val="0"/>
-              </a:spcAft>
-              <a:buClrTx/>
-              <a:buSzTx/>
-              <a:tabLst/>
-              <a:defRPr/>
-            </a:pPr>
-            <a:r>
-              <a:rPr lang="en-US" altLang="zh-TW" sz="3200" dirty="0" err="1" smtClean="0"/>
-              <a:t>sadd</a:t>
-            </a:r>
-            <a:r>
-              <a:rPr lang="en-US" altLang="zh-TW" sz="3200" dirty="0" smtClean="0"/>
-              <a:t> </a:t>
-            </a:r>
-            <a:r>
-              <a:rPr lang="en-US" altLang="zh-TW" sz="3200" dirty="0" err="1" smtClean="0"/>
-              <a:t>alist</a:t>
-            </a:r>
-            <a:r>
-              <a:rPr lang="en-US" altLang="zh-TW" sz="3200" dirty="0" smtClean="0"/>
-              <a:t> </a:t>
-            </a:r>
-            <a:r>
-              <a:rPr kumimoji="0" lang="en-US" altLang="zh-TW" sz="3200" b="0" i="0" u="none" strike="noStrike" kern="1200" cap="none" spc="0" normalizeH="0" baseline="0" noProof="0" dirty="0" smtClean="0">
-                <a:ln>
-                  <a:noFill/>
-                </a:ln>
-                <a:solidFill>
-                  <a:schemeClr val="tx1"/>
-                </a:solidFill>
-                <a:effectLst/>
-                <a:uLnTx/>
-                <a:uFillTx/>
-                <a:latin typeface="+mn-lt"/>
-                <a:ea typeface="+mn-ea"/>
-                <a:cs typeface="+mn-cs"/>
-              </a:rPr>
-              <a:t>B C</a:t>
-            </a:r>
+              <a:t>A B C</a:t>
+            </a:r>
+            <a:endParaRPr kumimoji="0" lang="en-US" altLang="zh-TW" sz="3200" b="0" i="0" u="none" strike="noStrike" kern="1200" cap="none" spc="0" normalizeH="0" baseline="0" noProof="0" dirty="0" smtClean="0">
+              <a:ln>
+                <a:noFill/>
+              </a:ln>
+              <a:solidFill>
+                <a:schemeClr val="tx1"/>
+              </a:solidFill>
+              <a:effectLst/>
+              <a:uLnTx/>
+              <a:uFillTx/>
+              <a:latin typeface="+mn-lt"/>
+              <a:ea typeface="+mn-ea"/>
+              <a:cs typeface="+mn-cs"/>
+            </a:endParaRPr>
           </a:p>
           <a:p>
             <a:pPr marL="342900" indent="-342900">
@@ -5199,7 +5177,11 @@
             </a:r>
             <a:r>
               <a:rPr lang="en-US" altLang="zh-TW" sz="3200" dirty="0" err="1" smtClean="0"/>
-              <a:t>alist</a:t>
+              <a:t>my</a:t>
+            </a:r>
+            <a:r>
+              <a:rPr lang="en-US" altLang="zh-TW" sz="3200" dirty="0" err="1" smtClean="0"/>
+              <a:t>list</a:t>
             </a:r>
             <a:endParaRPr lang="en-US" altLang="zh-TW" sz="3200" dirty="0" smtClean="0"/>
           </a:p>
@@ -5219,11 +5201,19 @@
             </a:r>
             <a:r>
               <a:rPr lang="en-US" altLang="zh-TW" sz="3200" dirty="0" err="1" smtClean="0"/>
-              <a:t>alist</a:t>
+              <a:t>my</a:t>
+            </a:r>
+            <a:r>
+              <a:rPr lang="en-US" altLang="zh-TW" sz="3200" dirty="0" err="1" smtClean="0"/>
+              <a:t>list</a:t>
             </a:r>
             <a:r>
               <a:rPr lang="en-US" altLang="zh-TW" sz="3200" dirty="0" smtClean="0"/>
-              <a:t> A</a:t>
+              <a:t> </a:t>
+            </a:r>
+            <a:r>
+              <a:rPr lang="en-US" altLang="zh-TW" sz="3200" dirty="0" smtClean="0"/>
+              <a:t>A</a:t>
             </a:r>
           </a:p>
           <a:p>
@@ -5234,7 +5224,7 @@
             </a:pPr>
             <a:r>
               <a:rPr lang="en-US" altLang="zh-TW" sz="3200" dirty="0" err="1" smtClean="0"/>
-              <a:t>smembers</a:t>
+              <a:t>srem</a:t>
             </a:r>
             <a:r>
               <a:rPr lang="en-US" altLang="zh-TW" sz="3200" dirty="0" smtClean="0"/>
@@ -5242,9 +5232,16 @@
             </a:r>
             <a:r>
               <a:rPr lang="en-US" altLang="zh-TW" sz="3200" dirty="0" err="1" smtClean="0"/>
-              <a:t>alist</a:t>
-            </a:r>
-            <a:endParaRPr lang="en-US" altLang="zh-TW" sz="3200" dirty="0" smtClean="0"/>
+              <a:t>mylist</a:t>
+            </a:r>
+            <a:r>
+              <a:rPr lang="en-US" altLang="zh-TW" sz="3200" dirty="0" smtClean="0"/>
+              <a:t> </a:t>
+            </a:r>
+            <a:r>
+              <a:rPr lang="en-US" altLang="zh-TW" sz="3200" dirty="0" smtClean="0"/>
+              <a:t>A D</a:t>
+            </a:r>
           </a:p>
           <a:p>
             <a:pPr marL="342900" indent="-342900">
@@ -5254,7 +5251,7 @@
             </a:pPr>
             <a:r>
               <a:rPr lang="en-US" altLang="zh-TW" sz="3200" dirty="0" err="1" smtClean="0"/>
-              <a:t>srem</a:t>
+              <a:t>Smembers</a:t>
             </a:r>
             <a:r>
               <a:rPr lang="en-US" altLang="zh-TW" sz="3200" dirty="0" smtClean="0"/>
@@ -5262,30 +5259,7 @@
             </a:r>
             <a:r>
               <a:rPr lang="en-US" altLang="zh-TW" sz="3200" dirty="0" err="1" smtClean="0"/>
-              <a:t>alist</a:t>
-            </a:r>
-            <a:r>
-              <a:rPr lang="en-US" altLang="zh-TW" sz="3200" dirty="0" smtClean="0"/>
-              <a:t> A D</a:t>
-            </a:r>
-          </a:p>
-          <a:p>
-            <a:pPr marL="342900" indent="-342900">
-              <a:spcBef>
-                <a:spcPct val="20000"/>
-              </a:spcBef>
-            </a:pPr>
-            <a:r>
-              <a:rPr lang="en-US" altLang="zh-TW" sz="3200" dirty="0" err="1" smtClean="0"/>
-              <a:t>smembers</a:t>
-            </a:r>
-            <a:r>
-              <a:rPr lang="en-US" altLang="zh-TW" sz="3200" dirty="0" smtClean="0"/>
-              <a:t> </a:t>
-            </a:r>
-            <a:r>
-              <a:rPr lang="en-US" altLang="zh-TW" sz="3200" dirty="0" err="1" smtClean="0"/>
-              <a:t>alist</a:t>
+              <a:t>mylist</a:t>
             </a:r>
             <a:endParaRPr lang="en-US" altLang="zh-TW" sz="3200" dirty="0" smtClean="0"/>
           </a:p>
@@ -5340,7 +5314,7 @@
       </p:sp>
       <p:pic>
         <p:nvPicPr>
-          <p:cNvPr id="1026" name="Picture 2"/>
+          <p:cNvPr id="3074" name="Picture 2"/>
           <p:cNvPicPr>
             <a:picLocks noChangeAspect="1" noChangeArrowheads="1"/>
           </p:cNvPicPr>
@@ -5355,8 +5329,8 @@
         </p:blipFill>
         <p:spPr bwMode="auto">
           <a:xfrm>
-            <a:off x="4644009" y="2276872"/>
-            <a:ext cx="4104456" cy="4392488"/>
+            <a:off x="4139952" y="2492896"/>
+            <a:ext cx="4993452" cy="3816424"/>
           </a:xfrm>
           <a:prstGeom prst="rect">
             <a:avLst/>
@@ -5552,6 +5526,475 @@
             <p:ph type="title"/>
           </p:nvPr>
         </p:nvSpPr>
+        <p:spPr>
+          <a:xfrm>
+            <a:off x="251520" y="274638"/>
+            <a:ext cx="8435280" cy="1143000"/>
+          </a:xfrm>
+        </p:spPr>
+        <p:txBody>
+          <a:bodyPr>
+            <a:normAutofit fontScale="90000"/>
+          </a:bodyPr>
+          <a:lstStyle/>
+          <a:p>
+            <a:r>
+              <a:rPr lang="en-US" altLang="zh-TW" dirty="0" smtClean="0"/>
+              <a:t>DIY </a:t>
+            </a:r>
+            <a:r>
+              <a:rPr lang="en-US" altLang="zh-TW" dirty="0" smtClean="0"/>
+              <a:t>6 </a:t>
+            </a:r>
+            <a:r>
+              <a:rPr lang="en-US" altLang="zh-TW" dirty="0" smtClean="0"/>
+              <a:t>– </a:t>
+            </a:r>
+            <a:r>
+              <a:rPr lang="en-US" altLang="zh-TW" dirty="0" err="1" smtClean="0"/>
+              <a:t>Leaderboard</a:t>
+            </a:r>
+            <a:r>
+              <a:rPr lang="en-US" altLang="zh-TW" dirty="0" smtClean="0"/>
+              <a:t> with Time range</a:t>
+            </a:r>
+            <a:endParaRPr lang="zh-TW" altLang="en-US" dirty="0"/>
+          </a:p>
+        </p:txBody>
+      </p:sp>
+      <p:sp>
+        <p:nvSpPr>
+          <p:cNvPr id="3" name="內容版面配置區 2"/>
+          <p:cNvSpPr>
+            <a:spLocks noGrp="1"/>
+          </p:cNvSpPr>
+          <p:nvPr>
+            <p:ph idx="1"/>
+          </p:nvPr>
+        </p:nvSpPr>
+        <p:spPr>
+          <a:xfrm>
+            <a:off x="323528" y="1412777"/>
+            <a:ext cx="5760640" cy="792087"/>
+          </a:xfrm>
+        </p:spPr>
+        <p:txBody>
+          <a:bodyPr>
+            <a:normAutofit/>
+          </a:bodyPr>
+          <a:lstStyle/>
+          <a:p>
+            <a:r>
+              <a:rPr lang="en-US" altLang="zh-TW" dirty="0" smtClean="0"/>
+              <a:t>Using </a:t>
+            </a:r>
+            <a:r>
+              <a:rPr lang="en-US" altLang="zh-TW" dirty="0" smtClean="0"/>
+              <a:t>Redis Type :  </a:t>
+            </a:r>
+            <a:r>
+              <a:rPr lang="en-US" altLang="zh-TW" dirty="0" smtClean="0">
+                <a:solidFill>
+                  <a:srgbClr val="FF0000"/>
+                </a:solidFill>
+              </a:rPr>
+              <a:t>Sorted Sets</a:t>
+            </a:r>
+            <a:endParaRPr lang="en-US" altLang="zh-TW" dirty="0">
+              <a:solidFill>
+                <a:srgbClr val="FF0000"/>
+              </a:solidFill>
+            </a:endParaRPr>
+          </a:p>
+        </p:txBody>
+      </p:sp>
+      <p:sp>
+        <p:nvSpPr>
+          <p:cNvPr id="6" name="內容版面配置區 2"/>
+          <p:cNvSpPr txBox="1">
+            <a:spLocks/>
+          </p:cNvSpPr>
+          <p:nvPr/>
+        </p:nvSpPr>
+        <p:spPr>
+          <a:xfrm>
+            <a:off x="611560" y="2708920"/>
+            <a:ext cx="3600400" cy="2592288"/>
+          </a:xfrm>
+          <a:prstGeom prst="rect">
+            <a:avLst/>
+          </a:prstGeom>
+          <a:solidFill>
+            <a:schemeClr val="accent1">
+              <a:alpha val="20000"/>
+            </a:schemeClr>
+          </a:solidFill>
+          <a:ln w="3175" cap="rnd">
+            <a:solidFill>
+              <a:schemeClr val="tx1"/>
+            </a:solidFill>
+          </a:ln>
+        </p:spPr>
+        <p:txBody>
+          <a:bodyPr vert="horz" lIns="91440" tIns="45720" rIns="91440" bIns="45720" rtlCol="0">
+            <a:normAutofit/>
+          </a:bodyPr>
+          <a:lstStyle/>
+          <a:p>
+            <a:pPr marL="342900" marR="0" lvl="0" indent="-342900" algn="l" defTabSz="914400" rtl="0" eaLnBrk="1" fontAlgn="auto" latinLnBrk="0" hangingPunct="1">
+              <a:lnSpc>
+                <a:spcPct val="100000"/>
+              </a:lnSpc>
+              <a:spcBef>
+                <a:spcPct val="20000"/>
+              </a:spcBef>
+              <a:spcAft>
+                <a:spcPts val="0"/>
+              </a:spcAft>
+              <a:buClrTx/>
+              <a:buSzTx/>
+              <a:tabLst/>
+              <a:defRPr/>
+            </a:pPr>
+            <a:r>
+              <a:rPr lang="en-US" altLang="zh-TW" sz="3200" dirty="0" err="1" smtClean="0"/>
+              <a:t>zincrby</a:t>
+            </a:r>
+            <a:r>
+              <a:rPr kumimoji="0" lang="en-US" altLang="zh-TW" sz="3200" b="0" i="0" u="none" strike="noStrike" kern="1200" cap="none" spc="0" normalizeH="0" noProof="0" dirty="0" smtClean="0">
+                <a:ln>
+                  <a:noFill/>
+                </a:ln>
+                <a:solidFill>
+                  <a:schemeClr val="tx1"/>
+                </a:solidFill>
+                <a:effectLst/>
+                <a:uLnTx/>
+                <a:uFillTx/>
+                <a:latin typeface="+mn-lt"/>
+                <a:ea typeface="+mn-ea"/>
+                <a:cs typeface="+mn-cs"/>
+              </a:rPr>
+              <a:t> leader 10 </a:t>
+            </a:r>
+            <a:r>
+              <a:rPr kumimoji="0" lang="en-US" altLang="zh-TW" sz="3200" b="0" i="0" u="none" strike="noStrike" kern="1200" cap="none" spc="0" normalizeH="0" baseline="0" noProof="0" dirty="0" smtClean="0">
+                <a:ln>
+                  <a:noFill/>
+                </a:ln>
+                <a:solidFill>
+                  <a:schemeClr val="tx1"/>
+                </a:solidFill>
+                <a:effectLst/>
+                <a:uLnTx/>
+                <a:uFillTx/>
+                <a:latin typeface="+mn-lt"/>
+                <a:ea typeface="+mn-ea"/>
+                <a:cs typeface="+mn-cs"/>
+              </a:rPr>
+              <a:t>A</a:t>
+            </a:r>
+            <a:endParaRPr kumimoji="0" lang="en-US" altLang="zh-TW" sz="3200" b="0" i="0" u="none" strike="noStrike" kern="1200" cap="none" spc="0" normalizeH="0" baseline="0" noProof="0" dirty="0" smtClean="0">
+              <a:ln>
+                <a:noFill/>
+              </a:ln>
+              <a:solidFill>
+                <a:schemeClr val="tx1"/>
+              </a:solidFill>
+              <a:effectLst/>
+              <a:uLnTx/>
+              <a:uFillTx/>
+              <a:latin typeface="+mn-lt"/>
+              <a:ea typeface="+mn-ea"/>
+              <a:cs typeface="+mn-cs"/>
+            </a:endParaRPr>
+          </a:p>
+          <a:p>
+            <a:pPr marL="342900" indent="-342900">
+              <a:spcBef>
+                <a:spcPct val="20000"/>
+              </a:spcBef>
+            </a:pPr>
+            <a:r>
+              <a:rPr lang="en-US" altLang="zh-TW" sz="3200" dirty="0" err="1" smtClean="0"/>
+              <a:t>z</a:t>
+            </a:r>
+            <a:r>
+              <a:rPr lang="en-US" altLang="zh-TW" sz="3200" dirty="0" err="1" smtClean="0"/>
+              <a:t>incrby</a:t>
+            </a:r>
+            <a:r>
+              <a:rPr lang="en-US" altLang="zh-TW" sz="3200" dirty="0" smtClean="0"/>
+              <a:t> leader 20 B</a:t>
+            </a:r>
+          </a:p>
+          <a:p>
+            <a:pPr marL="342900" indent="-342900">
+              <a:spcBef>
+                <a:spcPct val="20000"/>
+              </a:spcBef>
+            </a:pPr>
+            <a:r>
+              <a:rPr lang="en-US" altLang="zh-TW" sz="3200" dirty="0" err="1" smtClean="0"/>
+              <a:t>z</a:t>
+            </a:r>
+            <a:r>
+              <a:rPr lang="en-US" altLang="zh-TW" sz="3200" dirty="0" err="1" smtClean="0"/>
+              <a:t>range</a:t>
+            </a:r>
+            <a:r>
+              <a:rPr lang="en-US" altLang="zh-TW" sz="3200" dirty="0" smtClean="0"/>
+              <a:t> leader 0 10</a:t>
+            </a:r>
+            <a:endParaRPr lang="en-US" altLang="zh-TW" sz="3200" dirty="0" smtClean="0"/>
+          </a:p>
+          <a:p>
+            <a:pPr marL="342900" indent="-342900">
+              <a:spcBef>
+                <a:spcPct val="20000"/>
+              </a:spcBef>
+            </a:pPr>
+            <a:r>
+              <a:rPr lang="en-US" altLang="zh-TW" sz="3200" dirty="0" err="1" smtClean="0"/>
+              <a:t>zrevrange</a:t>
+            </a:r>
+            <a:r>
+              <a:rPr lang="en-US" altLang="zh-TW" sz="3200" dirty="0" smtClean="0"/>
+              <a:t> leader 0 3</a:t>
+            </a:r>
+            <a:endParaRPr lang="zh-TW" altLang="en-US" sz="3200" dirty="0" smtClean="0"/>
+          </a:p>
+          <a:p>
+            <a:pPr marL="342900" indent="-342900">
+              <a:spcBef>
+                <a:spcPct val="20000"/>
+              </a:spcBef>
+            </a:pPr>
+            <a:endParaRPr lang="zh-TW" altLang="en-US" sz="3200" dirty="0"/>
+          </a:p>
+          <a:p>
+            <a:pPr marL="342900" marR="0" lvl="0" indent="-342900" algn="l" defTabSz="914400" rtl="0" eaLnBrk="1" fontAlgn="auto" latinLnBrk="0" hangingPunct="1">
+              <a:lnSpc>
+                <a:spcPct val="100000"/>
+              </a:lnSpc>
+              <a:spcBef>
+                <a:spcPct val="20000"/>
+              </a:spcBef>
+              <a:spcAft>
+                <a:spcPts val="0"/>
+              </a:spcAft>
+              <a:buClrTx/>
+              <a:buSzTx/>
+              <a:tabLst/>
+              <a:defRPr/>
+            </a:pPr>
+            <a:endParaRPr kumimoji="0" lang="zh-TW" altLang="en-US" sz="3200" b="0" i="0" u="none" strike="noStrike" kern="1200" cap="none" spc="0" normalizeH="0" baseline="0" noProof="0" dirty="0" smtClean="0">
+              <a:ln>
+                <a:noFill/>
+              </a:ln>
+              <a:solidFill>
+                <a:schemeClr val="tx1"/>
+              </a:solidFill>
+              <a:effectLst/>
+              <a:uLnTx/>
+              <a:uFillTx/>
+              <a:latin typeface="+mn-lt"/>
+              <a:ea typeface="+mn-ea"/>
+              <a:cs typeface="+mn-cs"/>
+            </a:endParaRPr>
+          </a:p>
+        </p:txBody>
+      </p:sp>
+      <p:pic>
+        <p:nvPicPr>
+          <p:cNvPr id="4098" name="Picture 2"/>
+          <p:cNvPicPr>
+            <a:picLocks noChangeAspect="1" noChangeArrowheads="1"/>
+          </p:cNvPicPr>
+          <p:nvPr/>
+        </p:nvPicPr>
+        <p:blipFill>
+          <a:blip r:embed="rId2" cstate="print"/>
+          <a:srcRect/>
+          <a:stretch>
+            <a:fillRect/>
+          </a:stretch>
+        </p:blipFill>
+        <p:spPr bwMode="auto">
+          <a:xfrm>
+            <a:off x="4860032" y="1916832"/>
+            <a:ext cx="4067944" cy="4835702"/>
+          </a:xfrm>
+          <a:prstGeom prst="rect">
+            <a:avLst/>
+          </a:prstGeom>
+          <a:noFill/>
+          <a:ln w="9525">
+            <a:noFill/>
+            <a:miter lim="800000"/>
+            <a:headEnd/>
+            <a:tailEnd/>
+          </a:ln>
+        </p:spPr>
+      </p:pic>
+    </p:spTree>
+  </p:cSld>
+  <p:clrMapOvr>
+    <a:masterClrMapping/>
+  </p:clrMapOvr>
+  <p:timing>
+    <p:tnLst>
+      <p:par>
+        <p:cTn id="1" dur="indefinite" restart="never" nodeType="tmRoot"/>
+      </p:par>
+    </p:tnLst>
+  </p:timing>
+</p:sld>
+</file>
+
+<file path=ppt/slides/slide18.xml><?xml version="1.0" encoding="utf-8"?>
+<p:sld xmlns:a="http://schemas.openxmlformats.org/drawingml/2006/main" xmlns:r="http://schemas.openxmlformats.org/officeDocument/2006/relationships" xmlns:p="http://schemas.openxmlformats.org/presentationml/2006/main">
+  <p:cSld>
+    <p:spTree>
+      <p:nvGrpSpPr>
+        <p:cNvPr id="1" name=""/>
+        <p:cNvGrpSpPr/>
+        <p:nvPr/>
+      </p:nvGrpSpPr>
+      <p:grpSpPr>
+        <a:xfrm>
+          <a:off x="0" y="0"/>
+          <a:ext cx="0" cy="0"/>
+          <a:chOff x="0" y="0"/>
+          <a:chExt cx="0" cy="0"/>
+        </a:xfrm>
+      </p:grpSpPr>
+      <p:sp>
+        <p:nvSpPr>
+          <p:cNvPr id="2" name="標題 1"/>
+          <p:cNvSpPr>
+            <a:spLocks noGrp="1"/>
+          </p:cNvSpPr>
+          <p:nvPr>
+            <p:ph type="title"/>
+          </p:nvPr>
+        </p:nvSpPr>
+        <p:spPr/>
+        <p:txBody>
+          <a:bodyPr>
+            <a:normAutofit fontScale="90000"/>
+          </a:bodyPr>
+          <a:lstStyle/>
+          <a:p>
+            <a:r>
+              <a:rPr lang="en-US" altLang="zh-TW" dirty="0" smtClean="0"/>
+              <a:t>DIY 6 – </a:t>
+            </a:r>
+            <a:r>
+              <a:rPr lang="en-US" altLang="zh-TW" dirty="0" err="1" smtClean="0"/>
+              <a:t>Leaderboard</a:t>
+            </a:r>
+            <a:r>
+              <a:rPr lang="en-US" altLang="zh-TW" dirty="0" smtClean="0"/>
+              <a:t> with Time range</a:t>
+            </a:r>
+            <a:endParaRPr lang="zh-TW" altLang="en-US" dirty="0"/>
+          </a:p>
+        </p:txBody>
+      </p:sp>
+      <p:sp>
+        <p:nvSpPr>
+          <p:cNvPr id="3" name="內容版面配置區 2"/>
+          <p:cNvSpPr>
+            <a:spLocks noGrp="1"/>
+          </p:cNvSpPr>
+          <p:nvPr>
+            <p:ph idx="1"/>
+          </p:nvPr>
+        </p:nvSpPr>
+        <p:spPr/>
+        <p:txBody>
+          <a:bodyPr/>
+          <a:lstStyle/>
+          <a:p>
+            <a:r>
+              <a:rPr lang="en-US" altLang="zh-TW" dirty="0" smtClean="0"/>
+              <a:t>With Local </a:t>
+            </a:r>
+            <a:r>
+              <a:rPr lang="en-US" altLang="zh-TW" dirty="0" smtClean="0"/>
+              <a:t>Code</a:t>
+            </a:r>
+          </a:p>
+          <a:p>
+            <a:r>
+              <a:rPr lang="en-US" altLang="zh-TW" dirty="0" smtClean="0"/>
+              <a:t>Using </a:t>
+            </a:r>
+            <a:r>
+              <a:rPr lang="en-US" altLang="zh-TW" dirty="0" err="1" smtClean="0">
+                <a:solidFill>
+                  <a:srgbClr val="FF0000"/>
+                </a:solidFill>
+              </a:rPr>
+              <a:t>setTimeout</a:t>
+            </a:r>
+            <a:endParaRPr lang="en-US" altLang="zh-TW" dirty="0" smtClean="0">
+              <a:solidFill>
+                <a:srgbClr val="FF0000"/>
+              </a:solidFill>
+              <a:hlinkClick r:id="rId2"/>
+            </a:endParaRPr>
+          </a:p>
+          <a:p>
+            <a:r>
+              <a:rPr lang="en-US" altLang="zh-TW" dirty="0" smtClean="0">
+                <a:hlinkClick r:id="rId2"/>
+              </a:rPr>
+              <a:t>https://github.com/jimliu7434/microservice-sample/blob/master/service/example06.js</a:t>
+            </a:r>
+            <a:endParaRPr lang="en-US" altLang="zh-TW" dirty="0" smtClean="0"/>
+          </a:p>
+          <a:p>
+            <a:endParaRPr lang="en-US" altLang="zh-TW" dirty="0" smtClean="0"/>
+          </a:p>
+        </p:txBody>
+      </p:sp>
+    </p:spTree>
+  </p:cSld>
+  <p:clrMapOvr>
+    <a:masterClrMapping/>
+  </p:clrMapOvr>
+</p:sld>
+</file>
+
+<file path=ppt/slides/slide19.xml><?xml version="1.0" encoding="utf-8"?>
+<p:sld xmlns:a="http://schemas.openxmlformats.org/drawingml/2006/main" xmlns:r="http://schemas.openxmlformats.org/officeDocument/2006/relationships" xmlns:p="http://schemas.openxmlformats.org/presentationml/2006/main">
+  <p:cSld>
+    <p:spTree>
+      <p:nvGrpSpPr>
+        <p:cNvPr id="1" name=""/>
+        <p:cNvGrpSpPr/>
+        <p:nvPr/>
+      </p:nvGrpSpPr>
+      <p:grpSpPr>
+        <a:xfrm>
+          <a:off x="0" y="0"/>
+          <a:ext cx="0" cy="0"/>
+          <a:chOff x="0" y="0"/>
+          <a:chExt cx="0" cy="0"/>
+        </a:xfrm>
+      </p:grpSpPr>
+      <p:sp>
+        <p:nvSpPr>
+          <p:cNvPr id="2" name="標題 1"/>
+          <p:cNvSpPr>
+            <a:spLocks noGrp="1"/>
+          </p:cNvSpPr>
+          <p:nvPr>
+            <p:ph type="title"/>
+          </p:nvPr>
+        </p:nvSpPr>
         <p:spPr/>
         <p:txBody>
           <a:bodyPr/>
@@ -5604,7 +6047,22 @@
               <a:rPr lang="en-US" altLang="zh-TW" dirty="0" smtClean="0">
                 <a:hlinkClick r:id="rId4"/>
               </a:rPr>
-              <a:t>https://redis.io/topics/benchmarks</a:t>
+              <a:t>https://</a:t>
+            </a:r>
+            <a:r>
+              <a:rPr lang="en-US" altLang="zh-TW" dirty="0" smtClean="0">
+                <a:hlinkClick r:id="rId4"/>
+              </a:rPr>
+              <a:t>redis.io/topics/benchmarks</a:t>
+            </a:r>
+            <a:endParaRPr lang="en-US" altLang="zh-TW" dirty="0" smtClean="0"/>
+          </a:p>
+          <a:p>
+            <a:r>
+              <a:rPr lang="en-US" altLang="zh-TW" dirty="0" smtClean="0">
+                <a:hlinkClick r:id="rId5"/>
+              </a:rPr>
+              <a:t>https://try.redis.io</a:t>
             </a:r>
             <a:endParaRPr lang="en-US" altLang="zh-TW" dirty="0" smtClean="0"/>
           </a:p>
@@ -5720,7 +6178,53 @@
               <a:rPr lang="en-US" altLang="zh-TW" dirty="0" smtClean="0">
                 <a:hlinkClick r:id="rId8" action="ppaction://hlinksldjump"/>
               </a:rPr>
-              <a:t>DIY 2 - Who is online</a:t>
+              <a:t>DIY 2 - Who is </a:t>
+            </a:r>
+            <a:r>
+              <a:rPr lang="en-US" altLang="zh-TW" dirty="0" smtClean="0">
+                <a:hlinkClick r:id="rId8" action="ppaction://hlinksldjump"/>
+              </a:rPr>
+              <a:t>online</a:t>
+            </a:r>
+            <a:endParaRPr lang="en-US" altLang="zh-TW" dirty="0" smtClean="0"/>
+          </a:p>
+          <a:p>
+            <a:pPr lvl="1"/>
+            <a:r>
+              <a:rPr lang="en-US" altLang="zh-TW" dirty="0" smtClean="0"/>
+              <a:t>DIY</a:t>
+            </a:r>
+            <a:r>
+              <a:rPr lang="zh-TW" altLang="en-US" dirty="0" smtClean="0"/>
+              <a:t> </a:t>
+            </a:r>
+            <a:r>
+              <a:rPr lang="en-US" altLang="zh-TW" dirty="0" smtClean="0"/>
+              <a:t>6</a:t>
+            </a:r>
+            <a:r>
+              <a:rPr lang="zh-TW" altLang="en-US" dirty="0" smtClean="0"/>
+              <a:t> </a:t>
+            </a:r>
+            <a:r>
+              <a:rPr lang="en-US" altLang="zh-TW" dirty="0" smtClean="0"/>
+              <a:t>–</a:t>
+            </a:r>
+            <a:r>
+              <a:rPr lang="zh-TW" altLang="en-US" dirty="0" smtClean="0"/>
+              <a:t> </a:t>
+            </a:r>
+            <a:r>
+              <a:rPr lang="en-US" altLang="zh-TW" dirty="0" err="1" smtClean="0"/>
+              <a:t>Leaderboard</a:t>
+            </a:r>
+            <a:r>
+              <a:rPr lang="en-US" altLang="zh-TW" dirty="0" smtClean="0"/>
+              <a:t> </a:t>
+            </a:r>
+            <a:r>
+              <a:rPr lang="en-US" altLang="zh-TW" dirty="0" smtClean="0"/>
+              <a:t>with Time range</a:t>
             </a:r>
             <a:endParaRPr lang="en-US" altLang="zh-TW" dirty="0" smtClean="0"/>
           </a:p>
@@ -6501,7 +7005,6 @@
               <a:rPr lang="en-US" altLang="zh-TW" dirty="0" smtClean="0"/>
               <a:t>Cross Platform</a:t>
             </a:r>
-            <a:endParaRPr lang="en-US" altLang="zh-TW" dirty="0" smtClean="0"/>
           </a:p>
           <a:p>
             <a:r>
@@ -6530,7 +7033,6 @@
               <a:rPr lang="en-US" altLang="zh-TW" dirty="0" smtClean="0"/>
               <a:t> Image @ 1 Machine</a:t>
             </a:r>
-            <a:endParaRPr lang="en-US" altLang="zh-TW" dirty="0" smtClean="0"/>
           </a:p>
           <a:p>
             <a:r>
@@ -6565,11 +7067,7 @@
           <a:p>
             <a:r>
               <a:rPr lang="en-US" altLang="zh-TW" dirty="0" smtClean="0"/>
-              <a:t>Docker-Swarm </a:t>
-            </a:r>
-            <a:r>
-              <a:rPr lang="en-US" altLang="zh-TW" dirty="0" smtClean="0"/>
-              <a:t> : </a:t>
+              <a:t>Docker-Swarm  : </a:t>
             </a:r>
             <a:r>
               <a:rPr lang="en-US" altLang="zh-TW" dirty="0" smtClean="0">
@@ -6593,13 +7091,8 @@
             </a:r>
             <a:r>
               <a:rPr lang="en-US" altLang="zh-TW" dirty="0" smtClean="0"/>
-              <a:t> </a:t>
-            </a:r>
-            <a:r>
-              <a:rPr lang="en-US" altLang="zh-TW" dirty="0" smtClean="0"/>
-              <a:t>Machines</a:t>
-            </a:r>
-            <a:endParaRPr lang="en-US" altLang="zh-TW" dirty="0" smtClean="0"/>
+              <a:t> Machines</a:t>
+            </a:r>
           </a:p>
           <a:p>
             <a:r>
@@ -6630,7 +7123,6 @@
               <a:rPr lang="en-US" altLang="zh-TW" dirty="0" smtClean="0"/>
               <a:t> Machines</a:t>
             </a:r>
-            <a:endParaRPr lang="en-US" altLang="zh-TW" dirty="0" smtClean="0"/>
           </a:p>
         </p:txBody>
       </p:sp>

--- a/Microservice02.pptx
+++ b/Microservice02.pptx
@@ -211,7 +211,7 @@
             <a:fld id="{1AA0A25A-0933-4BB6-AB00-1CCD3F98FE01}" type="datetimeFigureOut">
               <a:rPr lang="zh-TW" altLang="en-US" smtClean="0"/>
               <a:pPr/>
-              <a:t>2019/9/9</a:t>
+              <a:t>2019/9/12</a:t>
             </a:fld>
             <a:endParaRPr lang="zh-TW" altLang="en-US"/>
           </a:p>
@@ -477,6 +477,88 @@
 </p:notesMaster>
 </file>
 
+<file path=ppt/notesSlides/notesSlide1.xml><?xml version="1.0" encoding="utf-8"?>
+<p:notes xmlns:a="http://schemas.openxmlformats.org/drawingml/2006/main" xmlns:r="http://schemas.openxmlformats.org/officeDocument/2006/relationships" xmlns:p="http://schemas.openxmlformats.org/presentationml/2006/main">
+  <p:cSld>
+    <p:spTree>
+      <p:nvGrpSpPr>
+        <p:cNvPr id="1" name=""/>
+        <p:cNvGrpSpPr/>
+        <p:nvPr/>
+      </p:nvGrpSpPr>
+      <p:grpSpPr>
+        <a:xfrm>
+          <a:off x="0" y="0"/>
+          <a:ext cx="0" cy="0"/>
+          <a:chOff x="0" y="0"/>
+          <a:chExt cx="0" cy="0"/>
+        </a:xfrm>
+      </p:grpSpPr>
+      <p:sp>
+        <p:nvSpPr>
+          <p:cNvPr id="2" name="投影片圖像版面配置區 1"/>
+          <p:cNvSpPr>
+            <a:spLocks noGrp="1" noRot="1" noChangeAspect="1"/>
+          </p:cNvSpPr>
+          <p:nvPr>
+            <p:ph type="sldImg"/>
+          </p:nvPr>
+        </p:nvSpPr>
+        <p:spPr/>
+      </p:sp>
+      <p:sp>
+        <p:nvSpPr>
+          <p:cNvPr id="3" name="備忘稿版面配置區 2"/>
+          <p:cNvSpPr>
+            <a:spLocks noGrp="1"/>
+          </p:cNvSpPr>
+          <p:nvPr>
+            <p:ph type="body" idx="1"/>
+          </p:nvPr>
+        </p:nvSpPr>
+        <p:spPr/>
+        <p:txBody>
+          <a:bodyPr>
+            <a:normAutofit/>
+          </a:bodyPr>
+          <a:lstStyle/>
+          <a:p>
+            <a:endParaRPr lang="zh-TW" altLang="en-US" dirty="0"/>
+          </a:p>
+        </p:txBody>
+      </p:sp>
+      <p:sp>
+        <p:nvSpPr>
+          <p:cNvPr id="4" name="投影片編號版面配置區 3"/>
+          <p:cNvSpPr>
+            <a:spLocks noGrp="1"/>
+          </p:cNvSpPr>
+          <p:nvPr>
+            <p:ph type="sldNum" sz="quarter" idx="10"/>
+          </p:nvPr>
+        </p:nvSpPr>
+        <p:spPr/>
+        <p:txBody>
+          <a:bodyPr/>
+          <a:lstStyle/>
+          <a:p>
+            <a:fld id="{EBCDBD26-8CC2-46A5-955D-726EBB0D1348}" type="slidenum">
+              <a:rPr lang="zh-TW" altLang="en-US" smtClean="0"/>
+              <a:pPr/>
+              <a:t>5</a:t>
+            </a:fld>
+            <a:endParaRPr lang="zh-TW" altLang="en-US"/>
+          </a:p>
+        </p:txBody>
+      </p:sp>
+    </p:spTree>
+  </p:cSld>
+  <p:clrMapOvr>
+    <a:masterClrMapping/>
+  </p:clrMapOvr>
+</p:notes>
+</file>
+
 <file path=ppt/slideLayouts/slideLayout1.xml><?xml version="1.0" encoding="utf-8"?>
 <p:sldLayout xmlns:a="http://schemas.openxmlformats.org/drawingml/2006/main" xmlns:r="http://schemas.openxmlformats.org/officeDocument/2006/relationships" xmlns:p="http://schemas.openxmlformats.org/presentationml/2006/main" type="title" preserve="1">
   <p:cSld name="標題投影片">
@@ -659,7 +741,7 @@
             <a:fld id="{FD877D34-32F8-4B33-9092-4B8820F5807F}" type="datetimeFigureOut">
               <a:rPr lang="zh-TW" altLang="en-US" smtClean="0"/>
               <a:pPr/>
-              <a:t>2019/9/9</a:t>
+              <a:t>2019/9/12</a:t>
             </a:fld>
             <a:endParaRPr lang="zh-TW" altLang="en-US"/>
           </a:p>
@@ -826,7 +908,7 @@
             <a:fld id="{FD877D34-32F8-4B33-9092-4B8820F5807F}" type="datetimeFigureOut">
               <a:rPr lang="zh-TW" altLang="en-US" smtClean="0"/>
               <a:pPr/>
-              <a:t>2019/9/9</a:t>
+              <a:t>2019/9/12</a:t>
             </a:fld>
             <a:endParaRPr lang="zh-TW" altLang="en-US"/>
           </a:p>
@@ -1003,7 +1085,7 @@
             <a:fld id="{FD877D34-32F8-4B33-9092-4B8820F5807F}" type="datetimeFigureOut">
               <a:rPr lang="zh-TW" altLang="en-US" smtClean="0"/>
               <a:pPr/>
-              <a:t>2019/9/9</a:t>
+              <a:t>2019/9/12</a:t>
             </a:fld>
             <a:endParaRPr lang="zh-TW" altLang="en-US"/>
           </a:p>
@@ -1170,7 +1252,7 @@
             <a:fld id="{FD877D34-32F8-4B33-9092-4B8820F5807F}" type="datetimeFigureOut">
               <a:rPr lang="zh-TW" altLang="en-US" smtClean="0"/>
               <a:pPr/>
-              <a:t>2019/9/9</a:t>
+              <a:t>2019/9/12</a:t>
             </a:fld>
             <a:endParaRPr lang="zh-TW" altLang="en-US"/>
           </a:p>
@@ -1413,7 +1495,7 @@
             <a:fld id="{FD877D34-32F8-4B33-9092-4B8820F5807F}" type="datetimeFigureOut">
               <a:rPr lang="zh-TW" altLang="en-US" smtClean="0"/>
               <a:pPr/>
-              <a:t>2019/9/9</a:t>
+              <a:t>2019/9/12</a:t>
             </a:fld>
             <a:endParaRPr lang="zh-TW" altLang="en-US"/>
           </a:p>
@@ -1698,7 +1780,7 @@
             <a:fld id="{FD877D34-32F8-4B33-9092-4B8820F5807F}" type="datetimeFigureOut">
               <a:rPr lang="zh-TW" altLang="en-US" smtClean="0"/>
               <a:pPr/>
-              <a:t>2019/9/9</a:t>
+              <a:t>2019/9/12</a:t>
             </a:fld>
             <a:endParaRPr lang="zh-TW" altLang="en-US"/>
           </a:p>
@@ -2117,7 +2199,7 @@
             <a:fld id="{FD877D34-32F8-4B33-9092-4B8820F5807F}" type="datetimeFigureOut">
               <a:rPr lang="zh-TW" altLang="en-US" smtClean="0"/>
               <a:pPr/>
-              <a:t>2019/9/9</a:t>
+              <a:t>2019/9/12</a:t>
             </a:fld>
             <a:endParaRPr lang="zh-TW" altLang="en-US"/>
           </a:p>
@@ -2232,7 +2314,7 @@
             <a:fld id="{FD877D34-32F8-4B33-9092-4B8820F5807F}" type="datetimeFigureOut">
               <a:rPr lang="zh-TW" altLang="en-US" smtClean="0"/>
               <a:pPr/>
-              <a:t>2019/9/9</a:t>
+              <a:t>2019/9/12</a:t>
             </a:fld>
             <a:endParaRPr lang="zh-TW" altLang="en-US"/>
           </a:p>
@@ -2324,7 +2406,7 @@
             <a:fld id="{FD877D34-32F8-4B33-9092-4B8820F5807F}" type="datetimeFigureOut">
               <a:rPr lang="zh-TW" altLang="en-US" smtClean="0"/>
               <a:pPr/>
-              <a:t>2019/9/9</a:t>
+              <a:t>2019/9/12</a:t>
             </a:fld>
             <a:endParaRPr lang="zh-TW" altLang="en-US"/>
           </a:p>
@@ -2598,7 +2680,7 @@
             <a:fld id="{FD877D34-32F8-4B33-9092-4B8820F5807F}" type="datetimeFigureOut">
               <a:rPr lang="zh-TW" altLang="en-US" smtClean="0"/>
               <a:pPr/>
-              <a:t>2019/9/9</a:t>
+              <a:t>2019/9/12</a:t>
             </a:fld>
             <a:endParaRPr lang="zh-TW" altLang="en-US"/>
           </a:p>
@@ -2848,7 +2930,7 @@
             <a:fld id="{FD877D34-32F8-4B33-9092-4B8820F5807F}" type="datetimeFigureOut">
               <a:rPr lang="zh-TW" altLang="en-US" smtClean="0"/>
               <a:pPr/>
-              <a:t>2019/9/9</a:t>
+              <a:t>2019/9/12</a:t>
             </a:fld>
             <a:endParaRPr lang="zh-TW" altLang="en-US"/>
           </a:p>
@@ -3058,7 +3140,7 @@
             <a:fld id="{FD877D34-32F8-4B33-9092-4B8820F5807F}" type="datetimeFigureOut">
               <a:rPr lang="zh-TW" altLang="en-US" smtClean="0"/>
               <a:pPr/>
-              <a:t>2019/9/9</a:t>
+              <a:t>2019/9/12</a:t>
             </a:fld>
             <a:endParaRPr lang="zh-TW" altLang="en-US"/>
           </a:p>
@@ -3584,24 +3666,14 @@
               <a:rPr lang="en-US" altLang="zh-TW" dirty="0" smtClean="0">
                 <a:hlinkClick r:id="rId2"/>
               </a:rPr>
-              <a:t>https://</a:t>
-            </a:r>
-            <a:r>
-              <a:rPr lang="en-US" altLang="zh-TW" dirty="0" smtClean="0">
-                <a:hlinkClick r:id="rId2"/>
-              </a:rPr>
-              <a:t>try.redis.io</a:t>
+              <a:t>https://try.redis.io</a:t>
             </a:r>
             <a:endParaRPr lang="en-US" altLang="zh-TW" dirty="0" smtClean="0"/>
           </a:p>
           <a:p>
             <a:r>
               <a:rPr lang="en-US" altLang="zh-TW" dirty="0" smtClean="0"/>
-              <a:t>Using </a:t>
-            </a:r>
-            <a:r>
-              <a:rPr lang="en-US" altLang="zh-TW" dirty="0" smtClean="0"/>
-              <a:t>Redis Type : </a:t>
+              <a:t>Using Redis Type : </a:t>
             </a:r>
             <a:r>
               <a:rPr lang="en-US" altLang="zh-TW" dirty="0" smtClean="0">
@@ -4025,11 +4097,7 @@
           <a:p>
             <a:r>
               <a:rPr lang="en-US" altLang="zh-TW" dirty="0" smtClean="0"/>
-              <a:t>Set </a:t>
-            </a:r>
-            <a:r>
-              <a:rPr lang="en-US" altLang="zh-TW" dirty="0" smtClean="0"/>
-              <a:t>TTL data</a:t>
+              <a:t>Set TTL data</a:t>
             </a:r>
           </a:p>
         </p:txBody>
@@ -4978,24 +5046,14 @@
               <a:rPr lang="en-US" altLang="zh-TW" dirty="0" smtClean="0">
                 <a:hlinkClick r:id="rId2"/>
               </a:rPr>
-              <a:t>https://</a:t>
-            </a:r>
-            <a:r>
-              <a:rPr lang="en-US" altLang="zh-TW" dirty="0" smtClean="0">
-                <a:hlinkClick r:id="rId2"/>
-              </a:rPr>
-              <a:t>try.redis.io</a:t>
+              <a:t>https://try.redis.io</a:t>
             </a:r>
             <a:endParaRPr lang="en-US" altLang="zh-TW" dirty="0" smtClean="0"/>
           </a:p>
           <a:p>
             <a:r>
               <a:rPr lang="en-US" altLang="zh-TW" dirty="0" smtClean="0"/>
-              <a:t>Using </a:t>
-            </a:r>
-            <a:r>
-              <a:rPr lang="en-US" altLang="zh-TW" dirty="0" smtClean="0"/>
-              <a:t>Redis Type :  </a:t>
+              <a:t>Using Redis Type :  </a:t>
             </a:r>
             <a:r>
               <a:rPr lang="en-US" altLang="zh-TW" dirty="0" smtClean="0">
@@ -5146,20 +5204,6 @@
               </a:rPr>
               <a:t>A B C</a:t>
             </a:r>
-            <a:endParaRPr kumimoji="0" lang="en-US" altLang="zh-TW" sz="3200" b="0" i="0" u="none" strike="noStrike" kern="1200" cap="none" spc="0" normalizeH="0" baseline="0" noProof="0" dirty="0" smtClean="0">
-              <a:ln>
-                <a:noFill/>
-              </a:ln>
-              <a:solidFill>
-                <a:schemeClr val="tx1"/>
-              </a:solidFill>
-              <a:effectLst/>
-              <a:uLnTx/>
-              <a:uFillTx/>
-              <a:latin typeface="+mn-lt"/>
-              <a:ea typeface="+mn-ea"/>
-              <a:cs typeface="+mn-cs"/>
-            </a:endParaRPr>
           </a:p>
           <a:p>
             <a:pPr marL="342900" indent="-342900">
@@ -5177,11 +5221,7 @@
             </a:r>
             <a:r>
               <a:rPr lang="en-US" altLang="zh-TW" sz="3200" dirty="0" err="1" smtClean="0"/>
-              <a:t>my</a:t>
-            </a:r>
-            <a:r>
-              <a:rPr lang="en-US" altLang="zh-TW" sz="3200" dirty="0" err="1" smtClean="0"/>
-              <a:t>list</a:t>
+              <a:t>mylist</a:t>
             </a:r>
             <a:endParaRPr lang="en-US" altLang="zh-TW" sz="3200" dirty="0" smtClean="0"/>
           </a:p>
@@ -5201,19 +5241,11 @@
             </a:r>
             <a:r>
               <a:rPr lang="en-US" altLang="zh-TW" sz="3200" dirty="0" err="1" smtClean="0"/>
-              <a:t>my</a:t>
-            </a:r>
-            <a:r>
-              <a:rPr lang="en-US" altLang="zh-TW" sz="3200" dirty="0" err="1" smtClean="0"/>
-              <a:t>list</a:t>
+              <a:t>mylist</a:t>
             </a:r>
             <a:r>
               <a:rPr lang="en-US" altLang="zh-TW" sz="3200" dirty="0" smtClean="0"/>
-              <a:t> </a:t>
-            </a:r>
-            <a:r>
-              <a:rPr lang="en-US" altLang="zh-TW" sz="3200" dirty="0" smtClean="0"/>
-              <a:t>A</a:t>
+              <a:t> A</a:t>
             </a:r>
           </a:p>
           <a:p>
@@ -5236,11 +5268,7 @@
             </a:r>
             <a:r>
               <a:rPr lang="en-US" altLang="zh-TW" sz="3200" dirty="0" smtClean="0"/>
-              <a:t> </a:t>
-            </a:r>
-            <a:r>
-              <a:rPr lang="en-US" altLang="zh-TW" sz="3200" dirty="0" smtClean="0"/>
-              <a:t>A D</a:t>
+              <a:t> A D</a:t>
             </a:r>
           </a:p>
           <a:p>
@@ -5540,15 +5568,7 @@
           <a:p>
             <a:r>
               <a:rPr lang="en-US" altLang="zh-TW" dirty="0" smtClean="0"/>
-              <a:t>DIY </a:t>
-            </a:r>
-            <a:r>
-              <a:rPr lang="en-US" altLang="zh-TW" dirty="0" smtClean="0"/>
-              <a:t>6 </a:t>
-            </a:r>
-            <a:r>
-              <a:rPr lang="en-US" altLang="zh-TW" dirty="0" smtClean="0"/>
-              <a:t>– </a:t>
+              <a:t>DIY 6 – </a:t>
             </a:r>
             <a:r>
               <a:rPr lang="en-US" altLang="zh-TW" dirty="0" err="1" smtClean="0"/>
@@ -5586,11 +5606,7 @@
           <a:p>
             <a:r>
               <a:rPr lang="en-US" altLang="zh-TW" dirty="0" smtClean="0"/>
-              <a:t>Using </a:t>
-            </a:r>
-            <a:r>
-              <a:rPr lang="en-US" altLang="zh-TW" dirty="0" smtClean="0"/>
-              <a:t>Redis Type :  </a:t>
+              <a:t>Using Redis Type :  </a:t>
             </a:r>
             <a:r>
               <a:rPr lang="en-US" altLang="zh-TW" dirty="0" smtClean="0">
@@ -5694,20 +5710,6 @@
               </a:rPr>
               <a:t>A</a:t>
             </a:r>
-            <a:endParaRPr kumimoji="0" lang="en-US" altLang="zh-TW" sz="3200" b="0" i="0" u="none" strike="noStrike" kern="1200" cap="none" spc="0" normalizeH="0" baseline="0" noProof="0" dirty="0" smtClean="0">
-              <a:ln>
-                <a:noFill/>
-              </a:ln>
-              <a:solidFill>
-                <a:schemeClr val="tx1"/>
-              </a:solidFill>
-              <a:effectLst/>
-              <a:uLnTx/>
-              <a:uFillTx/>
-              <a:latin typeface="+mn-lt"/>
-              <a:ea typeface="+mn-ea"/>
-              <a:cs typeface="+mn-cs"/>
-            </a:endParaRPr>
           </a:p>
           <a:p>
             <a:pPr marL="342900" indent="-342900">
@@ -5717,11 +5719,7 @@
             </a:pPr>
             <a:r>
               <a:rPr lang="en-US" altLang="zh-TW" sz="3200" dirty="0" err="1" smtClean="0"/>
-              <a:t>z</a:t>
-            </a:r>
-            <a:r>
-              <a:rPr lang="en-US" altLang="zh-TW" sz="3200" dirty="0" err="1" smtClean="0"/>
-              <a:t>incrby</a:t>
+              <a:t>zincrby</a:t>
             </a:r>
             <a:r>
               <a:rPr lang="en-US" altLang="zh-TW" sz="3200" dirty="0" smtClean="0"/>
@@ -5736,17 +5734,12 @@
             </a:pPr>
             <a:r>
               <a:rPr lang="en-US" altLang="zh-TW" sz="3200" dirty="0" err="1" smtClean="0"/>
-              <a:t>z</a:t>
-            </a:r>
-            <a:r>
-              <a:rPr lang="en-US" altLang="zh-TW" sz="3200" dirty="0" err="1" smtClean="0"/>
-              <a:t>range</a:t>
+              <a:t>zrange</a:t>
             </a:r>
             <a:r>
               <a:rPr lang="en-US" altLang="zh-TW" sz="3200" dirty="0" smtClean="0"/>
               <a:t> leader 0 10</a:t>
             </a:r>
-            <a:endParaRPr lang="en-US" altLang="zh-TW" sz="3200" dirty="0" smtClean="0"/>
           </a:p>
           <a:p>
             <a:pPr marL="342900" indent="-342900">
@@ -5919,11 +5912,7 @@
           <a:p>
             <a:r>
               <a:rPr lang="en-US" altLang="zh-TW" dirty="0" smtClean="0"/>
-              <a:t>With Local </a:t>
-            </a:r>
-            <a:r>
-              <a:rPr lang="en-US" altLang="zh-TW" dirty="0" smtClean="0"/>
-              <a:t>Code</a:t>
+              <a:t>With Local Code</a:t>
             </a:r>
           </a:p>
           <a:p>
@@ -6047,13 +6036,7 @@
               <a:rPr lang="en-US" altLang="zh-TW" dirty="0" smtClean="0">
                 <a:hlinkClick r:id="rId4"/>
               </a:rPr>
-              <a:t>https://</a:t>
-            </a:r>
-            <a:r>
-              <a:rPr lang="en-US" altLang="zh-TW" dirty="0" smtClean="0">
-                <a:hlinkClick r:id="rId4"/>
-              </a:rPr>
-              <a:t>redis.io/topics/benchmarks</a:t>
+              <a:t>https://redis.io/topics/benchmarks</a:t>
             </a:r>
             <a:endParaRPr lang="en-US" altLang="zh-TW" dirty="0" smtClean="0"/>
           </a:p>
@@ -6178,13 +6161,7 @@
               <a:rPr lang="en-US" altLang="zh-TW" dirty="0" smtClean="0">
                 <a:hlinkClick r:id="rId8" action="ppaction://hlinksldjump"/>
               </a:rPr>
-              <a:t>DIY 2 - Who is </a:t>
-            </a:r>
-            <a:r>
-              <a:rPr lang="en-US" altLang="zh-TW" dirty="0" smtClean="0">
-                <a:hlinkClick r:id="rId8" action="ppaction://hlinksldjump"/>
-              </a:rPr>
-              <a:t>online</a:t>
+              <a:t>DIY 2 - Who is online</a:t>
             </a:r>
             <a:endParaRPr lang="en-US" altLang="zh-TW" dirty="0" smtClean="0"/>
           </a:p>
@@ -6220,13 +6197,8 @@
             </a:r>
             <a:r>
               <a:rPr lang="en-US" altLang="zh-TW" dirty="0" smtClean="0"/>
-              <a:t> </a:t>
-            </a:r>
-            <a:r>
-              <a:rPr lang="en-US" altLang="zh-TW" dirty="0" smtClean="0"/>
-              <a:t>with Time range</a:t>
-            </a:r>
-            <a:endParaRPr lang="en-US" altLang="zh-TW" dirty="0" smtClean="0"/>
+              <a:t> with Time range</a:t>
+            </a:r>
           </a:p>
           <a:p>
             <a:r>
@@ -6484,7 +6456,7 @@
         <p:spPr>
           <a:xfrm>
             <a:off x="457200" y="1340768"/>
-            <a:ext cx="3898776" cy="4680520"/>
+            <a:ext cx="2674640" cy="4680520"/>
           </a:xfrm>
         </p:spPr>
         <p:txBody>
@@ -6539,7 +6511,11 @@
           <a:p>
             <a:pPr lvl="1"/>
             <a:r>
-              <a:rPr lang="en-US" altLang="zh-TW" dirty="0" smtClean="0"/>
+              <a:rPr lang="en-US" altLang="zh-TW" dirty="0" smtClean="0">
+                <a:solidFill>
+                  <a:srgbClr val="FF0000"/>
+                </a:solidFill>
+              </a:rPr>
               <a:t>sorted sets</a:t>
             </a:r>
           </a:p>
@@ -6588,8 +6564,8 @@
         </p:nvSpPr>
         <p:spPr>
           <a:xfrm>
-            <a:off x="4139952" y="1340768"/>
-            <a:ext cx="4546848" cy="4608512"/>
+            <a:off x="4860032" y="1340768"/>
+            <a:ext cx="4104456" cy="4608512"/>
           </a:xfrm>
           <a:prstGeom prst="rect">
             <a:avLst/>
@@ -6743,23 +6719,20 @@
               </a:rPr>
               <a:t>Leaderboards</a:t>
             </a:r>
-            <a:r>
-              <a:rPr kumimoji="0" lang="en-US" altLang="zh-TW" sz="2800" b="0" i="0" u="none" strike="noStrike" kern="1200" cap="none" spc="0" normalizeH="0" baseline="0" noProof="0" dirty="0" smtClean="0">
-                <a:ln>
-                  <a:noFill/>
-                </a:ln>
-                <a:solidFill>
-                  <a:srgbClr val="FF0000"/>
-                </a:solidFill>
-                <a:effectLst/>
-                <a:uLnTx/>
-                <a:uFillTx/>
-                <a:latin typeface="+mn-lt"/>
-                <a:ea typeface="+mn-ea"/>
-                <a:cs typeface="+mn-cs"/>
-              </a:rPr>
-              <a:t> / Counting</a:t>
-            </a:r>
+            <a:endParaRPr kumimoji="0" lang="en-US" altLang="zh-TW" sz="2800" b="0" i="0" u="none" strike="noStrike" kern="1200" cap="none" spc="0" normalizeH="0" baseline="0" noProof="0" dirty="0" smtClean="0">
+              <a:ln>
+                <a:noFill/>
+              </a:ln>
+              <a:solidFill>
+                <a:srgbClr val="FF0000"/>
+              </a:solidFill>
+              <a:effectLst/>
+              <a:uLnTx/>
+              <a:uFillTx/>
+              <a:latin typeface="+mn-lt"/>
+              <a:ea typeface="+mn-ea"/>
+              <a:cs typeface="+mn-cs"/>
+            </a:endParaRPr>
           </a:p>
           <a:p>
             <a:pPr marL="742950" marR="0" lvl="1" indent="-285750" algn="l" defTabSz="914400" rtl="0" eaLnBrk="1" fontAlgn="auto" latinLnBrk="0" hangingPunct="1">
@@ -6794,8 +6767,437 @@
                 <a:ea typeface="+mn-ea"/>
                 <a:cs typeface="+mn-cs"/>
               </a:rPr>
+              <a:t>Counting</a:t>
+            </a:r>
+            <a:endParaRPr kumimoji="0" lang="en-US" altLang="zh-TW" sz="2800" b="0" i="0" u="none" strike="noStrike" kern="1200" cap="none" spc="0" normalizeH="0" baseline="0" noProof="0" dirty="0" smtClean="0">
+              <a:ln>
+                <a:noFill/>
+              </a:ln>
+              <a:solidFill>
+                <a:srgbClr val="FF0000"/>
+              </a:solidFill>
+              <a:effectLst/>
+              <a:uLnTx/>
+              <a:uFillTx/>
+              <a:latin typeface="+mn-lt"/>
+              <a:ea typeface="+mn-ea"/>
+              <a:cs typeface="+mn-cs"/>
+            </a:endParaRPr>
+          </a:p>
+          <a:p>
+            <a:pPr marL="742950" marR="0" lvl="1" indent="-285750" algn="l" defTabSz="914400" rtl="0" eaLnBrk="1" fontAlgn="auto" latinLnBrk="0" hangingPunct="1">
+              <a:lnSpc>
+                <a:spcPct val="100000"/>
+              </a:lnSpc>
+              <a:spcBef>
+                <a:spcPct val="20000"/>
+              </a:spcBef>
+              <a:spcAft>
+                <a:spcPts val="0"/>
+              </a:spcAft>
+              <a:buClrTx/>
+              <a:buSzTx/>
+              <a:buFont typeface="Arial" pitchFamily="34" charset="0"/>
+              <a:buChar char="–"/>
+              <a:tabLst/>
+              <a:defRPr/>
+            </a:pPr>
+            <a:r>
+              <a:rPr kumimoji="0" lang="en-US" altLang="zh-TW" sz="2800" b="0" i="0" u="none" strike="noStrike" kern="1200" cap="none" spc="0" normalizeH="0" baseline="0" noProof="0" dirty="0" smtClean="0">
+                <a:ln>
+                  <a:noFill/>
+                </a:ln>
+                <a:solidFill>
+                  <a:srgbClr val="FF0000"/>
+                </a:solidFill>
+                <a:effectLst/>
+                <a:uLnTx/>
+                <a:uFillTx/>
+                <a:latin typeface="+mn-lt"/>
+                <a:ea typeface="+mn-ea"/>
+                <a:cs typeface="+mn-cs"/>
+              </a:rPr>
               <a:t>Pub/Sub</a:t>
             </a:r>
+          </a:p>
+        </p:txBody>
+      </p:sp>
+      <p:sp>
+        <p:nvSpPr>
+          <p:cNvPr id="5" name="內容版面配置區 2"/>
+          <p:cNvSpPr txBox="1">
+            <a:spLocks/>
+          </p:cNvSpPr>
+          <p:nvPr/>
+        </p:nvSpPr>
+        <p:spPr>
+          <a:xfrm>
+            <a:off x="2483768" y="1340768"/>
+            <a:ext cx="2448272" cy="4680520"/>
+          </a:xfrm>
+          <a:prstGeom prst="rect">
+            <a:avLst/>
+          </a:prstGeom>
+        </p:spPr>
+        <p:txBody>
+          <a:bodyPr vert="horz" lIns="91440" tIns="45720" rIns="91440" bIns="45720" rtlCol="0">
+            <a:normAutofit fontScale="92500" lnSpcReduction="10000"/>
+          </a:bodyPr>
+          <a:lstStyle/>
+          <a:p>
+            <a:pPr marL="342900" marR="0" lvl="0" indent="-342900" algn="l" defTabSz="914400" rtl="0" eaLnBrk="1" fontAlgn="auto" latinLnBrk="0" hangingPunct="1">
+              <a:lnSpc>
+                <a:spcPct val="100000"/>
+              </a:lnSpc>
+              <a:spcBef>
+                <a:spcPct val="20000"/>
+              </a:spcBef>
+              <a:spcAft>
+                <a:spcPts val="0"/>
+              </a:spcAft>
+              <a:buClrTx/>
+              <a:buSzTx/>
+              <a:tabLst/>
+              <a:defRPr/>
+            </a:pPr>
+            <a:r>
+              <a:rPr kumimoji="0" lang="en-US" altLang="zh-TW" sz="3200" b="0" i="0" u="none" strike="noStrike" kern="1200" cap="none" spc="0" normalizeH="0" baseline="0" noProof="0" dirty="0" smtClean="0">
+                <a:ln>
+                  <a:noFill/>
+                </a:ln>
+                <a:solidFill>
+                  <a:schemeClr val="tx1"/>
+                </a:solidFill>
+                <a:effectLst/>
+                <a:uLnTx/>
+                <a:uFillTx/>
+                <a:latin typeface="+mn-lt"/>
+                <a:ea typeface="+mn-ea"/>
+                <a:cs typeface="+mn-cs"/>
+              </a:rPr>
+              <a:t>To JS Type: </a:t>
+            </a:r>
+          </a:p>
+          <a:p>
+            <a:pPr marL="742950" marR="0" lvl="1" indent="-285750" algn="l" defTabSz="914400" rtl="0" eaLnBrk="1" fontAlgn="auto" latinLnBrk="0" hangingPunct="1">
+              <a:lnSpc>
+                <a:spcPct val="100000"/>
+              </a:lnSpc>
+              <a:spcBef>
+                <a:spcPct val="20000"/>
+              </a:spcBef>
+              <a:spcAft>
+                <a:spcPts val="0"/>
+              </a:spcAft>
+              <a:buClrTx/>
+              <a:buSzTx/>
+              <a:tabLst/>
+              <a:defRPr/>
+            </a:pPr>
+            <a:r>
+              <a:rPr kumimoji="0" lang="en-US" altLang="zh-TW" sz="2800" b="0" i="0" u="none" strike="noStrike" kern="1200" cap="none" spc="0" normalizeH="0" baseline="0" noProof="0" dirty="0" smtClean="0">
+                <a:ln>
+                  <a:noFill/>
+                </a:ln>
+                <a:solidFill>
+                  <a:schemeClr val="tx1"/>
+                </a:solidFill>
+                <a:effectLst/>
+                <a:uLnTx/>
+                <a:uFillTx/>
+                <a:latin typeface="+mn-lt"/>
+                <a:ea typeface="+mn-ea"/>
+                <a:cs typeface="+mn-cs"/>
+              </a:rPr>
+              <a:t>strings</a:t>
+            </a:r>
+          </a:p>
+          <a:p>
+            <a:pPr marL="742950" marR="0" lvl="1" indent="-285750" algn="l" defTabSz="914400" rtl="0" eaLnBrk="1" fontAlgn="auto" latinLnBrk="0" hangingPunct="1">
+              <a:lnSpc>
+                <a:spcPct val="100000"/>
+              </a:lnSpc>
+              <a:spcBef>
+                <a:spcPct val="20000"/>
+              </a:spcBef>
+              <a:spcAft>
+                <a:spcPts val="0"/>
+              </a:spcAft>
+              <a:buClrTx/>
+              <a:buSzTx/>
+              <a:tabLst/>
+              <a:defRPr/>
+            </a:pPr>
+            <a:r>
+              <a:rPr kumimoji="0" lang="en-US" altLang="zh-TW" sz="2800" b="0" i="0" u="none" strike="noStrike" kern="1200" cap="none" spc="0" normalizeH="0" baseline="0" noProof="0" dirty="0" smtClean="0">
+                <a:ln>
+                  <a:noFill/>
+                </a:ln>
+                <a:solidFill>
+                  <a:schemeClr val="tx1"/>
+                </a:solidFill>
+                <a:effectLst/>
+                <a:uLnTx/>
+                <a:uFillTx/>
+                <a:latin typeface="+mn-lt"/>
+                <a:ea typeface="+mn-ea"/>
+                <a:cs typeface="+mn-cs"/>
+              </a:rPr>
+              <a:t>object</a:t>
+            </a:r>
+          </a:p>
+          <a:p>
+            <a:pPr marL="742950" marR="0" lvl="1" indent="-285750" algn="l" defTabSz="914400" rtl="0" eaLnBrk="1" fontAlgn="auto" latinLnBrk="0" hangingPunct="1">
+              <a:lnSpc>
+                <a:spcPct val="100000"/>
+              </a:lnSpc>
+              <a:spcBef>
+                <a:spcPct val="20000"/>
+              </a:spcBef>
+              <a:spcAft>
+                <a:spcPts val="0"/>
+              </a:spcAft>
+              <a:buClrTx/>
+              <a:buSzTx/>
+              <a:tabLst/>
+              <a:defRPr/>
+            </a:pPr>
+            <a:r>
+              <a:rPr kumimoji="0" lang="en-US" altLang="zh-TW" sz="2800" b="0" i="0" u="none" strike="noStrike" kern="1200" cap="none" spc="0" normalizeH="0" baseline="0" noProof="0" dirty="0" smtClean="0">
+                <a:ln>
+                  <a:noFill/>
+                </a:ln>
+                <a:solidFill>
+                  <a:schemeClr val="tx1"/>
+                </a:solidFill>
+                <a:effectLst/>
+                <a:uLnTx/>
+                <a:uFillTx/>
+                <a:latin typeface="+mn-lt"/>
+                <a:ea typeface="+mn-ea"/>
+                <a:cs typeface="+mn-cs"/>
+              </a:rPr>
+              <a:t>arrays</a:t>
+            </a:r>
+          </a:p>
+          <a:p>
+            <a:pPr marL="742950" marR="0" lvl="1" indent="-285750" algn="l" defTabSz="914400" rtl="0" eaLnBrk="1" fontAlgn="auto" latinLnBrk="0" hangingPunct="1">
+              <a:lnSpc>
+                <a:spcPct val="100000"/>
+              </a:lnSpc>
+              <a:spcBef>
+                <a:spcPct val="20000"/>
+              </a:spcBef>
+              <a:spcAft>
+                <a:spcPts val="0"/>
+              </a:spcAft>
+              <a:buClrTx/>
+              <a:buSzTx/>
+              <a:tabLst/>
+              <a:defRPr/>
+            </a:pPr>
+            <a:r>
+              <a:rPr lang="en-US" altLang="zh-TW" sz="2800" dirty="0" smtClean="0"/>
+              <a:t>sets</a:t>
+            </a:r>
+            <a:endParaRPr kumimoji="0" lang="en-US" altLang="zh-TW" sz="2800" b="0" i="0" u="none" strike="noStrike" kern="1200" cap="none" spc="0" normalizeH="0" baseline="0" noProof="0" dirty="0" smtClean="0">
+              <a:ln>
+                <a:noFill/>
+              </a:ln>
+              <a:solidFill>
+                <a:schemeClr val="tx1"/>
+              </a:solidFill>
+              <a:effectLst/>
+              <a:uLnTx/>
+              <a:uFillTx/>
+              <a:latin typeface="+mn-lt"/>
+              <a:ea typeface="+mn-ea"/>
+              <a:cs typeface="+mn-cs"/>
+            </a:endParaRPr>
+          </a:p>
+          <a:p>
+            <a:pPr marL="742950" marR="0" lvl="1" indent="-285750" algn="l" defTabSz="914400" rtl="0" eaLnBrk="1" fontAlgn="auto" latinLnBrk="0" hangingPunct="1">
+              <a:lnSpc>
+                <a:spcPct val="100000"/>
+              </a:lnSpc>
+              <a:spcBef>
+                <a:spcPct val="20000"/>
+              </a:spcBef>
+              <a:spcAft>
+                <a:spcPts val="0"/>
+              </a:spcAft>
+              <a:buClrTx/>
+              <a:buSzTx/>
+              <a:tabLst/>
+              <a:defRPr/>
+            </a:pPr>
+            <a:r>
+              <a:rPr kumimoji="0" lang="en-US" altLang="zh-TW" sz="2800" b="0" i="0" u="none" strike="noStrike" kern="1200" cap="none" spc="0" normalizeH="0" baseline="0" noProof="0" dirty="0" smtClean="0">
+                <a:ln>
+                  <a:noFill/>
+                </a:ln>
+                <a:solidFill>
+                  <a:schemeClr val="tx1"/>
+                </a:solidFill>
+                <a:effectLst/>
+                <a:uLnTx/>
+                <a:uFillTx/>
+                <a:latin typeface="+mn-lt"/>
+                <a:ea typeface="+mn-ea"/>
+                <a:cs typeface="+mn-cs"/>
+              </a:rPr>
+              <a:t>maps + sort</a:t>
+            </a:r>
+          </a:p>
+          <a:p>
+            <a:pPr marL="742950" marR="0" lvl="1" indent="-285750" algn="l" defTabSz="914400" rtl="0" eaLnBrk="1" fontAlgn="auto" latinLnBrk="0" hangingPunct="1">
+              <a:lnSpc>
+                <a:spcPct val="100000"/>
+              </a:lnSpc>
+              <a:spcBef>
+                <a:spcPct val="20000"/>
+              </a:spcBef>
+              <a:spcAft>
+                <a:spcPts val="0"/>
+              </a:spcAft>
+              <a:buClrTx/>
+              <a:buSzTx/>
+              <a:tabLst/>
+              <a:defRPr/>
+            </a:pPr>
+            <a:r>
+              <a:rPr kumimoji="0" lang="en-US" altLang="zh-TW" sz="2800" b="0" i="0" u="none" strike="noStrike" kern="1200" cap="none" spc="0" normalizeH="0" baseline="0" noProof="0" dirty="0" smtClean="0">
+                <a:ln>
+                  <a:noFill/>
+                </a:ln>
+                <a:solidFill>
+                  <a:schemeClr val="tx1"/>
+                </a:solidFill>
+                <a:effectLst/>
+                <a:uLnTx/>
+                <a:uFillTx/>
+                <a:latin typeface="+mn-lt"/>
+                <a:ea typeface="+mn-ea"/>
+                <a:cs typeface="+mn-cs"/>
+              </a:rPr>
+              <a:t>bitwise</a:t>
+            </a:r>
+          </a:p>
+          <a:p>
+            <a:pPr marL="742950" marR="0" lvl="1" indent="-285750" algn="l" defTabSz="914400" rtl="0" eaLnBrk="1" fontAlgn="auto" latinLnBrk="0" hangingPunct="1">
+              <a:lnSpc>
+                <a:spcPct val="100000"/>
+              </a:lnSpc>
+              <a:spcBef>
+                <a:spcPct val="20000"/>
+              </a:spcBef>
+              <a:spcAft>
+                <a:spcPts val="0"/>
+              </a:spcAft>
+              <a:buClrTx/>
+              <a:buSzTx/>
+              <a:tabLst/>
+              <a:defRPr/>
+            </a:pPr>
+            <a:r>
+              <a:rPr kumimoji="0" lang="en-US" altLang="zh-TW" sz="2800" b="0" i="0" u="none" strike="noStrike" kern="1200" cap="none" spc="0" normalizeH="0" baseline="0" noProof="0" dirty="0" smtClean="0">
+                <a:ln>
+                  <a:noFill/>
+                </a:ln>
+                <a:solidFill>
+                  <a:schemeClr val="tx1"/>
+                </a:solidFill>
+                <a:effectLst/>
+                <a:uLnTx/>
+                <a:uFillTx/>
+                <a:latin typeface="+mn-lt"/>
+                <a:ea typeface="+mn-ea"/>
+                <a:cs typeface="+mn-cs"/>
+              </a:rPr>
+              <a:t>-</a:t>
+            </a:r>
+          </a:p>
+          <a:p>
+            <a:pPr marL="742950" marR="0" lvl="1" indent="-285750" algn="l" defTabSz="914400" rtl="0" eaLnBrk="1" fontAlgn="auto" latinLnBrk="0" hangingPunct="1">
+              <a:lnSpc>
+                <a:spcPct val="100000"/>
+              </a:lnSpc>
+              <a:spcBef>
+                <a:spcPct val="20000"/>
+              </a:spcBef>
+              <a:spcAft>
+                <a:spcPts val="0"/>
+              </a:spcAft>
+              <a:buClrTx/>
+              <a:buSzTx/>
+              <a:tabLst/>
+              <a:defRPr/>
+            </a:pPr>
+            <a:r>
+              <a:rPr kumimoji="0" lang="en-US" altLang="zh-TW" sz="2800" b="0" i="0" u="none" strike="noStrike" kern="1200" cap="none" spc="0" normalizeH="0" baseline="0" noProof="0" dirty="0" smtClean="0">
+                <a:ln>
+                  <a:noFill/>
+                </a:ln>
+                <a:solidFill>
+                  <a:schemeClr val="tx1"/>
+                </a:solidFill>
+                <a:effectLst/>
+                <a:uLnTx/>
+                <a:uFillTx/>
+                <a:latin typeface="+mn-lt"/>
+                <a:ea typeface="+mn-ea"/>
+                <a:cs typeface="+mn-cs"/>
+              </a:rPr>
+              <a:t>-</a:t>
+            </a:r>
+          </a:p>
+          <a:p>
+            <a:pPr marL="742950" marR="0" lvl="1" indent="-285750" algn="l" defTabSz="914400" rtl="0" eaLnBrk="1" fontAlgn="auto" latinLnBrk="0" hangingPunct="1">
+              <a:lnSpc>
+                <a:spcPct val="100000"/>
+              </a:lnSpc>
+              <a:spcBef>
+                <a:spcPct val="20000"/>
+              </a:spcBef>
+              <a:spcAft>
+                <a:spcPts val="0"/>
+              </a:spcAft>
+              <a:buClrTx/>
+              <a:buSzTx/>
+              <a:tabLst/>
+              <a:defRPr/>
+            </a:pPr>
+            <a:r>
+              <a:rPr kumimoji="0" lang="en-US" altLang="zh-TW" sz="2800" b="0" i="0" u="none" strike="noStrike" kern="1200" cap="none" spc="0" normalizeH="0" baseline="0" noProof="0" smtClean="0">
+                <a:ln>
+                  <a:noFill/>
+                </a:ln>
+                <a:solidFill>
+                  <a:schemeClr val="tx1"/>
+                </a:solidFill>
+                <a:effectLst/>
+                <a:uLnTx/>
+                <a:uFillTx/>
+                <a:latin typeface="+mn-lt"/>
+                <a:ea typeface="+mn-ea"/>
+                <a:cs typeface="+mn-cs"/>
+              </a:rPr>
+              <a:t>-</a:t>
+            </a:r>
+            <a:endParaRPr kumimoji="0" lang="en-US" altLang="zh-TW" sz="2800" b="0" i="0" u="none" strike="noStrike" kern="1200" cap="none" spc="0" normalizeH="0" baseline="0" noProof="0" dirty="0" smtClean="0">
+              <a:ln>
+                <a:noFill/>
+              </a:ln>
+              <a:solidFill>
+                <a:schemeClr val="tx1"/>
+              </a:solidFill>
+              <a:effectLst/>
+              <a:uLnTx/>
+              <a:uFillTx/>
+              <a:latin typeface="+mn-lt"/>
+              <a:ea typeface="+mn-ea"/>
+              <a:cs typeface="+mn-cs"/>
+            </a:endParaRPr>
           </a:p>
         </p:txBody>
       </p:sp>
@@ -6869,7 +7271,7 @@
           <p:nvPr/>
         </p:nvPicPr>
         <p:blipFill>
-          <a:blip r:embed="rId2" cstate="print"/>
+          <a:blip r:embed="rId3" cstate="print"/>
           <a:srcRect/>
           <a:stretch>
             <a:fillRect/>
@@ -6901,7 +7303,7 @@
           <p:nvPr/>
         </p:nvPicPr>
         <p:blipFill>
-          <a:blip r:embed="rId3" cstate="print"/>
+          <a:blip r:embed="rId4" cstate="print"/>
           <a:srcRect/>
           <a:stretch>
             <a:fillRect/>

--- a/Microservice02.pptx
+++ b/Microservice02.pptx
@@ -5912,10 +5912,35 @@
           <a:p>
             <a:r>
               <a:rPr lang="en-US" altLang="zh-TW" dirty="0" smtClean="0"/>
-              <a:t>With Local Code</a:t>
-            </a:r>
-          </a:p>
-          <a:p>
+              <a:t>With Local </a:t>
+            </a:r>
+            <a:r>
+              <a:rPr lang="en-US" altLang="zh-TW" dirty="0" smtClean="0"/>
+              <a:t>Code</a:t>
+            </a:r>
+          </a:p>
+          <a:p>
+            <a:pPr lvl="1"/>
+            <a:r>
+              <a:rPr lang="en-US" altLang="zh-TW" dirty="0" smtClean="0"/>
+              <a:t>Using </a:t>
+            </a:r>
+            <a:r>
+              <a:rPr lang="en-US" altLang="zh-TW" dirty="0" err="1" smtClean="0">
+                <a:solidFill>
+                  <a:srgbClr val="FF0000"/>
+                </a:solidFill>
+              </a:rPr>
+              <a:t>UnionStore</a:t>
+            </a:r>
+            <a:endParaRPr lang="en-US" altLang="zh-TW" dirty="0" smtClean="0">
+              <a:solidFill>
+                <a:srgbClr val="FF0000"/>
+              </a:solidFill>
+            </a:endParaRPr>
+          </a:p>
+          <a:p>
+            <a:pPr lvl="1"/>
             <a:r>
               <a:rPr lang="en-US" altLang="zh-TW" dirty="0" smtClean="0"/>
               <a:t>Using </a:t>
@@ -6769,20 +6794,6 @@
               </a:rPr>
               <a:t>Counting</a:t>
             </a:r>
-            <a:endParaRPr kumimoji="0" lang="en-US" altLang="zh-TW" sz="2800" b="0" i="0" u="none" strike="noStrike" kern="1200" cap="none" spc="0" normalizeH="0" baseline="0" noProof="0" dirty="0" smtClean="0">
-              <a:ln>
-                <a:noFill/>
-              </a:ln>
-              <a:solidFill>
-                <a:srgbClr val="FF0000"/>
-              </a:solidFill>
-              <a:effectLst/>
-              <a:uLnTx/>
-              <a:uFillTx/>
-              <a:latin typeface="+mn-lt"/>
-              <a:ea typeface="+mn-ea"/>
-              <a:cs typeface="+mn-cs"/>
-            </a:endParaRPr>
           </a:p>
           <a:p>
             <a:pPr marL="742950" marR="0" lvl="1" indent="-285750" algn="l" defTabSz="914400" rtl="0" eaLnBrk="1" fontAlgn="auto" latinLnBrk="0" hangingPunct="1">
